--- a/Whitebox testing dan Unit Test.pptx
+++ b/Whitebox testing dan Unit Test.pptx
@@ -1,84 +1,49 @@
 
 <file path=ppt/presentation.xml><?xml version="1.0" encoding="utf-8"?>
-<p:presentation xmlns:a="http://schemas.openxmlformats.org/drawingml/2006/main" xmlns:r="http://schemas.openxmlformats.org/officeDocument/2006/relationships" xmlns:p="http://schemas.openxmlformats.org/presentationml/2006/main" saveSubsetFonts="1" embedTrueTypeFonts="true">
+<p:presentation xmlns:a="http://schemas.openxmlformats.org/drawingml/2006/main" xmlns:r="http://schemas.openxmlformats.org/officeDocument/2006/relationships" xmlns:p="http://schemas.openxmlformats.org/presentationml/2006/main" embedTrueTypeFonts="1" saveSubsetFonts="1">
   <p:sldMasterIdLst>
     <p:sldMasterId id="2147483648" r:id="rId1"/>
   </p:sldMasterIdLst>
   <p:sldIdLst>
-    <p:sldId id="256" r:id="rId21"/>
-    <p:sldId id="257" r:id="rId22"/>
-    <p:sldId id="258" r:id="rId23"/>
-    <p:sldId id="259" r:id="rId24"/>
-    <p:sldId id="260" r:id="rId25"/>
-    <p:sldId id="261" r:id="rId26"/>
-    <p:sldId id="262" r:id="rId27"/>
-    <p:sldId id="263" r:id="rId28"/>
-    <p:sldId id="264" r:id="rId29"/>
-    <p:sldId id="265" r:id="rId30"/>
-    <p:sldId id="266" r:id="rId31"/>
+    <p:sldId id="256" r:id="rId2"/>
+    <p:sldId id="257" r:id="rId3"/>
+    <p:sldId id="258" r:id="rId4"/>
+    <p:sldId id="259" r:id="rId5"/>
+    <p:sldId id="260" r:id="rId6"/>
+    <p:sldId id="261" r:id="rId7"/>
+    <p:sldId id="262" r:id="rId8"/>
+    <p:sldId id="263" r:id="rId9"/>
+    <p:sldId id="264" r:id="rId10"/>
+    <p:sldId id="265" r:id="rId11"/>
+    <p:sldId id="266" r:id="rId12"/>
+    <p:sldId id="267" r:id="rId13"/>
+    <p:sldId id="268" r:id="rId14"/>
+    <p:sldId id="269" r:id="rId15"/>
+    <p:sldId id="270" r:id="rId16"/>
+    <p:sldId id="271" r:id="rId17"/>
+    <p:sldId id="272" r:id="rId18"/>
   </p:sldIdLst>
   <p:sldSz cx="18288000" cy="10287000"/>
   <p:notesSz cx="6858000" cy="9144000"/>
   <p:embeddedFontLst>
     <p:embeddedFont>
-      <p:font typeface="Arimo" charset="1" panose="020B0604020202020204"/>
-      <p:regular r:id="rId6"/>
-    </p:embeddedFont>
-    <p:embeddedFont>
-      <p:font typeface="Arimo Bold" charset="1" panose="020B0704020202020204"/>
-      <p:regular r:id="rId7"/>
-    </p:embeddedFont>
-    <p:embeddedFont>
-      <p:font typeface="Arimo Italics" charset="1" panose="020B0604020202090204"/>
-      <p:regular r:id="rId8"/>
-    </p:embeddedFont>
-    <p:embeddedFont>
-      <p:font typeface="Arimo Bold Italics" charset="1" panose="020B0704020202090204"/>
-      <p:regular r:id="rId9"/>
-    </p:embeddedFont>
-    <p:embeddedFont>
-      <p:font typeface="Open Sans Extra Bold" charset="1" panose="020B0906030804020204"/>
-      <p:regular r:id="rId10"/>
-    </p:embeddedFont>
-    <p:embeddedFont>
-      <p:font typeface="Open Sans Extra Bold Italics" charset="1" panose="020B0906030804020204"/>
-      <p:regular r:id="rId11"/>
-    </p:embeddedFont>
-    <p:embeddedFont>
-      <p:font typeface="Open Sans" charset="1" panose="020B0606030504020204"/>
-      <p:regular r:id="rId12"/>
-    </p:embeddedFont>
-    <p:embeddedFont>
-      <p:font typeface="Open Sans Bold" charset="1" panose="020B0806030504020204"/>
-      <p:regular r:id="rId13"/>
-    </p:embeddedFont>
-    <p:embeddedFont>
-      <p:font typeface="Open Sans Italics" charset="1" panose="020B0606030504020204"/>
-      <p:regular r:id="rId14"/>
-    </p:embeddedFont>
-    <p:embeddedFont>
-      <p:font typeface="Open Sans Bold Italics" charset="1" panose="020B0806030504020204"/>
-      <p:regular r:id="rId15"/>
-    </p:embeddedFont>
-    <p:embeddedFont>
-      <p:font typeface="Open Sans Light" charset="1" panose="020B0306030504020204"/>
-      <p:regular r:id="rId16"/>
-    </p:embeddedFont>
-    <p:embeddedFont>
-      <p:font typeface="Open Sans Light Italics" charset="1" panose="020B0306030504020204"/>
-      <p:regular r:id="rId17"/>
-    </p:embeddedFont>
-    <p:embeddedFont>
-      <p:font typeface="Open Sans Ultra-Bold" charset="1" panose="00000000000000000000"/>
-      <p:regular r:id="rId18"/>
-    </p:embeddedFont>
-    <p:embeddedFont>
-      <p:font typeface="Open Sans Ultra-Bold Italics" charset="1" panose="00000000000000000000"/>
+      <p:font typeface="Magnolia Script" panose="020B0604020202020204" charset="0"/>
       <p:regular r:id="rId19"/>
     </p:embeddedFont>
     <p:embeddedFont>
-      <p:font typeface="Magnolia Script" charset="1" panose="02000503070000020003"/>
+      <p:font typeface="Open Sans Bold" panose="020B0604020202020204" charset="0"/>
       <p:regular r:id="rId20"/>
+    </p:embeddedFont>
+    <p:embeddedFont>
+      <p:font typeface="Calibri" panose="020F0502020204030204" pitchFamily="34" charset="0"/>
+      <p:regular r:id="rId21"/>
+      <p:bold r:id="rId22"/>
+      <p:italic r:id="rId23"/>
+      <p:boldItalic r:id="rId24"/>
+    </p:embeddedFont>
+    <p:embeddedFont>
+      <p:font typeface="Open Sans" panose="020B0604020202020204" charset="0"/>
+      <p:regular r:id="rId25"/>
     </p:embeddedFont>
   </p:embeddedFontLst>
   <p:defaultTextStyle>
@@ -176,6 +141,22 @@
       </a:defRPr>
     </a:lvl9pPr>
   </p:defaultTextStyle>
+  <p:extLst>
+    <p:ext uri="{EFAFB233-063F-42B5-8137-9DF3F51BA10A}">
+      <p15:sldGuideLst xmlns:p15="http://schemas.microsoft.com/office/powerpoint/2012/main">
+        <p15:guide id="1" orient="horz" pos="2160">
+          <p15:clr>
+            <a:srgbClr val="A4A3A4"/>
+          </p15:clr>
+        </p15:guide>
+        <p15:guide id="2" pos="2880">
+          <p15:clr>
+            <a:srgbClr val="A4A3A4"/>
+          </p15:clr>
+        </p15:guide>
+      </p15:sldGuideLst>
+    </p:ext>
+  </p:extLst>
 </p:presentation>
 </file>
 
@@ -361,7 +342,7 @@
             <a:fld id="{1D8BD707-D9CF-40AE-B4C6-C98DA3205C09}" type="datetimeFigureOut">
               <a:rPr lang="en-US" smtClean="0"/>
               <a:pPr/>
-              <a:t>8/1/2011</a:t>
+              <a:t>11/3/2023</a:t>
             </a:fld>
             <a:endParaRPr lang="en-US"/>
           </a:p>
@@ -528,7 +509,7 @@
             <a:fld id="{1D8BD707-D9CF-40AE-B4C6-C98DA3205C09}" type="datetimeFigureOut">
               <a:rPr lang="en-US" smtClean="0"/>
               <a:pPr/>
-              <a:t>8/1/2011</a:t>
+              <a:t>11/3/2023</a:t>
             </a:fld>
             <a:endParaRPr lang="en-US"/>
           </a:p>
@@ -705,7 +686,7 @@
             <a:fld id="{1D8BD707-D9CF-40AE-B4C6-C98DA3205C09}" type="datetimeFigureOut">
               <a:rPr lang="en-US" smtClean="0"/>
               <a:pPr/>
-              <a:t>8/1/2011</a:t>
+              <a:t>11/3/2023</a:t>
             </a:fld>
             <a:endParaRPr lang="en-US"/>
           </a:p>
@@ -872,7 +853,7 @@
             <a:fld id="{1D8BD707-D9CF-40AE-B4C6-C98DA3205C09}" type="datetimeFigureOut">
               <a:rPr lang="en-US" smtClean="0"/>
               <a:pPr/>
-              <a:t>8/1/2011</a:t>
+              <a:t>11/3/2023</a:t>
             </a:fld>
             <a:endParaRPr lang="en-US"/>
           </a:p>
@@ -1115,7 +1096,7 @@
             <a:fld id="{1D8BD707-D9CF-40AE-B4C6-C98DA3205C09}" type="datetimeFigureOut">
               <a:rPr lang="en-US" smtClean="0"/>
               <a:pPr/>
-              <a:t>8/1/2011</a:t>
+              <a:t>11/3/2023</a:t>
             </a:fld>
             <a:endParaRPr lang="en-US"/>
           </a:p>
@@ -1400,7 +1381,7 @@
             <a:fld id="{1D8BD707-D9CF-40AE-B4C6-C98DA3205C09}" type="datetimeFigureOut">
               <a:rPr lang="en-US" smtClean="0"/>
               <a:pPr/>
-              <a:t>8/1/2011</a:t>
+              <a:t>11/3/2023</a:t>
             </a:fld>
             <a:endParaRPr lang="en-US"/>
           </a:p>
@@ -1819,7 +1800,7 @@
             <a:fld id="{1D8BD707-D9CF-40AE-B4C6-C98DA3205C09}" type="datetimeFigureOut">
               <a:rPr lang="en-US" smtClean="0"/>
               <a:pPr/>
-              <a:t>8/1/2011</a:t>
+              <a:t>11/3/2023</a:t>
             </a:fld>
             <a:endParaRPr lang="en-US"/>
           </a:p>
@@ -1934,7 +1915,7 @@
             <a:fld id="{1D8BD707-D9CF-40AE-B4C6-C98DA3205C09}" type="datetimeFigureOut">
               <a:rPr lang="en-US" smtClean="0"/>
               <a:pPr/>
-              <a:t>8/1/2011</a:t>
+              <a:t>11/3/2023</a:t>
             </a:fld>
             <a:endParaRPr lang="en-US"/>
           </a:p>
@@ -2026,7 +2007,7 @@
             <a:fld id="{1D8BD707-D9CF-40AE-B4C6-C98DA3205C09}" type="datetimeFigureOut">
               <a:rPr lang="en-US" smtClean="0"/>
               <a:pPr/>
-              <a:t>8/1/2011</a:t>
+              <a:t>11/3/2023</a:t>
             </a:fld>
             <a:endParaRPr lang="en-US"/>
           </a:p>
@@ -2300,7 +2281,7 @@
             <a:fld id="{1D8BD707-D9CF-40AE-B4C6-C98DA3205C09}" type="datetimeFigureOut">
               <a:rPr lang="en-US" smtClean="0"/>
               <a:pPr/>
-              <a:t>8/1/2011</a:t>
+              <a:t>11/3/2023</a:t>
             </a:fld>
             <a:endParaRPr lang="en-US"/>
           </a:p>
@@ -2550,7 +2531,7 @@
             <a:fld id="{1D8BD707-D9CF-40AE-B4C6-C98DA3205C09}" type="datetimeFigureOut">
               <a:rPr lang="en-US" smtClean="0"/>
               <a:pPr/>
-              <a:t>8/1/2011</a:t>
+              <a:t>11/3/2023</a:t>
             </a:fld>
             <a:endParaRPr lang="en-US"/>
           </a:p>
@@ -2760,7 +2741,7 @@
             <a:fld id="{1D8BD707-D9CF-40AE-B4C6-C98DA3205C09}" type="datetimeFigureOut">
               <a:rPr lang="en-US" smtClean="0"/>
               <a:pPr/>
-              <a:t>8/1/2011</a:t>
+              <a:t>11/3/2023</a:t>
             </a:fld>
             <a:endParaRPr lang="en-US"/>
           </a:p>
@@ -3115,7 +3096,7 @@
 </file>
 
 <file path=ppt/slides/slide1.xml><?xml version="1.0" encoding="utf-8"?>
-<p:sld xmlns:p="http://schemas.openxmlformats.org/presentationml/2006/main" xmlns:a="http://schemas.openxmlformats.org/drawingml/2006/main" xmlns:r="http://schemas.openxmlformats.org/officeDocument/2006/relationships">
+<p:sld xmlns:a="http://schemas.openxmlformats.org/drawingml/2006/main" xmlns:r="http://schemas.openxmlformats.org/officeDocument/2006/relationships" xmlns:p="http://schemas.openxmlformats.org/presentationml/2006/main">
   <p:cSld>
     <p:spTree>
       <p:nvGrpSpPr>
@@ -3133,12 +3114,12 @@
       </p:grpSpPr>
       <p:sp>
         <p:nvSpPr>
-          <p:cNvPr name="Freeform 2" id="2"/>
+          <p:cNvPr id="2" name="Freeform 2"/>
           <p:cNvSpPr/>
           <p:nvPr/>
         </p:nvSpPr>
         <p:spPr>
-          <a:xfrm flipH="false" flipV="false" rot="-5684479">
+          <a:xfrm rot="-5684479">
             <a:off x="14695182" y="6516833"/>
             <a:ext cx="5137453" cy="4804757"/>
           </a:xfrm>
@@ -3147,9 +3128,9 @@
             <a:gdLst/>
             <a:ahLst/>
             <a:cxnLst/>
-            <a:rect r="r" b="b" t="t" l="l"/>
+            <a:rect l="l" t="t" r="r" b="b"/>
             <a:pathLst>
-              <a:path h="4804757" w="5137453">
+              <a:path w="5137453" h="4804757">
                 <a:moveTo>
                   <a:pt x="0" y="0"/>
                 </a:moveTo>
@@ -3173,24 +3154,24 @@
             <a:blip r:embed="rId2">
               <a:extLst>
                 <a:ext uri="{96DAC541-7B7A-43D3-8B79-37D633B846F1}">
-                  <asvg:svgBlip xmlns:asvg="http://schemas.microsoft.com/office/drawing/2016/SVG/main" r:embed="rId3"/>
+                  <asvg:svgBlip xmlns:asvg="http://schemas.microsoft.com/office/drawing/2016/SVG/main" xmlns="" r:embed="rId3"/>
                 </a:ext>
               </a:extLst>
             </a:blip>
             <a:stretch>
-              <a:fillRect l="0" t="0" r="0" b="0"/>
+              <a:fillRect/>
             </a:stretch>
           </a:blipFill>
         </p:spPr>
       </p:sp>
       <p:sp>
         <p:nvSpPr>
-          <p:cNvPr name="Freeform 3" id="3"/>
+          <p:cNvPr id="3" name="Freeform 3"/>
           <p:cNvSpPr/>
           <p:nvPr/>
         </p:nvSpPr>
         <p:spPr>
-          <a:xfrm flipH="false" flipV="false" rot="5400000">
+          <a:xfrm rot="5400000">
             <a:off x="-1210660" y="-989201"/>
             <a:ext cx="5619589" cy="5255670"/>
           </a:xfrm>
@@ -3199,9 +3180,9 @@
             <a:gdLst/>
             <a:ahLst/>
             <a:cxnLst/>
-            <a:rect r="r" b="b" t="t" l="l"/>
+            <a:rect l="l" t="t" r="r" b="b"/>
             <a:pathLst>
-              <a:path h="5255670" w="5619589">
+              <a:path w="5619589" h="5255670">
                 <a:moveTo>
                   <a:pt x="0" y="0"/>
                 </a:moveTo>
@@ -3225,24 +3206,24 @@
             <a:blip r:embed="rId2">
               <a:extLst>
                 <a:ext uri="{96DAC541-7B7A-43D3-8B79-37D633B846F1}">
-                  <asvg:svgBlip xmlns:asvg="http://schemas.microsoft.com/office/drawing/2016/SVG/main" r:embed="rId3"/>
+                  <asvg:svgBlip xmlns:asvg="http://schemas.microsoft.com/office/drawing/2016/SVG/main" xmlns="" r:embed="rId3"/>
                 </a:ext>
               </a:extLst>
             </a:blip>
             <a:stretch>
-              <a:fillRect l="0" t="0" r="0" b="0"/>
+              <a:fillRect/>
             </a:stretch>
           </a:blipFill>
         </p:spPr>
       </p:sp>
       <p:sp>
         <p:nvSpPr>
-          <p:cNvPr name="Freeform 4" id="4"/>
+          <p:cNvPr id="4" name="Freeform 4"/>
           <p:cNvSpPr/>
           <p:nvPr/>
         </p:nvSpPr>
         <p:spPr>
-          <a:xfrm flipH="false" flipV="false" rot="1816550">
+          <a:xfrm rot="1816550">
             <a:off x="-1712897" y="8499236"/>
             <a:ext cx="8718707" cy="3760358"/>
           </a:xfrm>
@@ -3251,9 +3232,9 @@
             <a:gdLst/>
             <a:ahLst/>
             <a:cxnLst/>
-            <a:rect r="r" b="b" t="t" l="l"/>
+            <a:rect l="l" t="t" r="r" b="b"/>
             <a:pathLst>
-              <a:path h="3760358" w="8718707">
+              <a:path w="8718707" h="3760358">
                 <a:moveTo>
                   <a:pt x="0" y="0"/>
                 </a:moveTo>
@@ -3277,24 +3258,24 @@
             <a:blip r:embed="rId4">
               <a:extLst>
                 <a:ext uri="{96DAC541-7B7A-43D3-8B79-37D633B846F1}">
-                  <asvg:svgBlip xmlns:asvg="http://schemas.microsoft.com/office/drawing/2016/SVG/main" r:embed="rId5"/>
+                  <asvg:svgBlip xmlns:asvg="http://schemas.microsoft.com/office/drawing/2016/SVG/main" xmlns="" r:embed="rId5"/>
                 </a:ext>
               </a:extLst>
             </a:blip>
             <a:stretch>
-              <a:fillRect l="0" t="0" r="0" b="0"/>
+              <a:fillRect/>
             </a:stretch>
           </a:blipFill>
         </p:spPr>
       </p:sp>
       <p:sp>
         <p:nvSpPr>
-          <p:cNvPr name="Freeform 5" id="5"/>
+          <p:cNvPr id="5" name="Freeform 5"/>
           <p:cNvSpPr/>
           <p:nvPr/>
         </p:nvSpPr>
         <p:spPr>
-          <a:xfrm flipH="false" flipV="false" rot="-8277046">
+          <a:xfrm rot="-8277046">
             <a:off x="12472299" y="-847192"/>
             <a:ext cx="8698829" cy="3751785"/>
           </a:xfrm>
@@ -3303,9 +3284,9 @@
             <a:gdLst/>
             <a:ahLst/>
             <a:cxnLst/>
-            <a:rect r="r" b="b" t="t" l="l"/>
+            <a:rect l="l" t="t" r="r" b="b"/>
             <a:pathLst>
-              <a:path h="3751785" w="8698829">
+              <a:path w="8698829" h="3751785">
                 <a:moveTo>
                   <a:pt x="0" y="0"/>
                 </a:moveTo>
@@ -3329,24 +3310,24 @@
             <a:blip r:embed="rId4">
               <a:extLst>
                 <a:ext uri="{96DAC541-7B7A-43D3-8B79-37D633B846F1}">
-                  <asvg:svgBlip xmlns:asvg="http://schemas.microsoft.com/office/drawing/2016/SVG/main" r:embed="rId5"/>
+                  <asvg:svgBlip xmlns:asvg="http://schemas.microsoft.com/office/drawing/2016/SVG/main" xmlns="" r:embed="rId5"/>
                 </a:ext>
               </a:extLst>
             </a:blip>
             <a:stretch>
-              <a:fillRect l="0" t="0" r="0" b="0"/>
+              <a:fillRect/>
             </a:stretch>
           </a:blipFill>
         </p:spPr>
       </p:sp>
       <p:sp>
         <p:nvSpPr>
-          <p:cNvPr name="TextBox 6" id="6"/>
-          <p:cNvSpPr txBox="true"/>
-          <p:nvPr/>
-        </p:nvSpPr>
-        <p:spPr>
-          <a:xfrm rot="0">
+          <p:cNvPr id="6" name="TextBox 6"/>
+          <p:cNvSpPr txBox="1"/>
+          <p:nvPr/>
+        </p:nvSpPr>
+        <p:spPr>
+          <a:xfrm>
             <a:off x="3600893" y="3200400"/>
             <a:ext cx="11086213" cy="3886200"/>
           </a:xfrm>
@@ -3355,7 +3336,7 @@
           </a:prstGeom>
         </p:spPr>
         <p:txBody>
-          <a:bodyPr anchor="t" rtlCol="false" tIns="0" lIns="0" bIns="0" rIns="0">
+          <a:bodyPr lIns="0" tIns="0" rIns="0" bIns="0" rtlCol="0" anchor="t">
             <a:spAutoFit/>
           </a:bodyPr>
           <a:lstStyle/>
@@ -3379,12 +3360,12 @@
       </p:sp>
       <p:sp>
         <p:nvSpPr>
-          <p:cNvPr name="TextBox 7" id="7"/>
-          <p:cNvSpPr txBox="true"/>
-          <p:nvPr/>
-        </p:nvSpPr>
-        <p:spPr>
-          <a:xfrm rot="0">
+          <p:cNvPr id="7" name="TextBox 7"/>
+          <p:cNvSpPr txBox="1"/>
+          <p:nvPr/>
+        </p:nvSpPr>
+        <p:spPr>
+          <a:xfrm>
             <a:off x="5446303" y="8677910"/>
             <a:ext cx="7395393" cy="580390"/>
           </a:xfrm>
@@ -3393,7 +3374,7 @@
           </a:prstGeom>
         </p:spPr>
         <p:txBody>
-          <a:bodyPr anchor="t" rtlCol="false" tIns="0" lIns="0" bIns="0" rIns="0">
+          <a:bodyPr lIns="0" tIns="0" rIns="0" bIns="0" rtlCol="0" anchor="t">
             <a:spAutoFit/>
           </a:bodyPr>
           <a:lstStyle/>
@@ -3424,7 +3405,7 @@
 </file>
 
 <file path=ppt/slides/slide10.xml><?xml version="1.0" encoding="utf-8"?>
-<p:sld xmlns:p="http://schemas.openxmlformats.org/presentationml/2006/main" xmlns:a="http://schemas.openxmlformats.org/drawingml/2006/main" xmlns:r="http://schemas.openxmlformats.org/officeDocument/2006/relationships">
+<p:sld xmlns:a="http://schemas.openxmlformats.org/drawingml/2006/main" xmlns:r="http://schemas.openxmlformats.org/officeDocument/2006/relationships" xmlns:p="http://schemas.openxmlformats.org/presentationml/2006/main">
   <p:cSld>
     <p:spTree>
       <p:nvGrpSpPr>
@@ -3442,12 +3423,12 @@
       </p:grpSpPr>
       <p:sp>
         <p:nvSpPr>
-          <p:cNvPr name="Freeform 2" id="2"/>
+          <p:cNvPr id="2" name="Freeform 2"/>
           <p:cNvSpPr/>
           <p:nvPr/>
         </p:nvSpPr>
         <p:spPr>
-          <a:xfrm flipH="false" flipV="false" rot="0">
+          <a:xfrm>
             <a:off x="13963906" y="6466194"/>
             <a:ext cx="6626110" cy="5084033"/>
           </a:xfrm>
@@ -3456,9 +3437,9 @@
             <a:gdLst/>
             <a:ahLst/>
             <a:cxnLst/>
-            <a:rect r="r" b="b" t="t" l="l"/>
+            <a:rect l="l" t="t" r="r" b="b"/>
             <a:pathLst>
-              <a:path h="5084033" w="6626110">
+              <a:path w="6626110" h="5084033">
                 <a:moveTo>
                   <a:pt x="0" y="0"/>
                 </a:moveTo>
@@ -3482,24 +3463,24 @@
             <a:blip r:embed="rId2">
               <a:extLst>
                 <a:ext uri="{96DAC541-7B7A-43D3-8B79-37D633B846F1}">
-                  <asvg:svgBlip xmlns:asvg="http://schemas.microsoft.com/office/drawing/2016/SVG/main" r:embed="rId3"/>
+                  <asvg:svgBlip xmlns:asvg="http://schemas.microsoft.com/office/drawing/2016/SVG/main" xmlns="" r:embed="rId3"/>
                 </a:ext>
               </a:extLst>
             </a:blip>
             <a:stretch>
-              <a:fillRect l="0" t="0" r="0" b="0"/>
+              <a:fillRect/>
             </a:stretch>
           </a:blipFill>
         </p:spPr>
       </p:sp>
       <p:sp>
         <p:nvSpPr>
-          <p:cNvPr name="Freeform 3" id="3"/>
+          <p:cNvPr id="3" name="Freeform 3"/>
           <p:cNvSpPr/>
           <p:nvPr/>
         </p:nvSpPr>
         <p:spPr>
-          <a:xfrm flipH="false" flipV="false" rot="0">
+          <a:xfrm>
             <a:off x="13888818" y="8195613"/>
             <a:ext cx="6740964" cy="4583855"/>
           </a:xfrm>
@@ -3508,9 +3489,9 @@
             <a:gdLst/>
             <a:ahLst/>
             <a:cxnLst/>
-            <a:rect r="r" b="b" t="t" l="l"/>
+            <a:rect l="l" t="t" r="r" b="b"/>
             <a:pathLst>
-              <a:path h="4583855" w="6740964">
+              <a:path w="6740964" h="4583855">
                 <a:moveTo>
                   <a:pt x="0" y="0"/>
                 </a:moveTo>
@@ -3534,24 +3515,24 @@
             <a:blip r:embed="rId4">
               <a:extLst>
                 <a:ext uri="{96DAC541-7B7A-43D3-8B79-37D633B846F1}">
-                  <asvg:svgBlip xmlns:asvg="http://schemas.microsoft.com/office/drawing/2016/SVG/main" r:embed="rId5"/>
+                  <asvg:svgBlip xmlns:asvg="http://schemas.microsoft.com/office/drawing/2016/SVG/main" xmlns="" r:embed="rId5"/>
                 </a:ext>
               </a:extLst>
             </a:blip>
             <a:stretch>
-              <a:fillRect l="0" t="0" r="0" b="0"/>
+              <a:fillRect/>
             </a:stretch>
           </a:blipFill>
         </p:spPr>
       </p:sp>
       <p:sp>
         <p:nvSpPr>
-          <p:cNvPr name="Freeform 4" id="4"/>
+          <p:cNvPr id="4" name="Freeform 4"/>
           <p:cNvSpPr/>
           <p:nvPr/>
         </p:nvSpPr>
         <p:spPr>
-          <a:xfrm flipH="false" flipV="false" rot="0">
+          <a:xfrm>
             <a:off x="-1652745" y="6700722"/>
             <a:ext cx="6014782" cy="4614978"/>
           </a:xfrm>
@@ -3560,9 +3541,9 @@
             <a:gdLst/>
             <a:ahLst/>
             <a:cxnLst/>
-            <a:rect r="r" b="b" t="t" l="l"/>
+            <a:rect l="l" t="t" r="r" b="b"/>
             <a:pathLst>
-              <a:path h="4614978" w="6014782">
+              <a:path w="6014782" h="4614978">
                 <a:moveTo>
                   <a:pt x="0" y="0"/>
                 </a:moveTo>
@@ -3586,24 +3567,24 @@
             <a:blip r:embed="rId2">
               <a:extLst>
                 <a:ext uri="{96DAC541-7B7A-43D3-8B79-37D633B846F1}">
-                  <asvg:svgBlip xmlns:asvg="http://schemas.microsoft.com/office/drawing/2016/SVG/main" r:embed="rId3"/>
+                  <asvg:svgBlip xmlns:asvg="http://schemas.microsoft.com/office/drawing/2016/SVG/main" xmlns="" r:embed="rId3"/>
                 </a:ext>
               </a:extLst>
             </a:blip>
             <a:stretch>
-              <a:fillRect l="0" t="0" r="0" b="0"/>
+              <a:fillRect/>
             </a:stretch>
           </a:blipFill>
         </p:spPr>
       </p:sp>
       <p:sp>
         <p:nvSpPr>
-          <p:cNvPr name="Freeform 5" id="5"/>
+          <p:cNvPr id="5" name="Freeform 5"/>
           <p:cNvSpPr/>
           <p:nvPr/>
         </p:nvSpPr>
         <p:spPr>
-          <a:xfrm flipH="false" flipV="false" rot="0">
+          <a:xfrm>
             <a:off x="-2704782" y="7185338"/>
             <a:ext cx="6051176" cy="4114800"/>
           </a:xfrm>
@@ -3612,9 +3593,9 @@
             <a:gdLst/>
             <a:ahLst/>
             <a:cxnLst/>
-            <a:rect r="r" b="b" t="t" l="l"/>
+            <a:rect l="l" t="t" r="r" b="b"/>
             <a:pathLst>
-              <a:path h="4114800" w="6051176">
+              <a:path w="6051176" h="4114800">
                 <a:moveTo>
                   <a:pt x="0" y="0"/>
                 </a:moveTo>
@@ -3638,24 +3619,24 @@
             <a:blip r:embed="rId4">
               <a:extLst>
                 <a:ext uri="{96DAC541-7B7A-43D3-8B79-37D633B846F1}">
-                  <asvg:svgBlip xmlns:asvg="http://schemas.microsoft.com/office/drawing/2016/SVG/main" r:embed="rId5"/>
+                  <asvg:svgBlip xmlns:asvg="http://schemas.microsoft.com/office/drawing/2016/SVG/main" xmlns="" r:embed="rId5"/>
                 </a:ext>
               </a:extLst>
             </a:blip>
             <a:stretch>
-              <a:fillRect l="0" t="0" r="0" b="0"/>
+              <a:fillRect/>
             </a:stretch>
           </a:blipFill>
         </p:spPr>
       </p:sp>
       <p:sp>
         <p:nvSpPr>
-          <p:cNvPr name="TextBox 6" id="6"/>
-          <p:cNvSpPr txBox="true"/>
-          <p:nvPr/>
-        </p:nvSpPr>
-        <p:spPr>
-          <a:xfrm rot="0">
+          <p:cNvPr id="6" name="TextBox 6"/>
+          <p:cNvSpPr txBox="1"/>
+          <p:nvPr/>
+        </p:nvSpPr>
+        <p:spPr>
+          <a:xfrm>
             <a:off x="3543291" y="1028700"/>
             <a:ext cx="11201418" cy="1181100"/>
           </a:xfrm>
@@ -3664,7 +3645,7 @@
           </a:prstGeom>
         </p:spPr>
         <p:txBody>
-          <a:bodyPr anchor="t" rtlCol="false" tIns="0" lIns="0" bIns="0" rIns="0">
+          <a:bodyPr lIns="0" tIns="0" rIns="0" bIns="0" rtlCol="0" anchor="t">
             <a:spAutoFit/>
           </a:bodyPr>
           <a:lstStyle/>
@@ -3688,12 +3669,12 @@
       </p:sp>
       <p:sp>
         <p:nvSpPr>
-          <p:cNvPr name="TextBox 7" id="7"/>
-          <p:cNvSpPr txBox="true"/>
-          <p:nvPr/>
-        </p:nvSpPr>
-        <p:spPr>
-          <a:xfrm rot="0">
+          <p:cNvPr id="7" name="TextBox 7"/>
+          <p:cNvSpPr txBox="1"/>
+          <p:nvPr/>
+        </p:nvSpPr>
+        <p:spPr>
+          <a:xfrm>
             <a:off x="3436997" y="2761283"/>
             <a:ext cx="11414005" cy="5434330"/>
           </a:xfrm>
@@ -3702,7 +3683,7 @@
           </a:prstGeom>
         </p:spPr>
         <p:txBody>
-          <a:bodyPr anchor="t" rtlCol="false" tIns="0" lIns="0" bIns="0" rIns="0">
+          <a:bodyPr lIns="0" tIns="0" rIns="0" bIns="0" rtlCol="0" anchor="t">
             <a:spAutoFit/>
           </a:bodyPr>
           <a:lstStyle/>
@@ -3723,7 +3704,7 @@
             </a:r>
           </a:p>
           <a:p>
-            <a:pPr algn="just" marL="604519" indent="-302260" lvl="1">
+            <a:pPr marL="604519" lvl="1" indent="-302260" algn="just">
               <a:lnSpc>
                 <a:spcPts val="3919"/>
               </a:lnSpc>
@@ -3750,7 +3731,7 @@
             </a:r>
           </a:p>
           <a:p>
-            <a:pPr algn="just" marL="604519" indent="-302260" lvl="1">
+            <a:pPr marL="604519" lvl="1" indent="-302260" algn="just">
               <a:lnSpc>
                 <a:spcPts val="3919"/>
               </a:lnSpc>
@@ -3777,7 +3758,7 @@
             </a:r>
           </a:p>
           <a:p>
-            <a:pPr algn="just" marL="604519" indent="-302260" lvl="1">
+            <a:pPr marL="604519" lvl="1" indent="-302260" algn="just">
               <a:lnSpc>
                 <a:spcPts val="3919"/>
               </a:lnSpc>
@@ -3809,6 +3790,12 @@
                 <a:spcPts val="3919"/>
               </a:lnSpc>
             </a:pPr>
+            <a:endParaRPr lang="en-US" sz="2799">
+              <a:solidFill>
+                <a:srgbClr val="343434"/>
+              </a:solidFill>
+              <a:latin typeface="Open Sans"/>
+            </a:endParaRPr>
           </a:p>
         </p:txBody>
       </p:sp>
@@ -3817,14 +3804,14 @@
   <p:clrMapOvr>
     <a:masterClrMapping/>
   </p:clrMapOvr>
-  <p:transition spd="fast">
+  <p:transition>
     <p:fade/>
   </p:transition>
 </p:sld>
 </file>
 
 <file path=ppt/slides/slide11.xml><?xml version="1.0" encoding="utf-8"?>
-<p:sld xmlns:p="http://schemas.openxmlformats.org/presentationml/2006/main" xmlns:a="http://schemas.openxmlformats.org/drawingml/2006/main" xmlns:r="http://schemas.openxmlformats.org/officeDocument/2006/relationships">
+<p:sld xmlns:a="http://schemas.openxmlformats.org/drawingml/2006/main" xmlns:r="http://schemas.openxmlformats.org/officeDocument/2006/relationships" xmlns:p="http://schemas.openxmlformats.org/presentationml/2006/main">
   <p:cSld>
     <p:spTree>
       <p:nvGrpSpPr>
@@ -3842,12 +3829,12 @@
       </p:grpSpPr>
       <p:sp>
         <p:nvSpPr>
-          <p:cNvPr name="Freeform 2" id="2"/>
+          <p:cNvPr id="2" name="Freeform 2"/>
           <p:cNvSpPr/>
           <p:nvPr/>
         </p:nvSpPr>
         <p:spPr>
-          <a:xfrm flipH="false" flipV="false" rot="-6083460">
+          <a:xfrm rot="-6083460">
             <a:off x="-3023644" y="-1273567"/>
             <a:ext cx="6285988" cy="6326165"/>
           </a:xfrm>
@@ -3856,9 +3843,9 @@
             <a:gdLst/>
             <a:ahLst/>
             <a:cxnLst/>
-            <a:rect r="r" b="b" t="t" l="l"/>
+            <a:rect l="l" t="t" r="r" b="b"/>
             <a:pathLst>
-              <a:path h="6326165" w="6285988">
+              <a:path w="6285988" h="6326165">
                 <a:moveTo>
                   <a:pt x="0" y="0"/>
                 </a:moveTo>
@@ -3882,24 +3869,24 @@
             <a:blip r:embed="rId2">
               <a:extLst>
                 <a:ext uri="{96DAC541-7B7A-43D3-8B79-37D633B846F1}">
-                  <asvg:svgBlip xmlns:asvg="http://schemas.microsoft.com/office/drawing/2016/SVG/main" r:embed="rId3"/>
+                  <asvg:svgBlip xmlns:asvg="http://schemas.microsoft.com/office/drawing/2016/SVG/main" xmlns="" r:embed="rId3"/>
                 </a:ext>
               </a:extLst>
             </a:blip>
             <a:stretch>
-              <a:fillRect l="0" t="0" r="0" b="0"/>
+              <a:fillRect/>
             </a:stretch>
           </a:blipFill>
         </p:spPr>
       </p:sp>
       <p:grpSp>
         <p:nvGrpSpPr>
-          <p:cNvPr name="Group 3" id="3"/>
+          <p:cNvPr id="3" name="Group 3"/>
           <p:cNvGrpSpPr/>
           <p:nvPr/>
         </p:nvGrpSpPr>
         <p:grpSpPr>
-          <a:xfrm rot="0">
+          <a:xfrm>
             <a:off x="228280" y="189228"/>
             <a:ext cx="7704344" cy="10987350"/>
             <a:chOff x="0" y="0"/>
@@ -3908,12 +3895,12 @@
         </p:grpSpPr>
         <p:sp>
           <p:nvSpPr>
-            <p:cNvPr name="Freeform 4" id="4"/>
+            <p:cNvPr id="4" name="Freeform 4"/>
             <p:cNvSpPr/>
             <p:nvPr/>
           </p:nvSpPr>
           <p:spPr>
-            <a:xfrm flipH="false" flipV="false" rot="0">
+            <a:xfrm>
               <a:off x="0" y="0"/>
               <a:ext cx="2029128" cy="2893788"/>
             </a:xfrm>
@@ -3922,9 +3909,9 @@
               <a:gdLst/>
               <a:ahLst/>
               <a:cxnLst/>
-              <a:rect r="r" b="b" t="t" l="l"/>
+              <a:rect l="l" t="t" r="r" b="b"/>
               <a:pathLst>
-                <a:path h="2893788" w="2029128">
+                <a:path w="2029128" h="2893788">
                   <a:moveTo>
                     <a:pt x="0" y="0"/>
                   </a:moveTo>
@@ -3948,8 +3935,8 @@
         </p:sp>
         <p:sp>
           <p:nvSpPr>
-            <p:cNvPr name="TextBox 5" id="5"/>
-            <p:cNvSpPr txBox="true"/>
+            <p:cNvPr id="5" name="TextBox 5"/>
+            <p:cNvSpPr txBox="1"/>
             <p:nvPr/>
           </p:nvSpPr>
           <p:spPr>
@@ -3962,7 +3949,7 @@
             </a:prstGeom>
           </p:spPr>
           <p:txBody>
-            <a:bodyPr anchor="ctr" rtlCol="false" tIns="50800" lIns="50800" bIns="50800" rIns="50800"/>
+            <a:bodyPr lIns="50800" tIns="50800" rIns="50800" bIns="50800" rtlCol="0" anchor="ctr"/>
             <a:lstStyle/>
             <a:p>
               <a:pPr algn="ctr">
@@ -3970,18 +3957,19 @@
                   <a:spcPts val="2659"/>
                 </a:lnSpc>
               </a:pPr>
+              <a:endParaRPr/>
             </a:p>
           </p:txBody>
         </p:sp>
       </p:grpSp>
       <p:grpSp>
         <p:nvGrpSpPr>
-          <p:cNvPr name="Group 6" id="6"/>
+          <p:cNvPr id="6" name="Group 6"/>
           <p:cNvGrpSpPr/>
           <p:nvPr/>
         </p:nvGrpSpPr>
         <p:grpSpPr>
-          <a:xfrm rot="0">
+          <a:xfrm>
             <a:off x="0" y="0"/>
             <a:ext cx="7704344" cy="10987350"/>
             <a:chOff x="0" y="0"/>
@@ -3990,12 +3978,12 @@
         </p:grpSpPr>
         <p:sp>
           <p:nvSpPr>
-            <p:cNvPr name="Freeform 7" id="7"/>
+            <p:cNvPr id="7" name="Freeform 7"/>
             <p:cNvSpPr/>
             <p:nvPr/>
           </p:nvSpPr>
           <p:spPr>
-            <a:xfrm flipH="false" flipV="false" rot="0">
+            <a:xfrm>
               <a:off x="0" y="0"/>
               <a:ext cx="2029128" cy="2893788"/>
             </a:xfrm>
@@ -4004,9 +3992,9 @@
               <a:gdLst/>
               <a:ahLst/>
               <a:cxnLst/>
-              <a:rect r="r" b="b" t="t" l="l"/>
+              <a:rect l="l" t="t" r="r" b="b"/>
               <a:pathLst>
-                <a:path h="2893788" w="2029128">
+                <a:path w="2029128" h="2893788">
                   <a:moveTo>
                     <a:pt x="0" y="0"/>
                   </a:moveTo>
@@ -4030,8 +4018,8 @@
         </p:sp>
         <p:sp>
           <p:nvSpPr>
-            <p:cNvPr name="TextBox 8" id="8"/>
-            <p:cNvSpPr txBox="true"/>
+            <p:cNvPr id="8" name="TextBox 8"/>
+            <p:cNvSpPr txBox="1"/>
             <p:nvPr/>
           </p:nvSpPr>
           <p:spPr>
@@ -4044,7 +4032,7 @@
             </a:prstGeom>
           </p:spPr>
           <p:txBody>
-            <a:bodyPr anchor="ctr" rtlCol="false" tIns="50800" lIns="50800" bIns="50800" rIns="50800"/>
+            <a:bodyPr lIns="50800" tIns="50800" rIns="50800" bIns="50800" rtlCol="0" anchor="ctr"/>
             <a:lstStyle/>
             <a:p>
               <a:pPr algn="ctr">
@@ -4052,18 +4040,19 @@
                   <a:spcPts val="2659"/>
                 </a:lnSpc>
               </a:pPr>
+              <a:endParaRPr/>
             </a:p>
           </p:txBody>
         </p:sp>
       </p:grpSp>
       <p:sp>
         <p:nvSpPr>
-          <p:cNvPr name="Freeform 9" id="9"/>
+          <p:cNvPr id="9" name="Freeform 9"/>
           <p:cNvSpPr/>
           <p:nvPr/>
         </p:nvSpPr>
         <p:spPr>
-          <a:xfrm flipH="false" flipV="false" rot="-6405420">
+          <a:xfrm rot="-6405420">
             <a:off x="225782" y="-2791485"/>
             <a:ext cx="5923564" cy="5961426"/>
           </a:xfrm>
@@ -4072,9 +4061,9 @@
             <a:gdLst/>
             <a:ahLst/>
             <a:cxnLst/>
-            <a:rect r="r" b="b" t="t" l="l"/>
+            <a:rect l="l" t="t" r="r" b="b"/>
             <a:pathLst>
-              <a:path h="5961426" w="5923564">
+              <a:path w="5923564" h="5961426">
                 <a:moveTo>
                   <a:pt x="0" y="0"/>
                 </a:moveTo>
@@ -4098,24 +4087,24 @@
             <a:blip r:embed="rId4">
               <a:extLst>
                 <a:ext uri="{96DAC541-7B7A-43D3-8B79-37D633B846F1}">
-                  <asvg:svgBlip xmlns:asvg="http://schemas.microsoft.com/office/drawing/2016/SVG/main" r:embed="rId5"/>
+                  <asvg:svgBlip xmlns:asvg="http://schemas.microsoft.com/office/drawing/2016/SVG/main" xmlns="" r:embed="rId5"/>
                 </a:ext>
               </a:extLst>
             </a:blip>
             <a:stretch>
-              <a:fillRect l="0" t="0" r="0" b="0"/>
+              <a:fillRect/>
             </a:stretch>
           </a:blipFill>
         </p:spPr>
       </p:sp>
       <p:sp>
         <p:nvSpPr>
-          <p:cNvPr name="Freeform 10" id="10"/>
+          <p:cNvPr id="10" name="Freeform 10"/>
           <p:cNvSpPr/>
           <p:nvPr/>
         </p:nvSpPr>
         <p:spPr>
-          <a:xfrm flipH="false" flipV="false" rot="-1398329">
+          <a:xfrm rot="-1398329">
             <a:off x="16102830" y="7806580"/>
             <a:ext cx="2000734" cy="2903439"/>
           </a:xfrm>
@@ -4124,9 +4113,9 @@
             <a:gdLst/>
             <a:ahLst/>
             <a:cxnLst/>
-            <a:rect r="r" b="b" t="t" l="l"/>
+            <a:rect l="l" t="t" r="r" b="b"/>
             <a:pathLst>
-              <a:path h="2903439" w="2000734">
+              <a:path w="2000734" h="2903439">
                 <a:moveTo>
                   <a:pt x="0" y="0"/>
                 </a:moveTo>
@@ -4150,24 +4139,24 @@
             <a:blip r:embed="rId6">
               <a:extLst>
                 <a:ext uri="{96DAC541-7B7A-43D3-8B79-37D633B846F1}">
-                  <asvg:svgBlip xmlns:asvg="http://schemas.microsoft.com/office/drawing/2016/SVG/main" r:embed="rId7"/>
+                  <asvg:svgBlip xmlns:asvg="http://schemas.microsoft.com/office/drawing/2016/SVG/main" xmlns="" r:embed="rId7"/>
                 </a:ext>
               </a:extLst>
             </a:blip>
             <a:stretch>
-              <a:fillRect l="0" t="0" r="0" b="0"/>
+              <a:fillRect/>
             </a:stretch>
           </a:blipFill>
         </p:spPr>
       </p:sp>
       <p:sp>
         <p:nvSpPr>
-          <p:cNvPr name="Freeform 11" id="11"/>
+          <p:cNvPr id="11" name="Freeform 11"/>
           <p:cNvSpPr/>
           <p:nvPr/>
         </p:nvSpPr>
         <p:spPr>
-          <a:xfrm flipH="false" flipV="false" rot="0">
+          <a:xfrm>
             <a:off x="8121101" y="8809558"/>
             <a:ext cx="7489001" cy="897483"/>
           </a:xfrm>
@@ -4176,9 +4165,9 @@
             <a:gdLst/>
             <a:ahLst/>
             <a:cxnLst/>
-            <a:rect r="r" b="b" t="t" l="l"/>
+            <a:rect l="l" t="t" r="r" b="b"/>
             <a:pathLst>
-              <a:path h="897483" w="7489001">
+              <a:path w="7489001" h="897483">
                 <a:moveTo>
                   <a:pt x="0" y="0"/>
                 </a:moveTo>
@@ -4201,19 +4190,19 @@
           <a:blipFill>
             <a:blip r:embed="rId8"/>
             <a:stretch>
-              <a:fillRect l="-12634" t="0" r="-12798" b="0"/>
+              <a:fillRect l="-12634" r="-12798"/>
             </a:stretch>
           </a:blipFill>
         </p:spPr>
       </p:sp>
       <p:sp>
         <p:nvSpPr>
-          <p:cNvPr name="TextBox 12" id="12"/>
-          <p:cNvSpPr txBox="true"/>
-          <p:nvPr/>
-        </p:nvSpPr>
-        <p:spPr>
-          <a:xfrm rot="0">
+          <p:cNvPr id="12" name="TextBox 12"/>
+          <p:cNvSpPr txBox="1"/>
+          <p:nvPr/>
+        </p:nvSpPr>
+        <p:spPr>
+          <a:xfrm>
             <a:off x="1641304" y="899592"/>
             <a:ext cx="5590114" cy="8807450"/>
           </a:xfrm>
@@ -4222,7 +4211,7 @@
           </a:prstGeom>
         </p:spPr>
         <p:txBody>
-          <a:bodyPr anchor="t" rtlCol="false" tIns="0" lIns="0" bIns="0" rIns="0">
+          <a:bodyPr lIns="0" tIns="0" rIns="0" bIns="0" rtlCol="0" anchor="t">
             <a:spAutoFit/>
           </a:bodyPr>
           <a:lstStyle/>
@@ -4616,17 +4605,23 @@
                 <a:spcPts val="2800"/>
               </a:lnSpc>
             </a:pPr>
+            <a:endParaRPr lang="en-US" sz="2000">
+              <a:solidFill>
+                <a:srgbClr val="FFFFFF"/>
+              </a:solidFill>
+              <a:latin typeface="Open Sans"/>
+            </a:endParaRPr>
           </a:p>
         </p:txBody>
       </p:sp>
       <p:sp>
         <p:nvSpPr>
-          <p:cNvPr name="TextBox 13" id="13"/>
-          <p:cNvSpPr txBox="true"/>
-          <p:nvPr/>
-        </p:nvSpPr>
-        <p:spPr>
-          <a:xfrm rot="0">
+          <p:cNvPr id="13" name="TextBox 13"/>
+          <p:cNvSpPr txBox="1"/>
+          <p:nvPr/>
+        </p:nvSpPr>
+        <p:spPr>
+          <a:xfrm>
             <a:off x="7425242" y="545502"/>
             <a:ext cx="10207570" cy="1228725"/>
           </a:xfrm>
@@ -4635,12 +4630,12 @@
           </a:prstGeom>
         </p:spPr>
         <p:txBody>
-          <a:bodyPr anchor="t" rtlCol="false" tIns="0" lIns="0" bIns="0" rIns="0">
+          <a:bodyPr lIns="0" tIns="0" rIns="0" bIns="0" rtlCol="0" anchor="t">
             <a:spAutoFit/>
           </a:bodyPr>
           <a:lstStyle/>
           <a:p>
-            <a:pPr algn="r" marL="0" indent="0" lvl="0">
+            <a:pPr marL="0" lvl="0" indent="0" algn="r">
               <a:lnSpc>
                 <a:spcPts val="9600"/>
               </a:lnSpc>
@@ -4662,12 +4657,12 @@
       </p:sp>
       <p:sp>
         <p:nvSpPr>
-          <p:cNvPr name="TextBox 14" id="14"/>
-          <p:cNvSpPr txBox="true"/>
-          <p:nvPr/>
-        </p:nvSpPr>
-        <p:spPr>
-          <a:xfrm rot="0">
+          <p:cNvPr id="14" name="TextBox 14"/>
+          <p:cNvSpPr txBox="1"/>
+          <p:nvPr/>
+        </p:nvSpPr>
+        <p:spPr>
+          <a:xfrm>
             <a:off x="8371417" y="2296464"/>
             <a:ext cx="9261395" cy="4443730"/>
           </a:xfrm>
@@ -4676,7 +4671,7 @@
           </a:prstGeom>
         </p:spPr>
         <p:txBody>
-          <a:bodyPr anchor="t" rtlCol="false" tIns="0" lIns="0" bIns="0" rIns="0">
+          <a:bodyPr lIns="0" tIns="0" rIns="0" bIns="0" rtlCol="0" anchor="t">
             <a:spAutoFit/>
           </a:bodyPr>
           <a:lstStyle/>
@@ -4808,12 +4803,12 @@
       </p:sp>
       <p:sp>
         <p:nvSpPr>
-          <p:cNvPr name="TextBox 15" id="15"/>
-          <p:cNvSpPr txBox="true"/>
-          <p:nvPr/>
-        </p:nvSpPr>
-        <p:spPr>
-          <a:xfrm rot="0">
+          <p:cNvPr id="15" name="TextBox 15"/>
+          <p:cNvSpPr txBox="1"/>
+          <p:nvPr/>
+        </p:nvSpPr>
+        <p:spPr>
+          <a:xfrm>
             <a:off x="8371417" y="7310057"/>
             <a:ext cx="3318494" cy="1228725"/>
           </a:xfrm>
@@ -4822,12 +4817,12 @@
           </a:prstGeom>
         </p:spPr>
         <p:txBody>
-          <a:bodyPr anchor="t" rtlCol="false" tIns="0" lIns="0" bIns="0" rIns="0">
+          <a:bodyPr lIns="0" tIns="0" rIns="0" bIns="0" rtlCol="0" anchor="t">
             <a:spAutoFit/>
           </a:bodyPr>
           <a:lstStyle/>
           <a:p>
-            <a:pPr algn="r" marL="0" indent="0" lvl="0">
+            <a:pPr marL="0" lvl="0" indent="0" algn="r">
               <a:lnSpc>
                 <a:spcPts val="9600"/>
               </a:lnSpc>
@@ -4849,8 +4844,8 @@
       </p:sp>
       <p:sp>
         <p:nvSpPr>
-          <p:cNvPr name="TextBox 16" id="16"/>
-          <p:cNvSpPr txBox="true"/>
+          <p:cNvPr id="16" name="TextBox 16"/>
+          <p:cNvSpPr txBox="1"/>
           <p:nvPr/>
         </p:nvSpPr>
         <p:spPr>
@@ -4863,12 +4858,12 @@
           </a:prstGeom>
         </p:spPr>
         <p:txBody>
-          <a:bodyPr anchor="t" rtlCol="false" tIns="0" lIns="0" bIns="0" rIns="0">
+          <a:bodyPr lIns="0" tIns="0" rIns="0" bIns="0" rtlCol="0" anchor="t">
             <a:spAutoFit/>
           </a:bodyPr>
           <a:lstStyle/>
           <a:p>
-            <a:pPr algn="r" marL="0" indent="0" lvl="0">
+            <a:pPr marL="0" lvl="0" indent="0" algn="r">
               <a:lnSpc>
                 <a:spcPts val="9600"/>
               </a:lnSpc>
@@ -4893,14 +4888,14 @@
   <p:clrMapOvr>
     <a:masterClrMapping/>
   </p:clrMapOvr>
-  <p:transition spd="fast">
+  <p:transition>
     <p:fade/>
   </p:transition>
 </p:sld>
 </file>
 
-<file path=ppt/slides/slide2.xml><?xml version="1.0" encoding="utf-8"?>
-<p:sld xmlns:p="http://schemas.openxmlformats.org/presentationml/2006/main" xmlns:a="http://schemas.openxmlformats.org/drawingml/2006/main" xmlns:r="http://schemas.openxmlformats.org/officeDocument/2006/relationships">
+<file path=ppt/slides/slide12.xml><?xml version="1.0" encoding="utf-8"?>
+<p:sld xmlns:a="http://schemas.openxmlformats.org/drawingml/2006/main" xmlns:r="http://schemas.openxmlformats.org/officeDocument/2006/relationships" xmlns:p="http://schemas.openxmlformats.org/presentationml/2006/main">
   <p:cSld>
     <p:spTree>
       <p:nvGrpSpPr>
@@ -4918,34 +4913,34 @@
       </p:grpSpPr>
       <p:sp>
         <p:nvSpPr>
-          <p:cNvPr name="Freeform 2" id="2"/>
+          <p:cNvPr id="2" name="Freeform 2"/>
           <p:cNvSpPr/>
           <p:nvPr/>
         </p:nvSpPr>
         <p:spPr>
-          <a:xfrm flipH="false" flipV="false" rot="-659602">
-            <a:off x="-2743616" y="4292169"/>
-            <a:ext cx="5487232" cy="5522305"/>
+          <a:xfrm rot="-7835957">
+            <a:off x="-6203196" y="8625739"/>
+            <a:ext cx="22816215" cy="8628678"/>
           </a:xfrm>
           <a:custGeom>
             <a:avLst/>
             <a:gdLst/>
             <a:ahLst/>
             <a:cxnLst/>
-            <a:rect r="r" b="b" t="t" l="l"/>
+            <a:rect l="l" t="t" r="r" b="b"/>
             <a:pathLst>
-              <a:path h="5522305" w="5487232">
+              <a:path w="22816215" h="8628678">
                 <a:moveTo>
                   <a:pt x="0" y="0"/>
                 </a:moveTo>
                 <a:lnTo>
-                  <a:pt x="5487232" y="0"/>
-                </a:lnTo>
-                <a:lnTo>
-                  <a:pt x="5487232" y="5522305"/>
-                </a:lnTo>
-                <a:lnTo>
-                  <a:pt x="0" y="5522305"/>
+                  <a:pt x="22816215" y="0"/>
+                </a:lnTo>
+                <a:lnTo>
+                  <a:pt x="22816215" y="8628678"/>
+                </a:lnTo>
+                <a:lnTo>
+                  <a:pt x="0" y="8628678"/>
                 </a:lnTo>
                 <a:lnTo>
                   <a:pt x="0" y="0"/>
@@ -4958,46 +4953,46 @@
             <a:blip r:embed="rId2">
               <a:extLst>
                 <a:ext uri="{96DAC541-7B7A-43D3-8B79-37D633B846F1}">
-                  <asvg:svgBlip xmlns:asvg="http://schemas.microsoft.com/office/drawing/2016/SVG/main" r:embed="rId3"/>
+                  <asvg:svgBlip xmlns:asvg="http://schemas.microsoft.com/office/drawing/2016/SVG/main" xmlns="" r:embed="rId3"/>
                 </a:ext>
               </a:extLst>
             </a:blip>
             <a:stretch>
-              <a:fillRect l="0" t="0" r="0" b="0"/>
+              <a:fillRect/>
             </a:stretch>
           </a:blipFill>
         </p:spPr>
       </p:sp>
       <p:sp>
         <p:nvSpPr>
-          <p:cNvPr name="Freeform 3" id="3"/>
+          <p:cNvPr id="3" name="Freeform 3"/>
           <p:cNvSpPr/>
           <p:nvPr/>
         </p:nvSpPr>
         <p:spPr>
-          <a:xfrm flipH="false" flipV="false" rot="9235605">
-            <a:off x="-941976" y="6201286"/>
-            <a:ext cx="6075197" cy="6114027"/>
+          <a:xfrm rot="-9449897">
+            <a:off x="-6100762" y="8242507"/>
+            <a:ext cx="20849711" cy="7884982"/>
           </a:xfrm>
           <a:custGeom>
             <a:avLst/>
             <a:gdLst/>
             <a:ahLst/>
             <a:cxnLst/>
-            <a:rect r="r" b="b" t="t" l="l"/>
+            <a:rect l="l" t="t" r="r" b="b"/>
             <a:pathLst>
-              <a:path h="6114027" w="6075197">
+              <a:path w="20849711" h="7884982">
                 <a:moveTo>
                   <a:pt x="0" y="0"/>
                 </a:moveTo>
                 <a:lnTo>
-                  <a:pt x="6075197" y="0"/>
-                </a:lnTo>
-                <a:lnTo>
-                  <a:pt x="6075197" y="6114028"/>
-                </a:lnTo>
-                <a:lnTo>
-                  <a:pt x="0" y="6114028"/>
+                  <a:pt x="20849711" y="0"/>
+                </a:lnTo>
+                <a:lnTo>
+                  <a:pt x="20849711" y="7884981"/>
+                </a:lnTo>
+                <a:lnTo>
+                  <a:pt x="0" y="7884981"/>
                 </a:lnTo>
                 <a:lnTo>
                   <a:pt x="0" y="0"/>
@@ -5010,46 +5005,245 @@
             <a:blip r:embed="rId4">
               <a:extLst>
                 <a:ext uri="{96DAC541-7B7A-43D3-8B79-37D633B846F1}">
-                  <asvg:svgBlip xmlns:asvg="http://schemas.microsoft.com/office/drawing/2016/SVG/main" r:embed="rId5"/>
+                  <asvg:svgBlip xmlns:asvg="http://schemas.microsoft.com/office/drawing/2016/SVG/main" xmlns="" r:embed="rId5"/>
                 </a:ext>
               </a:extLst>
             </a:blip>
             <a:stretch>
-              <a:fillRect l="0" t="0" r="0" b="0"/>
+              <a:fillRect/>
             </a:stretch>
           </a:blipFill>
         </p:spPr>
       </p:sp>
       <p:sp>
         <p:nvSpPr>
-          <p:cNvPr name="Freeform 4" id="4"/>
+          <p:cNvPr id="4" name="Freeform 4"/>
           <p:cNvSpPr/>
           <p:nvPr/>
         </p:nvSpPr>
         <p:spPr>
-          <a:xfrm flipH="false" flipV="false" rot="0">
-            <a:off x="14116306" y="-2506522"/>
-            <a:ext cx="6285988" cy="6326165"/>
+          <a:xfrm rot="-6824842">
+            <a:off x="10957845" y="-5328607"/>
+            <a:ext cx="9893699" cy="9956936"/>
           </a:xfrm>
           <a:custGeom>
             <a:avLst/>
             <a:gdLst/>
             <a:ahLst/>
             <a:cxnLst/>
-            <a:rect r="r" b="b" t="t" l="l"/>
+            <a:rect l="l" t="t" r="r" b="b"/>
             <a:pathLst>
-              <a:path h="6326165" w="6285988">
+              <a:path w="9893699" h="9956936">
                 <a:moveTo>
                   <a:pt x="0" y="0"/>
                 </a:moveTo>
                 <a:lnTo>
-                  <a:pt x="6285988" y="0"/>
-                </a:lnTo>
-                <a:lnTo>
-                  <a:pt x="6285988" y="6326165"/>
-                </a:lnTo>
-                <a:lnTo>
-                  <a:pt x="0" y="6326165"/>
+                  <a:pt x="9893699" y="0"/>
+                </a:lnTo>
+                <a:lnTo>
+                  <a:pt x="9893699" y="9956936"/>
+                </a:lnTo>
+                <a:lnTo>
+                  <a:pt x="0" y="9956936"/>
+                </a:lnTo>
+                <a:lnTo>
+                  <a:pt x="0" y="0"/>
+                </a:lnTo>
+                <a:close/>
+              </a:path>
+            </a:pathLst>
+          </a:custGeom>
+          <a:blipFill>
+            <a:blip r:embed="rId6">
+              <a:extLst>
+                <a:ext uri="{96DAC541-7B7A-43D3-8B79-37D633B846F1}">
+                  <asvg:svgBlip xmlns:asvg="http://schemas.microsoft.com/office/drawing/2016/SVG/main" xmlns="" r:embed="rId7"/>
+                </a:ext>
+              </a:extLst>
+            </a:blip>
+            <a:stretch>
+              <a:fillRect/>
+            </a:stretch>
+          </a:blipFill>
+        </p:spPr>
+      </p:sp>
+      <p:sp>
+        <p:nvSpPr>
+          <p:cNvPr id="5" name="Freeform 5"/>
+          <p:cNvSpPr/>
+          <p:nvPr/>
+        </p:nvSpPr>
+        <p:spPr>
+          <a:xfrm rot="-6985384">
+            <a:off x="10554803" y="-6388271"/>
+            <a:ext cx="10699783" cy="10768172"/>
+          </a:xfrm>
+          <a:custGeom>
+            <a:avLst/>
+            <a:gdLst/>
+            <a:ahLst/>
+            <a:cxnLst/>
+            <a:rect l="l" t="t" r="r" b="b"/>
+            <a:pathLst>
+              <a:path w="10699783" h="10768172">
+                <a:moveTo>
+                  <a:pt x="0" y="0"/>
+                </a:moveTo>
+                <a:lnTo>
+                  <a:pt x="10699783" y="0"/>
+                </a:lnTo>
+                <a:lnTo>
+                  <a:pt x="10699783" y="10768172"/>
+                </a:lnTo>
+                <a:lnTo>
+                  <a:pt x="0" y="10768172"/>
+                </a:lnTo>
+                <a:lnTo>
+                  <a:pt x="0" y="0"/>
+                </a:lnTo>
+                <a:close/>
+              </a:path>
+            </a:pathLst>
+          </a:custGeom>
+          <a:blipFill>
+            <a:blip r:embed="rId8">
+              <a:extLst>
+                <a:ext uri="{96DAC541-7B7A-43D3-8B79-37D633B846F1}">
+                  <asvg:svgBlip xmlns:asvg="http://schemas.microsoft.com/office/drawing/2016/SVG/main" xmlns="" r:embed="rId9"/>
+                </a:ext>
+              </a:extLst>
+            </a:blip>
+            <a:stretch>
+              <a:fillRect/>
+            </a:stretch>
+          </a:blipFill>
+        </p:spPr>
+      </p:sp>
+      <p:sp>
+        <p:nvSpPr>
+          <p:cNvPr id="6" name="TextBox 6"/>
+          <p:cNvSpPr txBox="1"/>
+          <p:nvPr/>
+        </p:nvSpPr>
+        <p:spPr>
+          <a:xfrm>
+            <a:off x="911165" y="3371850"/>
+            <a:ext cx="16888937" cy="3543300"/>
+          </a:xfrm>
+          <a:prstGeom prst="rect">
+            <a:avLst/>
+          </a:prstGeom>
+        </p:spPr>
+        <p:txBody>
+          <a:bodyPr lIns="0" tIns="0" rIns="0" bIns="0" rtlCol="0" anchor="t">
+            <a:spAutoFit/>
+          </a:bodyPr>
+          <a:lstStyle/>
+          <a:p>
+            <a:pPr algn="ctr">
+              <a:lnSpc>
+                <a:spcPts val="9360"/>
+              </a:lnSpc>
+            </a:pPr>
+            <a:r>
+              <a:rPr lang="en-US" sz="7800">
+                <a:solidFill>
+                  <a:srgbClr val="343434"/>
+                </a:solidFill>
+                <a:latin typeface="Magnolia Script Bold"/>
+              </a:rPr>
+              <a:t>Continuous Integration / </a:t>
+            </a:r>
+          </a:p>
+          <a:p>
+            <a:pPr algn="ctr">
+              <a:lnSpc>
+                <a:spcPts val="9360"/>
+              </a:lnSpc>
+            </a:pPr>
+            <a:r>
+              <a:rPr lang="en-US" sz="7800">
+                <a:solidFill>
+                  <a:srgbClr val="343434"/>
+                </a:solidFill>
+                <a:latin typeface="Magnolia Script Bold"/>
+              </a:rPr>
+              <a:t>Continuous Delivery</a:t>
+            </a:r>
+          </a:p>
+          <a:p>
+            <a:pPr algn="ctr">
+              <a:lnSpc>
+                <a:spcPts val="9360"/>
+              </a:lnSpc>
+            </a:pPr>
+            <a:r>
+              <a:rPr lang="en-US" sz="7800">
+                <a:solidFill>
+                  <a:srgbClr val="343434"/>
+                </a:solidFill>
+                <a:latin typeface="Magnolia Script Bold"/>
+              </a:rPr>
+              <a:t>(CI/CD) </a:t>
+            </a:r>
+          </a:p>
+        </p:txBody>
+      </p:sp>
+    </p:spTree>
+  </p:cSld>
+  <p:clrMapOvr>
+    <a:masterClrMapping/>
+  </p:clrMapOvr>
+</p:sld>
+</file>
+
+<file path=ppt/slides/slide13.xml><?xml version="1.0" encoding="utf-8"?>
+<p:sld xmlns:a="http://schemas.openxmlformats.org/drawingml/2006/main" xmlns:r="http://schemas.openxmlformats.org/officeDocument/2006/relationships" xmlns:p="http://schemas.openxmlformats.org/presentationml/2006/main">
+  <p:cSld>
+    <p:spTree>
+      <p:nvGrpSpPr>
+        <p:cNvPr id="1" name=""/>
+        <p:cNvGrpSpPr/>
+        <p:nvPr/>
+      </p:nvGrpSpPr>
+      <p:grpSpPr>
+        <a:xfrm>
+          <a:off x="0" y="0"/>
+          <a:ext cx="0" cy="0"/>
+          <a:chOff x="0" y="0"/>
+          <a:chExt cx="0" cy="0"/>
+        </a:xfrm>
+      </p:grpSpPr>
+      <p:sp>
+        <p:nvSpPr>
+          <p:cNvPr id="2" name="Freeform 2"/>
+          <p:cNvSpPr/>
+          <p:nvPr/>
+        </p:nvSpPr>
+        <p:spPr>
+          <a:xfrm rot="136196">
+            <a:off x="14600204" y="7801638"/>
+            <a:ext cx="6381430" cy="4970724"/>
+          </a:xfrm>
+          <a:custGeom>
+            <a:avLst/>
+            <a:gdLst/>
+            <a:ahLst/>
+            <a:cxnLst/>
+            <a:rect l="l" t="t" r="r" b="b"/>
+            <a:pathLst>
+              <a:path w="6381430" h="4970724">
+                <a:moveTo>
+                  <a:pt x="0" y="0"/>
+                </a:moveTo>
+                <a:lnTo>
+                  <a:pt x="6381430" y="0"/>
+                </a:lnTo>
+                <a:lnTo>
+                  <a:pt x="6381430" y="4970724"/>
+                </a:lnTo>
+                <a:lnTo>
+                  <a:pt x="0" y="4970724"/>
                 </a:lnTo>
                 <a:lnTo>
                   <a:pt x="0" y="0"/>
@@ -5062,46 +5256,254 @@
             <a:blip r:embed="rId2">
               <a:extLst>
                 <a:ext uri="{96DAC541-7B7A-43D3-8B79-37D633B846F1}">
-                  <asvg:svgBlip xmlns:asvg="http://schemas.microsoft.com/office/drawing/2016/SVG/main" r:embed="rId3"/>
+                  <asvg:svgBlip xmlns:asvg="http://schemas.microsoft.com/office/drawing/2016/SVG/main" xmlns="" r:embed="rId3"/>
                 </a:ext>
               </a:extLst>
             </a:blip>
             <a:stretch>
-              <a:fillRect l="0" t="0" r="0" b="0"/>
+              <a:fillRect/>
             </a:stretch>
           </a:blipFill>
         </p:spPr>
       </p:sp>
       <p:sp>
         <p:nvSpPr>
-          <p:cNvPr name="Freeform 5" id="5"/>
+          <p:cNvPr id="3" name="Freeform 3"/>
           <p:cNvSpPr/>
           <p:nvPr/>
         </p:nvSpPr>
         <p:spPr>
-          <a:xfrm flipH="false" flipV="false" rot="-321959">
-            <a:off x="15358330" y="1019438"/>
-            <a:ext cx="5923564" cy="5961426"/>
+          <a:xfrm rot="136196">
+            <a:off x="15308469" y="3133754"/>
+            <a:ext cx="4964900" cy="3867338"/>
           </a:xfrm>
           <a:custGeom>
             <a:avLst/>
             <a:gdLst/>
             <a:ahLst/>
             <a:cxnLst/>
-            <a:rect r="r" b="b" t="t" l="l"/>
+            <a:rect l="l" t="t" r="r" b="b"/>
             <a:pathLst>
-              <a:path h="5961426" w="5923564">
+              <a:path w="4964900" h="3867338">
                 <a:moveTo>
                   <a:pt x="0" y="0"/>
                 </a:moveTo>
                 <a:lnTo>
-                  <a:pt x="5923564" y="0"/>
-                </a:lnTo>
-                <a:lnTo>
-                  <a:pt x="5923564" y="5961425"/>
-                </a:lnTo>
-                <a:lnTo>
-                  <a:pt x="0" y="5961425"/>
+                  <a:pt x="4964900" y="0"/>
+                </a:lnTo>
+                <a:lnTo>
+                  <a:pt x="4964900" y="3867339"/>
+                </a:lnTo>
+                <a:lnTo>
+                  <a:pt x="0" y="3867339"/>
+                </a:lnTo>
+                <a:lnTo>
+                  <a:pt x="0" y="0"/>
+                </a:lnTo>
+                <a:close/>
+              </a:path>
+            </a:pathLst>
+          </a:custGeom>
+          <a:blipFill>
+            <a:blip r:embed="rId2">
+              <a:extLst>
+                <a:ext uri="{96DAC541-7B7A-43D3-8B79-37D633B846F1}">
+                  <asvg:svgBlip xmlns:asvg="http://schemas.microsoft.com/office/drawing/2016/SVG/main" xmlns="" r:embed="rId3"/>
+                </a:ext>
+              </a:extLst>
+            </a:blip>
+            <a:stretch>
+              <a:fillRect/>
+            </a:stretch>
+          </a:blipFill>
+        </p:spPr>
+      </p:sp>
+      <p:sp>
+        <p:nvSpPr>
+          <p:cNvPr id="4" name="Freeform 4"/>
+          <p:cNvSpPr/>
+          <p:nvPr/>
+        </p:nvSpPr>
+        <p:spPr>
+          <a:xfrm rot="136196">
+            <a:off x="15308469" y="5164230"/>
+            <a:ext cx="4964900" cy="3867338"/>
+          </a:xfrm>
+          <a:custGeom>
+            <a:avLst/>
+            <a:gdLst/>
+            <a:ahLst/>
+            <a:cxnLst/>
+            <a:rect l="l" t="t" r="r" b="b"/>
+            <a:pathLst>
+              <a:path w="4964900" h="3867338">
+                <a:moveTo>
+                  <a:pt x="0" y="0"/>
+                </a:moveTo>
+                <a:lnTo>
+                  <a:pt x="4964900" y="0"/>
+                </a:lnTo>
+                <a:lnTo>
+                  <a:pt x="4964900" y="3867338"/>
+                </a:lnTo>
+                <a:lnTo>
+                  <a:pt x="0" y="3867338"/>
+                </a:lnTo>
+                <a:lnTo>
+                  <a:pt x="0" y="0"/>
+                </a:lnTo>
+                <a:close/>
+              </a:path>
+            </a:pathLst>
+          </a:custGeom>
+          <a:blipFill>
+            <a:blip r:embed="rId2">
+              <a:extLst>
+                <a:ext uri="{96DAC541-7B7A-43D3-8B79-37D633B846F1}">
+                  <asvg:svgBlip xmlns:asvg="http://schemas.microsoft.com/office/drawing/2016/SVG/main" xmlns="" r:embed="rId3"/>
+                </a:ext>
+              </a:extLst>
+            </a:blip>
+            <a:stretch>
+              <a:fillRect/>
+            </a:stretch>
+          </a:blipFill>
+        </p:spPr>
+      </p:sp>
+      <p:sp>
+        <p:nvSpPr>
+          <p:cNvPr id="5" name="Freeform 5"/>
+          <p:cNvSpPr/>
+          <p:nvPr/>
+        </p:nvSpPr>
+        <p:spPr>
+          <a:xfrm rot="136196">
+            <a:off x="15805550" y="616841"/>
+            <a:ext cx="4964900" cy="3867338"/>
+          </a:xfrm>
+          <a:custGeom>
+            <a:avLst/>
+            <a:gdLst/>
+            <a:ahLst/>
+            <a:cxnLst/>
+            <a:rect l="l" t="t" r="r" b="b"/>
+            <a:pathLst>
+              <a:path w="4964900" h="3867338">
+                <a:moveTo>
+                  <a:pt x="0" y="0"/>
+                </a:moveTo>
+                <a:lnTo>
+                  <a:pt x="4964900" y="0"/>
+                </a:lnTo>
+                <a:lnTo>
+                  <a:pt x="4964900" y="3867338"/>
+                </a:lnTo>
+                <a:lnTo>
+                  <a:pt x="0" y="3867338"/>
+                </a:lnTo>
+                <a:lnTo>
+                  <a:pt x="0" y="0"/>
+                </a:lnTo>
+                <a:close/>
+              </a:path>
+            </a:pathLst>
+          </a:custGeom>
+          <a:blipFill>
+            <a:blip r:embed="rId2">
+              <a:extLst>
+                <a:ext uri="{96DAC541-7B7A-43D3-8B79-37D633B846F1}">
+                  <asvg:svgBlip xmlns:asvg="http://schemas.microsoft.com/office/drawing/2016/SVG/main" xmlns="" r:embed="rId3"/>
+                </a:ext>
+              </a:extLst>
+            </a:blip>
+            <a:stretch>
+              <a:fillRect/>
+            </a:stretch>
+          </a:blipFill>
+        </p:spPr>
+      </p:sp>
+      <p:sp>
+        <p:nvSpPr>
+          <p:cNvPr id="6" name="Freeform 6"/>
+          <p:cNvSpPr/>
+          <p:nvPr/>
+        </p:nvSpPr>
+        <p:spPr>
+          <a:xfrm rot="136196">
+            <a:off x="14613228" y="-1933669"/>
+            <a:ext cx="4964900" cy="3867338"/>
+          </a:xfrm>
+          <a:custGeom>
+            <a:avLst/>
+            <a:gdLst/>
+            <a:ahLst/>
+            <a:cxnLst/>
+            <a:rect l="l" t="t" r="r" b="b"/>
+            <a:pathLst>
+              <a:path w="4964900" h="3867338">
+                <a:moveTo>
+                  <a:pt x="0" y="0"/>
+                </a:moveTo>
+                <a:lnTo>
+                  <a:pt x="4964900" y="0"/>
+                </a:lnTo>
+                <a:lnTo>
+                  <a:pt x="4964900" y="3867338"/>
+                </a:lnTo>
+                <a:lnTo>
+                  <a:pt x="0" y="3867338"/>
+                </a:lnTo>
+                <a:lnTo>
+                  <a:pt x="0" y="0"/>
+                </a:lnTo>
+                <a:close/>
+              </a:path>
+            </a:pathLst>
+          </a:custGeom>
+          <a:blipFill>
+            <a:blip r:embed="rId2">
+              <a:extLst>
+                <a:ext uri="{96DAC541-7B7A-43D3-8B79-37D633B846F1}">
+                  <asvg:svgBlip xmlns:asvg="http://schemas.microsoft.com/office/drawing/2016/SVG/main" xmlns="" r:embed="rId3"/>
+                </a:ext>
+              </a:extLst>
+            </a:blip>
+            <a:stretch>
+              <a:fillRect/>
+            </a:stretch>
+          </a:blipFill>
+        </p:spPr>
+      </p:sp>
+      <p:sp>
+        <p:nvSpPr>
+          <p:cNvPr id="7" name="Freeform 7"/>
+          <p:cNvSpPr/>
+          <p:nvPr/>
+        </p:nvSpPr>
+        <p:spPr>
+          <a:xfrm rot="-1398329">
+            <a:off x="-277897" y="6251563"/>
+            <a:ext cx="2538327" cy="3683588"/>
+          </a:xfrm>
+          <a:custGeom>
+            <a:avLst/>
+            <a:gdLst/>
+            <a:ahLst/>
+            <a:cxnLst/>
+            <a:rect l="l" t="t" r="r" b="b"/>
+            <a:pathLst>
+              <a:path w="2538327" h="3683588">
+                <a:moveTo>
+                  <a:pt x="0" y="0"/>
+                </a:moveTo>
+                <a:lnTo>
+                  <a:pt x="2538327" y="0"/>
+                </a:lnTo>
+                <a:lnTo>
+                  <a:pt x="2538327" y="3683588"/>
+                </a:lnTo>
+                <a:lnTo>
+                  <a:pt x="0" y="3683588"/>
                 </a:lnTo>
                 <a:lnTo>
                   <a:pt x="0" y="0"/>
@@ -5114,24 +5516,2048 @@
             <a:blip r:embed="rId4">
               <a:extLst>
                 <a:ext uri="{96DAC541-7B7A-43D3-8B79-37D633B846F1}">
-                  <asvg:svgBlip xmlns:asvg="http://schemas.microsoft.com/office/drawing/2016/SVG/main" r:embed="rId5"/>
+                  <asvg:svgBlip xmlns:asvg="http://schemas.microsoft.com/office/drawing/2016/SVG/main" xmlns="" r:embed="rId5"/>
                 </a:ext>
               </a:extLst>
             </a:blip>
             <a:stretch>
-              <a:fillRect l="0" t="0" r="0" b="0"/>
+              <a:fillRect/>
             </a:stretch>
           </a:blipFill>
         </p:spPr>
       </p:sp>
+      <p:sp>
+        <p:nvSpPr>
+          <p:cNvPr id="8" name="TextBox 8"/>
+          <p:cNvSpPr txBox="1"/>
+          <p:nvPr/>
+        </p:nvSpPr>
+        <p:spPr>
+          <a:xfrm>
+            <a:off x="2526123" y="849376"/>
+            <a:ext cx="9639812" cy="1181100"/>
+          </a:xfrm>
+          <a:prstGeom prst="rect">
+            <a:avLst/>
+          </a:prstGeom>
+        </p:spPr>
+        <p:txBody>
+          <a:bodyPr lIns="0" tIns="0" rIns="0" bIns="0" rtlCol="0" anchor="t">
+            <a:spAutoFit/>
+          </a:bodyPr>
+          <a:lstStyle/>
+          <a:p>
+            <a:pPr>
+              <a:lnSpc>
+                <a:spcPts val="9360"/>
+              </a:lnSpc>
+            </a:pPr>
+            <a:r>
+              <a:rPr lang="en-US" sz="7800">
+                <a:solidFill>
+                  <a:srgbClr val="343434"/>
+                </a:solidFill>
+                <a:latin typeface="Magnolia Script"/>
+              </a:rPr>
+              <a:t>Pengertian</a:t>
+            </a:r>
+          </a:p>
+        </p:txBody>
+      </p:sp>
+      <p:sp>
+        <p:nvSpPr>
+          <p:cNvPr id="9" name="TextBox 9"/>
+          <p:cNvSpPr txBox="1"/>
+          <p:nvPr/>
+        </p:nvSpPr>
+        <p:spPr>
+          <a:xfrm>
+            <a:off x="2526123" y="2411025"/>
+            <a:ext cx="12292037" cy="6920230"/>
+          </a:xfrm>
+          <a:prstGeom prst="rect">
+            <a:avLst/>
+          </a:prstGeom>
+        </p:spPr>
+        <p:txBody>
+          <a:bodyPr lIns="0" tIns="0" rIns="0" bIns="0" rtlCol="0" anchor="t">
+            <a:spAutoFit/>
+          </a:bodyPr>
+          <a:lstStyle/>
+          <a:p>
+            <a:pPr>
+              <a:lnSpc>
+                <a:spcPts val="3919"/>
+              </a:lnSpc>
+            </a:pPr>
+            <a:r>
+              <a:rPr lang="en-US" sz="2799">
+                <a:solidFill>
+                  <a:srgbClr val="343434"/>
+                </a:solidFill>
+                <a:latin typeface="Open Sans"/>
+              </a:rPr>
+              <a:t>Continuous integration (CI) adalah pengintegrasian kode ke dalam repositori kode kemudian menjalankan pengujian secara otomatis, cepat, dan sering. Kamu dapat melakukan CI ini dengan menggunakan perintah  commit.</a:t>
+            </a:r>
+          </a:p>
+          <a:p>
+            <a:pPr>
+              <a:lnSpc>
+                <a:spcPts val="3919"/>
+              </a:lnSpc>
+            </a:pPr>
+            <a:endParaRPr lang="en-US" sz="2799">
+              <a:solidFill>
+                <a:srgbClr val="343434"/>
+              </a:solidFill>
+              <a:latin typeface="Open Sans"/>
+            </a:endParaRPr>
+          </a:p>
+          <a:p>
+            <a:pPr>
+              <a:lnSpc>
+                <a:spcPts val="3919"/>
+              </a:lnSpc>
+            </a:pPr>
+            <a:r>
+              <a:rPr lang="en-US" sz="2799">
+                <a:solidFill>
+                  <a:srgbClr val="343434"/>
+                </a:solidFill>
+                <a:latin typeface="Open Sans"/>
+              </a:rPr>
+              <a:t>Sementara continous delivery atau continuous deployment (CD) adalah praktik yang dilakukan setelah proses CI selesai dan seluruh kode berhasil terintegrasi, sehingga aplikasi bisa dibangun lalu dirilis secara otomatis.</a:t>
+            </a:r>
+          </a:p>
+          <a:p>
+            <a:pPr>
+              <a:lnSpc>
+                <a:spcPts val="3919"/>
+              </a:lnSpc>
+            </a:pPr>
+            <a:endParaRPr lang="en-US" sz="2799">
+              <a:solidFill>
+                <a:srgbClr val="343434"/>
+              </a:solidFill>
+              <a:latin typeface="Open Sans"/>
+            </a:endParaRPr>
+          </a:p>
+          <a:p>
+            <a:pPr>
+              <a:lnSpc>
+                <a:spcPts val="3919"/>
+              </a:lnSpc>
+            </a:pPr>
+            <a:r>
+              <a:rPr lang="en-US" sz="2799">
+                <a:solidFill>
+                  <a:srgbClr val="343434"/>
+                </a:solidFill>
+                <a:latin typeface="Open Sans"/>
+              </a:rPr>
+              <a:t>CI/CD pipeline adalah praktik umum dalam pengembangan perangkat lunak yang menghubungkan tim pengembang dan tim operasional. Ini terdiri dari tiga tahap: integrasi berkelanjutan, pengiriman berkelanjutan, dan penyebaran berkelanjutan, yang dijalankan secara otomatis untuk mencapai perangkat lunak yang handal dan bebas dari bug.</a:t>
+            </a:r>
+          </a:p>
+        </p:txBody>
+      </p:sp>
+    </p:spTree>
+  </p:cSld>
+  <p:clrMapOvr>
+    <a:masterClrMapping/>
+  </p:clrMapOvr>
+</p:sld>
+</file>
+
+<file path=ppt/slides/slide14.xml><?xml version="1.0" encoding="utf-8"?>
+<p:sld xmlns:a="http://schemas.openxmlformats.org/drawingml/2006/main" xmlns:r="http://schemas.openxmlformats.org/officeDocument/2006/relationships" xmlns:p="http://schemas.openxmlformats.org/presentationml/2006/main">
+  <p:cSld>
+    <p:spTree>
+      <p:nvGrpSpPr>
+        <p:cNvPr id="1" name=""/>
+        <p:cNvGrpSpPr/>
+        <p:nvPr/>
+      </p:nvGrpSpPr>
+      <p:grpSpPr>
+        <a:xfrm>
+          <a:off x="0" y="0"/>
+          <a:ext cx="0" cy="0"/>
+          <a:chOff x="0" y="0"/>
+          <a:chExt cx="0" cy="0"/>
+        </a:xfrm>
+      </p:grpSpPr>
+      <p:sp>
+        <p:nvSpPr>
+          <p:cNvPr id="2" name="Freeform 2"/>
+          <p:cNvSpPr/>
+          <p:nvPr/>
+        </p:nvSpPr>
+        <p:spPr>
+          <a:xfrm rot="-9679465">
+            <a:off x="10792946" y="-1474141"/>
+            <a:ext cx="13361552" cy="12496271"/>
+          </a:xfrm>
+          <a:custGeom>
+            <a:avLst/>
+            <a:gdLst/>
+            <a:ahLst/>
+            <a:cxnLst/>
+            <a:rect l="l" t="t" r="r" b="b"/>
+            <a:pathLst>
+              <a:path w="13361552" h="12496271">
+                <a:moveTo>
+                  <a:pt x="0" y="0"/>
+                </a:moveTo>
+                <a:lnTo>
+                  <a:pt x="13361552" y="0"/>
+                </a:lnTo>
+                <a:lnTo>
+                  <a:pt x="13361552" y="12496271"/>
+                </a:lnTo>
+                <a:lnTo>
+                  <a:pt x="0" y="12496271"/>
+                </a:lnTo>
+                <a:lnTo>
+                  <a:pt x="0" y="0"/>
+                </a:lnTo>
+                <a:close/>
+              </a:path>
+            </a:pathLst>
+          </a:custGeom>
+          <a:blipFill>
+            <a:blip r:embed="rId2">
+              <a:extLst>
+                <a:ext uri="{96DAC541-7B7A-43D3-8B79-37D633B846F1}">
+                  <asvg:svgBlip xmlns:asvg="http://schemas.microsoft.com/office/drawing/2016/SVG/main" xmlns="" r:embed="rId3"/>
+                </a:ext>
+              </a:extLst>
+            </a:blip>
+            <a:stretch>
+              <a:fillRect/>
+            </a:stretch>
+          </a:blipFill>
+        </p:spPr>
+      </p:sp>
+      <p:sp>
+        <p:nvSpPr>
+          <p:cNvPr id="3" name="Freeform 3"/>
+          <p:cNvSpPr/>
+          <p:nvPr/>
+        </p:nvSpPr>
+        <p:spPr>
+          <a:xfrm rot="8525631">
+            <a:off x="13688080" y="-1463251"/>
+            <a:ext cx="5134469" cy="4801966"/>
+          </a:xfrm>
+          <a:custGeom>
+            <a:avLst/>
+            <a:gdLst/>
+            <a:ahLst/>
+            <a:cxnLst/>
+            <a:rect l="l" t="t" r="r" b="b"/>
+            <a:pathLst>
+              <a:path w="5134469" h="4801966">
+                <a:moveTo>
+                  <a:pt x="0" y="0"/>
+                </a:moveTo>
+                <a:lnTo>
+                  <a:pt x="5134469" y="0"/>
+                </a:lnTo>
+                <a:lnTo>
+                  <a:pt x="5134469" y="4801965"/>
+                </a:lnTo>
+                <a:lnTo>
+                  <a:pt x="0" y="4801965"/>
+                </a:lnTo>
+                <a:lnTo>
+                  <a:pt x="0" y="0"/>
+                </a:lnTo>
+                <a:close/>
+              </a:path>
+            </a:pathLst>
+          </a:custGeom>
+          <a:blipFill>
+            <a:blip r:embed="rId4">
+              <a:extLst>
+                <a:ext uri="{96DAC541-7B7A-43D3-8B79-37D633B846F1}">
+                  <asvg:svgBlip xmlns:asvg="http://schemas.microsoft.com/office/drawing/2016/SVG/main" xmlns="" r:embed="rId5"/>
+                </a:ext>
+              </a:extLst>
+            </a:blip>
+            <a:stretch>
+              <a:fillRect/>
+            </a:stretch>
+          </a:blipFill>
+        </p:spPr>
+      </p:sp>
+      <p:sp>
+        <p:nvSpPr>
+          <p:cNvPr id="4" name="Freeform 4"/>
+          <p:cNvSpPr/>
+          <p:nvPr/>
+        </p:nvSpPr>
+        <p:spPr>
+          <a:xfrm rot="3167773" flipH="1">
+            <a:off x="14372168" y="6346416"/>
+            <a:ext cx="4961277" cy="4639990"/>
+          </a:xfrm>
+          <a:custGeom>
+            <a:avLst/>
+            <a:gdLst/>
+            <a:ahLst/>
+            <a:cxnLst/>
+            <a:rect l="l" t="t" r="r" b="b"/>
+            <a:pathLst>
+              <a:path w="4961277" h="4639990">
+                <a:moveTo>
+                  <a:pt x="4961277" y="0"/>
+                </a:moveTo>
+                <a:lnTo>
+                  <a:pt x="0" y="0"/>
+                </a:lnTo>
+                <a:lnTo>
+                  <a:pt x="0" y="4639989"/>
+                </a:lnTo>
+                <a:lnTo>
+                  <a:pt x="4961277" y="4639989"/>
+                </a:lnTo>
+                <a:lnTo>
+                  <a:pt x="4961277" y="0"/>
+                </a:lnTo>
+                <a:close/>
+              </a:path>
+            </a:pathLst>
+          </a:custGeom>
+          <a:blipFill>
+            <a:blip r:embed="rId4">
+              <a:extLst>
+                <a:ext uri="{96DAC541-7B7A-43D3-8B79-37D633B846F1}">
+                  <asvg:svgBlip xmlns:asvg="http://schemas.microsoft.com/office/drawing/2016/SVG/main" xmlns="" r:embed="rId5"/>
+                </a:ext>
+              </a:extLst>
+            </a:blip>
+            <a:stretch>
+              <a:fillRect/>
+            </a:stretch>
+          </a:blipFill>
+        </p:spPr>
+      </p:sp>
+      <p:sp>
+        <p:nvSpPr>
+          <p:cNvPr id="5" name="TextBox 5"/>
+          <p:cNvSpPr txBox="1"/>
+          <p:nvPr/>
+        </p:nvSpPr>
+        <p:spPr>
+          <a:xfrm>
+            <a:off x="1662099" y="1028700"/>
+            <a:ext cx="9639812" cy="1181100"/>
+          </a:xfrm>
+          <a:prstGeom prst="rect">
+            <a:avLst/>
+          </a:prstGeom>
+        </p:spPr>
+        <p:txBody>
+          <a:bodyPr lIns="0" tIns="0" rIns="0" bIns="0" rtlCol="0" anchor="t">
+            <a:spAutoFit/>
+          </a:bodyPr>
+          <a:lstStyle/>
+          <a:p>
+            <a:pPr>
+              <a:lnSpc>
+                <a:spcPts val="9360"/>
+              </a:lnSpc>
+            </a:pPr>
+            <a:r>
+              <a:rPr lang="en-US" sz="7800">
+                <a:solidFill>
+                  <a:srgbClr val="343434"/>
+                </a:solidFill>
+                <a:latin typeface="Magnolia Script Bold"/>
+              </a:rPr>
+              <a:t>Manfaat CI/CD</a:t>
+            </a:r>
+          </a:p>
+        </p:txBody>
+      </p:sp>
+      <p:sp>
+        <p:nvSpPr>
+          <p:cNvPr id="6" name="TextBox 6"/>
+          <p:cNvSpPr txBox="1"/>
+          <p:nvPr/>
+        </p:nvSpPr>
+        <p:spPr>
+          <a:xfrm>
+            <a:off x="1623999" y="2833370"/>
+            <a:ext cx="9839271" cy="5434330"/>
+          </a:xfrm>
+          <a:prstGeom prst="rect">
+            <a:avLst/>
+          </a:prstGeom>
+        </p:spPr>
+        <p:txBody>
+          <a:bodyPr lIns="0" tIns="0" rIns="0" bIns="0" rtlCol="0" anchor="t">
+            <a:spAutoFit/>
+          </a:bodyPr>
+          <a:lstStyle/>
+          <a:p>
+            <a:pPr marL="604519" lvl="1" indent="-302260">
+              <a:lnSpc>
+                <a:spcPts val="3919"/>
+              </a:lnSpc>
+              <a:buFont typeface="Arial"/>
+              <a:buChar char="•"/>
+            </a:pPr>
+            <a:r>
+              <a:rPr lang="en-US" sz="2799">
+                <a:solidFill>
+                  <a:srgbClr val="343434"/>
+                </a:solidFill>
+                <a:latin typeface="Open Sans Bold"/>
+              </a:rPr>
+              <a:t>Feedback lebih cepat:</a:t>
+            </a:r>
+            <a:r>
+              <a:rPr lang="en-US" sz="2799">
+                <a:solidFill>
+                  <a:srgbClr val="343434"/>
+                </a:solidFill>
+                <a:latin typeface="Open Sans"/>
+              </a:rPr>
+              <a:t> Dengan CI/CD, kode diuji secara bersamaan, memberikan feedback yang cepat kepada tim pengembang untuk penanganan permasalahan dengan segera.</a:t>
+            </a:r>
+          </a:p>
+          <a:p>
+            <a:pPr marL="604519" lvl="1" indent="-302260">
+              <a:lnSpc>
+                <a:spcPts val="3919"/>
+              </a:lnSpc>
+              <a:buFont typeface="Arial"/>
+              <a:buChar char="•"/>
+            </a:pPr>
+            <a:r>
+              <a:rPr lang="en-US" sz="2799">
+                <a:solidFill>
+                  <a:srgbClr val="343434"/>
+                </a:solidFill>
+                <a:latin typeface="Open Sans Bold"/>
+              </a:rPr>
+              <a:t>Deteksi bug lebih cepat:</a:t>
+            </a:r>
+            <a:r>
+              <a:rPr lang="en-US" sz="2799">
+                <a:solidFill>
+                  <a:srgbClr val="343434"/>
+                </a:solidFill>
+                <a:latin typeface="Open Sans"/>
+              </a:rPr>
+              <a:t> CI/CD secara otomatis mendeteksi bug dalam kode, memungkinkan pengembang untuk mengidentifikasi dan memperbaiki masalah dengan cepat.</a:t>
+            </a:r>
+          </a:p>
+          <a:p>
+            <a:pPr marL="604519" lvl="1" indent="-302260">
+              <a:lnSpc>
+                <a:spcPts val="3919"/>
+              </a:lnSpc>
+              <a:buFont typeface="Arial"/>
+              <a:buChar char="•"/>
+            </a:pPr>
+            <a:r>
+              <a:rPr lang="en-US" sz="2799">
+                <a:solidFill>
+                  <a:srgbClr val="343434"/>
+                </a:solidFill>
+                <a:latin typeface="Open Sans Bold"/>
+              </a:rPr>
+              <a:t>Mempercepat rilis: </a:t>
+            </a:r>
+            <a:r>
+              <a:rPr lang="en-US" sz="2799">
+                <a:solidFill>
+                  <a:srgbClr val="343434"/>
+                </a:solidFill>
+                <a:latin typeface="Open Sans"/>
+              </a:rPr>
+              <a:t>Proses CI/CD memungkinkan aplikasi untuk selalu dalam kondisi siap dirilis, mempercepat proses peluncuran aplikasi.</a:t>
+            </a:r>
+          </a:p>
+        </p:txBody>
+      </p:sp>
+    </p:spTree>
+  </p:cSld>
+  <p:clrMapOvr>
+    <a:masterClrMapping/>
+  </p:clrMapOvr>
+  <p:transition>
+    <p:fade/>
+  </p:transition>
+</p:sld>
+</file>
+
+<file path=ppt/slides/slide15.xml><?xml version="1.0" encoding="utf-8"?>
+<p:sld xmlns:a="http://schemas.openxmlformats.org/drawingml/2006/main" xmlns:r="http://schemas.openxmlformats.org/officeDocument/2006/relationships" xmlns:p="http://schemas.openxmlformats.org/presentationml/2006/main">
+  <p:cSld>
+    <p:spTree>
+      <p:nvGrpSpPr>
+        <p:cNvPr id="1" name=""/>
+        <p:cNvGrpSpPr/>
+        <p:nvPr/>
+      </p:nvGrpSpPr>
+      <p:grpSpPr>
+        <a:xfrm>
+          <a:off x="0" y="0"/>
+          <a:ext cx="0" cy="0"/>
+          <a:chOff x="0" y="0"/>
+          <a:chExt cx="0" cy="0"/>
+        </a:xfrm>
+      </p:grpSpPr>
+      <p:sp>
+        <p:nvSpPr>
+          <p:cNvPr id="2" name="Freeform 2"/>
+          <p:cNvSpPr/>
+          <p:nvPr/>
+        </p:nvSpPr>
+        <p:spPr>
+          <a:xfrm rot="-10781110">
+            <a:off x="-3377236" y="-2458718"/>
+            <a:ext cx="6381430" cy="4970724"/>
+          </a:xfrm>
+          <a:custGeom>
+            <a:avLst/>
+            <a:gdLst/>
+            <a:ahLst/>
+            <a:cxnLst/>
+            <a:rect l="l" t="t" r="r" b="b"/>
+            <a:pathLst>
+              <a:path w="6381430" h="4970724">
+                <a:moveTo>
+                  <a:pt x="0" y="0"/>
+                </a:moveTo>
+                <a:lnTo>
+                  <a:pt x="6381430" y="0"/>
+                </a:lnTo>
+                <a:lnTo>
+                  <a:pt x="6381430" y="4970724"/>
+                </a:lnTo>
+                <a:lnTo>
+                  <a:pt x="0" y="4970724"/>
+                </a:lnTo>
+                <a:lnTo>
+                  <a:pt x="0" y="0"/>
+                </a:lnTo>
+                <a:close/>
+              </a:path>
+            </a:pathLst>
+          </a:custGeom>
+          <a:blipFill>
+            <a:blip r:embed="rId2">
+              <a:extLst>
+                <a:ext uri="{96DAC541-7B7A-43D3-8B79-37D633B846F1}">
+                  <asvg:svgBlip xmlns:asvg="http://schemas.microsoft.com/office/drawing/2016/SVG/main" xmlns="" r:embed="rId3"/>
+                </a:ext>
+              </a:extLst>
+            </a:blip>
+            <a:stretch>
+              <a:fillRect/>
+            </a:stretch>
+          </a:blipFill>
+        </p:spPr>
+      </p:sp>
+      <p:sp>
+        <p:nvSpPr>
+          <p:cNvPr id="3" name="Freeform 3"/>
+          <p:cNvSpPr/>
+          <p:nvPr/>
+        </p:nvSpPr>
+        <p:spPr>
+          <a:xfrm rot="-10781110">
+            <a:off x="-2490897" y="3309513"/>
+            <a:ext cx="4964900" cy="3867338"/>
+          </a:xfrm>
+          <a:custGeom>
+            <a:avLst/>
+            <a:gdLst/>
+            <a:ahLst/>
+            <a:cxnLst/>
+            <a:rect l="l" t="t" r="r" b="b"/>
+            <a:pathLst>
+              <a:path w="4964900" h="3867338">
+                <a:moveTo>
+                  <a:pt x="0" y="0"/>
+                </a:moveTo>
+                <a:lnTo>
+                  <a:pt x="4964900" y="0"/>
+                </a:lnTo>
+                <a:lnTo>
+                  <a:pt x="4964900" y="3867338"/>
+                </a:lnTo>
+                <a:lnTo>
+                  <a:pt x="0" y="3867338"/>
+                </a:lnTo>
+                <a:lnTo>
+                  <a:pt x="0" y="0"/>
+                </a:lnTo>
+                <a:close/>
+              </a:path>
+            </a:pathLst>
+          </a:custGeom>
+          <a:blipFill>
+            <a:blip r:embed="rId2">
+              <a:extLst>
+                <a:ext uri="{96DAC541-7B7A-43D3-8B79-37D633B846F1}">
+                  <asvg:svgBlip xmlns:asvg="http://schemas.microsoft.com/office/drawing/2016/SVG/main" xmlns="" r:embed="rId3"/>
+                </a:ext>
+              </a:extLst>
+            </a:blip>
+            <a:stretch>
+              <a:fillRect/>
+            </a:stretch>
+          </a:blipFill>
+        </p:spPr>
+      </p:sp>
+      <p:sp>
+        <p:nvSpPr>
+          <p:cNvPr id="4" name="Freeform 4"/>
+          <p:cNvSpPr/>
+          <p:nvPr/>
+        </p:nvSpPr>
+        <p:spPr>
+          <a:xfrm rot="-10781110">
+            <a:off x="-2560170" y="1280220"/>
+            <a:ext cx="4964900" cy="3867338"/>
+          </a:xfrm>
+          <a:custGeom>
+            <a:avLst/>
+            <a:gdLst/>
+            <a:ahLst/>
+            <a:cxnLst/>
+            <a:rect l="l" t="t" r="r" b="b"/>
+            <a:pathLst>
+              <a:path w="4964900" h="3867338">
+                <a:moveTo>
+                  <a:pt x="0" y="0"/>
+                </a:moveTo>
+                <a:lnTo>
+                  <a:pt x="4964900" y="0"/>
+                </a:lnTo>
+                <a:lnTo>
+                  <a:pt x="4964900" y="3867338"/>
+                </a:lnTo>
+                <a:lnTo>
+                  <a:pt x="0" y="3867338"/>
+                </a:lnTo>
+                <a:lnTo>
+                  <a:pt x="0" y="0"/>
+                </a:lnTo>
+                <a:close/>
+              </a:path>
+            </a:pathLst>
+          </a:custGeom>
+          <a:blipFill>
+            <a:blip r:embed="rId2">
+              <a:extLst>
+                <a:ext uri="{96DAC541-7B7A-43D3-8B79-37D633B846F1}">
+                  <asvg:svgBlip xmlns:asvg="http://schemas.microsoft.com/office/drawing/2016/SVG/main" xmlns="" r:embed="rId3"/>
+                </a:ext>
+              </a:extLst>
+            </a:blip>
+            <a:stretch>
+              <a:fillRect/>
+            </a:stretch>
+          </a:blipFill>
+        </p:spPr>
+      </p:sp>
+      <p:sp>
+        <p:nvSpPr>
+          <p:cNvPr id="5" name="Freeform 5"/>
+          <p:cNvSpPr/>
+          <p:nvPr/>
+        </p:nvSpPr>
+        <p:spPr>
+          <a:xfrm rot="-10781110">
+            <a:off x="-2901820" y="5841920"/>
+            <a:ext cx="4964900" cy="3867338"/>
+          </a:xfrm>
+          <a:custGeom>
+            <a:avLst/>
+            <a:gdLst/>
+            <a:ahLst/>
+            <a:cxnLst/>
+            <a:rect l="l" t="t" r="r" b="b"/>
+            <a:pathLst>
+              <a:path w="4964900" h="3867338">
+                <a:moveTo>
+                  <a:pt x="0" y="0"/>
+                </a:moveTo>
+                <a:lnTo>
+                  <a:pt x="4964900" y="0"/>
+                </a:lnTo>
+                <a:lnTo>
+                  <a:pt x="4964900" y="3867339"/>
+                </a:lnTo>
+                <a:lnTo>
+                  <a:pt x="0" y="3867339"/>
+                </a:lnTo>
+                <a:lnTo>
+                  <a:pt x="0" y="0"/>
+                </a:lnTo>
+                <a:close/>
+              </a:path>
+            </a:pathLst>
+          </a:custGeom>
+          <a:blipFill>
+            <a:blip r:embed="rId2">
+              <a:extLst>
+                <a:ext uri="{96DAC541-7B7A-43D3-8B79-37D633B846F1}">
+                  <asvg:svgBlip xmlns:asvg="http://schemas.microsoft.com/office/drawing/2016/SVG/main" xmlns="" r:embed="rId3"/>
+                </a:ext>
+              </a:extLst>
+            </a:blip>
+            <a:stretch>
+              <a:fillRect/>
+            </a:stretch>
+          </a:blipFill>
+        </p:spPr>
+      </p:sp>
+      <p:sp>
+        <p:nvSpPr>
+          <p:cNvPr id="6" name="Freeform 6"/>
+          <p:cNvSpPr/>
+          <p:nvPr/>
+        </p:nvSpPr>
+        <p:spPr>
+          <a:xfrm rot="-10781110">
+            <a:off x="-1623177" y="8350267"/>
+            <a:ext cx="4964900" cy="3867338"/>
+          </a:xfrm>
+          <a:custGeom>
+            <a:avLst/>
+            <a:gdLst/>
+            <a:ahLst/>
+            <a:cxnLst/>
+            <a:rect l="l" t="t" r="r" b="b"/>
+            <a:pathLst>
+              <a:path w="4964900" h="3867338">
+                <a:moveTo>
+                  <a:pt x="0" y="0"/>
+                </a:moveTo>
+                <a:lnTo>
+                  <a:pt x="4964900" y="0"/>
+                </a:lnTo>
+                <a:lnTo>
+                  <a:pt x="4964900" y="3867339"/>
+                </a:lnTo>
+                <a:lnTo>
+                  <a:pt x="0" y="3867339"/>
+                </a:lnTo>
+                <a:lnTo>
+                  <a:pt x="0" y="0"/>
+                </a:lnTo>
+                <a:close/>
+              </a:path>
+            </a:pathLst>
+          </a:custGeom>
+          <a:blipFill>
+            <a:blip r:embed="rId2">
+              <a:extLst>
+                <a:ext uri="{96DAC541-7B7A-43D3-8B79-37D633B846F1}">
+                  <asvg:svgBlip xmlns:asvg="http://schemas.microsoft.com/office/drawing/2016/SVG/main" xmlns="" r:embed="rId3"/>
+                </a:ext>
+              </a:extLst>
+            </a:blip>
+            <a:stretch>
+              <a:fillRect/>
+            </a:stretch>
+          </a:blipFill>
+        </p:spPr>
+      </p:sp>
+      <p:sp>
+        <p:nvSpPr>
+          <p:cNvPr id="7" name="Freeform 7"/>
+          <p:cNvSpPr/>
+          <p:nvPr/>
+        </p:nvSpPr>
+        <p:spPr>
+          <a:xfrm rot="-1398329">
+            <a:off x="15406871" y="467415"/>
+            <a:ext cx="3372052" cy="4893479"/>
+          </a:xfrm>
+          <a:custGeom>
+            <a:avLst/>
+            <a:gdLst/>
+            <a:ahLst/>
+            <a:cxnLst/>
+            <a:rect l="l" t="t" r="r" b="b"/>
+            <a:pathLst>
+              <a:path w="3372052" h="4893479">
+                <a:moveTo>
+                  <a:pt x="0" y="0"/>
+                </a:moveTo>
+                <a:lnTo>
+                  <a:pt x="3372052" y="0"/>
+                </a:lnTo>
+                <a:lnTo>
+                  <a:pt x="3372052" y="4893479"/>
+                </a:lnTo>
+                <a:lnTo>
+                  <a:pt x="0" y="4893479"/>
+                </a:lnTo>
+                <a:lnTo>
+                  <a:pt x="0" y="0"/>
+                </a:lnTo>
+                <a:close/>
+              </a:path>
+            </a:pathLst>
+          </a:custGeom>
+          <a:blipFill>
+            <a:blip r:embed="rId4">
+              <a:extLst>
+                <a:ext uri="{96DAC541-7B7A-43D3-8B79-37D633B846F1}">
+                  <asvg:svgBlip xmlns:asvg="http://schemas.microsoft.com/office/drawing/2016/SVG/main" xmlns="" r:embed="rId5"/>
+                </a:ext>
+              </a:extLst>
+            </a:blip>
+            <a:stretch>
+              <a:fillRect/>
+            </a:stretch>
+          </a:blipFill>
+        </p:spPr>
+      </p:sp>
+      <p:sp>
+        <p:nvSpPr>
+          <p:cNvPr id="8" name="TextBox 8"/>
+          <p:cNvSpPr txBox="1"/>
+          <p:nvPr/>
+        </p:nvSpPr>
+        <p:spPr>
+          <a:xfrm>
+            <a:off x="3682698" y="1855848"/>
+            <a:ext cx="9639812" cy="1181100"/>
+          </a:xfrm>
+          <a:prstGeom prst="rect">
+            <a:avLst/>
+          </a:prstGeom>
+        </p:spPr>
+        <p:txBody>
+          <a:bodyPr lIns="0" tIns="0" rIns="0" bIns="0" rtlCol="0" anchor="t">
+            <a:spAutoFit/>
+          </a:bodyPr>
+          <a:lstStyle/>
+          <a:p>
+            <a:pPr>
+              <a:lnSpc>
+                <a:spcPts val="9360"/>
+              </a:lnSpc>
+            </a:pPr>
+            <a:r>
+              <a:rPr lang="en-US" sz="7800">
+                <a:solidFill>
+                  <a:srgbClr val="343434"/>
+                </a:solidFill>
+                <a:latin typeface="Magnolia Script Bold"/>
+              </a:rPr>
+              <a:t>Tools untuk CI/CD</a:t>
+            </a:r>
+          </a:p>
+        </p:txBody>
+      </p:sp>
+      <p:sp>
+        <p:nvSpPr>
+          <p:cNvPr id="9" name="TextBox 9"/>
+          <p:cNvSpPr txBox="1"/>
+          <p:nvPr/>
+        </p:nvSpPr>
+        <p:spPr>
+          <a:xfrm>
+            <a:off x="3682698" y="3238752"/>
+            <a:ext cx="11303604" cy="5929630"/>
+          </a:xfrm>
+          <a:prstGeom prst="rect">
+            <a:avLst/>
+          </a:prstGeom>
+        </p:spPr>
+        <p:txBody>
+          <a:bodyPr lIns="0" tIns="0" rIns="0" bIns="0" rtlCol="0" anchor="t">
+            <a:spAutoFit/>
+          </a:bodyPr>
+          <a:lstStyle/>
+          <a:p>
+            <a:pPr marL="604519" lvl="1" indent="-302260">
+              <a:lnSpc>
+                <a:spcPts val="3919"/>
+              </a:lnSpc>
+              <a:buFont typeface="Arial"/>
+              <a:buChar char="•"/>
+            </a:pPr>
+            <a:r>
+              <a:rPr lang="en-US" sz="2799">
+                <a:solidFill>
+                  <a:srgbClr val="343434"/>
+                </a:solidFill>
+                <a:latin typeface="Open Sans Bold"/>
+              </a:rPr>
+              <a:t>Jenkins: </a:t>
+            </a:r>
+            <a:r>
+              <a:rPr lang="en-US" sz="2799">
+                <a:solidFill>
+                  <a:srgbClr val="343434"/>
+                </a:solidFill>
+                <a:latin typeface="Open Sans"/>
+              </a:rPr>
+              <a:t>Open source, Java-based tool dengan banyak plugin yang mendukung pembuatan, deployment, dan otomatisasi dalam pengembangan perangkat lunak.</a:t>
+            </a:r>
+          </a:p>
+          <a:p>
+            <a:pPr marL="604519" lvl="1" indent="-302260">
+              <a:lnSpc>
+                <a:spcPts val="3919"/>
+              </a:lnSpc>
+              <a:buFont typeface="Arial"/>
+              <a:buChar char="•"/>
+            </a:pPr>
+            <a:r>
+              <a:rPr lang="en-US" sz="2799">
+                <a:solidFill>
+                  <a:srgbClr val="343434"/>
+                </a:solidFill>
+                <a:latin typeface="Open Sans Bold"/>
+              </a:rPr>
+              <a:t>AWS CodeBuild:</a:t>
+            </a:r>
+            <a:r>
+              <a:rPr lang="en-US" sz="2799">
+                <a:solidFill>
+                  <a:srgbClr val="343434"/>
+                </a:solidFill>
+                <a:latin typeface="Open Sans"/>
+              </a:rPr>
+              <a:t> Tool dari AWS untuk membangun dan menguji kode dengan aman dan otomatis.</a:t>
+            </a:r>
+          </a:p>
+          <a:p>
+            <a:pPr marL="604519" lvl="1" indent="-302260">
+              <a:lnSpc>
+                <a:spcPts val="3919"/>
+              </a:lnSpc>
+              <a:buFont typeface="Arial"/>
+              <a:buChar char="•"/>
+            </a:pPr>
+            <a:r>
+              <a:rPr lang="en-US" sz="2799">
+                <a:solidFill>
+                  <a:srgbClr val="343434"/>
+                </a:solidFill>
+                <a:latin typeface="Open Sans Bold"/>
+              </a:rPr>
+              <a:t>Azure DevOps:</a:t>
+            </a:r>
+            <a:r>
+              <a:rPr lang="en-US" sz="2799">
+                <a:solidFill>
+                  <a:srgbClr val="343434"/>
+                </a:solidFill>
+                <a:latin typeface="Open Sans"/>
+              </a:rPr>
+              <a:t> Ciptaan Microsoft, dapat digunakan untuk mengatur, menguji, dan melakukan deployment pada berbagai sistem operasi.</a:t>
+            </a:r>
+          </a:p>
+          <a:p>
+            <a:pPr marL="604519" lvl="1" indent="-302260">
+              <a:lnSpc>
+                <a:spcPts val="3919"/>
+              </a:lnSpc>
+              <a:buFont typeface="Arial"/>
+              <a:buChar char="•"/>
+            </a:pPr>
+            <a:r>
+              <a:rPr lang="en-US" sz="2799">
+                <a:solidFill>
+                  <a:srgbClr val="343434"/>
+                </a:solidFill>
+                <a:latin typeface="Open Sans Bold"/>
+              </a:rPr>
+              <a:t>GitLab CI/CD:</a:t>
+            </a:r>
+            <a:r>
+              <a:rPr lang="en-US" sz="2799">
+                <a:solidFill>
+                  <a:srgbClr val="343434"/>
+                </a:solidFill>
+                <a:latin typeface="Open Sans"/>
+              </a:rPr>
+              <a:t> Dibuat oleh GitLab, mendukung continuous integration, continuous delivery, dan continuous deployment, serta dapat berjalan di berbagai lingkungan seperti virtual machine, docker container, dan server lainnya.</a:t>
+            </a:r>
+          </a:p>
+        </p:txBody>
+      </p:sp>
+    </p:spTree>
+  </p:cSld>
+  <p:clrMapOvr>
+    <a:masterClrMapping/>
+  </p:clrMapOvr>
+  <p:transition>
+    <p:fade/>
+  </p:transition>
+</p:sld>
+</file>
+
+<file path=ppt/slides/slide16.xml><?xml version="1.0" encoding="utf-8"?>
+<p:sld xmlns:a="http://schemas.openxmlformats.org/drawingml/2006/main" xmlns:r="http://schemas.openxmlformats.org/officeDocument/2006/relationships" xmlns:p="http://schemas.openxmlformats.org/presentationml/2006/main">
+  <p:cSld>
+    <p:spTree>
+      <p:nvGrpSpPr>
+        <p:cNvPr id="1" name=""/>
+        <p:cNvGrpSpPr/>
+        <p:nvPr/>
+      </p:nvGrpSpPr>
+      <p:grpSpPr>
+        <a:xfrm>
+          <a:off x="0" y="0"/>
+          <a:ext cx="0" cy="0"/>
+          <a:chOff x="0" y="0"/>
+          <a:chExt cx="0" cy="0"/>
+        </a:xfrm>
+      </p:grpSpPr>
+      <p:sp>
+        <p:nvSpPr>
+          <p:cNvPr id="2" name="Freeform 2"/>
+          <p:cNvSpPr/>
+          <p:nvPr/>
+        </p:nvSpPr>
+        <p:spPr>
+          <a:xfrm>
+            <a:off x="13963906" y="6466194"/>
+            <a:ext cx="6626110" cy="5084033"/>
+          </a:xfrm>
+          <a:custGeom>
+            <a:avLst/>
+            <a:gdLst/>
+            <a:ahLst/>
+            <a:cxnLst/>
+            <a:rect l="l" t="t" r="r" b="b"/>
+            <a:pathLst>
+              <a:path w="6626110" h="5084033">
+                <a:moveTo>
+                  <a:pt x="0" y="0"/>
+                </a:moveTo>
+                <a:lnTo>
+                  <a:pt x="6626110" y="0"/>
+                </a:lnTo>
+                <a:lnTo>
+                  <a:pt x="6626110" y="5084034"/>
+                </a:lnTo>
+                <a:lnTo>
+                  <a:pt x="0" y="5084034"/>
+                </a:lnTo>
+                <a:lnTo>
+                  <a:pt x="0" y="0"/>
+                </a:lnTo>
+                <a:close/>
+              </a:path>
+            </a:pathLst>
+          </a:custGeom>
+          <a:blipFill>
+            <a:blip r:embed="rId2">
+              <a:extLst>
+                <a:ext uri="{96DAC541-7B7A-43D3-8B79-37D633B846F1}">
+                  <asvg:svgBlip xmlns:asvg="http://schemas.microsoft.com/office/drawing/2016/SVG/main" xmlns="" r:embed="rId3"/>
+                </a:ext>
+              </a:extLst>
+            </a:blip>
+            <a:stretch>
+              <a:fillRect/>
+            </a:stretch>
+          </a:blipFill>
+        </p:spPr>
+      </p:sp>
+      <p:sp>
+        <p:nvSpPr>
+          <p:cNvPr id="3" name="Freeform 3"/>
+          <p:cNvSpPr/>
+          <p:nvPr/>
+        </p:nvSpPr>
+        <p:spPr>
+          <a:xfrm>
+            <a:off x="13888818" y="8195613"/>
+            <a:ext cx="6740964" cy="4583855"/>
+          </a:xfrm>
+          <a:custGeom>
+            <a:avLst/>
+            <a:gdLst/>
+            <a:ahLst/>
+            <a:cxnLst/>
+            <a:rect l="l" t="t" r="r" b="b"/>
+            <a:pathLst>
+              <a:path w="6740964" h="4583855">
+                <a:moveTo>
+                  <a:pt x="0" y="0"/>
+                </a:moveTo>
+                <a:lnTo>
+                  <a:pt x="6740964" y="0"/>
+                </a:lnTo>
+                <a:lnTo>
+                  <a:pt x="6740964" y="4583855"/>
+                </a:lnTo>
+                <a:lnTo>
+                  <a:pt x="0" y="4583855"/>
+                </a:lnTo>
+                <a:lnTo>
+                  <a:pt x="0" y="0"/>
+                </a:lnTo>
+                <a:close/>
+              </a:path>
+            </a:pathLst>
+          </a:custGeom>
+          <a:blipFill>
+            <a:blip r:embed="rId4">
+              <a:extLst>
+                <a:ext uri="{96DAC541-7B7A-43D3-8B79-37D633B846F1}">
+                  <asvg:svgBlip xmlns:asvg="http://schemas.microsoft.com/office/drawing/2016/SVG/main" xmlns="" r:embed="rId5"/>
+                </a:ext>
+              </a:extLst>
+            </a:blip>
+            <a:stretch>
+              <a:fillRect/>
+            </a:stretch>
+          </a:blipFill>
+        </p:spPr>
+      </p:sp>
+      <p:sp>
+        <p:nvSpPr>
+          <p:cNvPr id="4" name="Freeform 4"/>
+          <p:cNvSpPr/>
+          <p:nvPr/>
+        </p:nvSpPr>
+        <p:spPr>
+          <a:xfrm>
+            <a:off x="-1652745" y="6700722"/>
+            <a:ext cx="6014782" cy="4614978"/>
+          </a:xfrm>
+          <a:custGeom>
+            <a:avLst/>
+            <a:gdLst/>
+            <a:ahLst/>
+            <a:cxnLst/>
+            <a:rect l="l" t="t" r="r" b="b"/>
+            <a:pathLst>
+              <a:path w="6014782" h="4614978">
+                <a:moveTo>
+                  <a:pt x="0" y="0"/>
+                </a:moveTo>
+                <a:lnTo>
+                  <a:pt x="6014782" y="0"/>
+                </a:lnTo>
+                <a:lnTo>
+                  <a:pt x="6014782" y="4614978"/>
+                </a:lnTo>
+                <a:lnTo>
+                  <a:pt x="0" y="4614978"/>
+                </a:lnTo>
+                <a:lnTo>
+                  <a:pt x="0" y="0"/>
+                </a:lnTo>
+                <a:close/>
+              </a:path>
+            </a:pathLst>
+          </a:custGeom>
+          <a:blipFill>
+            <a:blip r:embed="rId2">
+              <a:extLst>
+                <a:ext uri="{96DAC541-7B7A-43D3-8B79-37D633B846F1}">
+                  <asvg:svgBlip xmlns:asvg="http://schemas.microsoft.com/office/drawing/2016/SVG/main" xmlns="" r:embed="rId3"/>
+                </a:ext>
+              </a:extLst>
+            </a:blip>
+            <a:stretch>
+              <a:fillRect/>
+            </a:stretch>
+          </a:blipFill>
+        </p:spPr>
+      </p:sp>
+      <p:sp>
+        <p:nvSpPr>
+          <p:cNvPr id="5" name="Freeform 5"/>
+          <p:cNvSpPr/>
+          <p:nvPr/>
+        </p:nvSpPr>
+        <p:spPr>
+          <a:xfrm>
+            <a:off x="-2704782" y="7185338"/>
+            <a:ext cx="6051176" cy="4114800"/>
+          </a:xfrm>
+          <a:custGeom>
+            <a:avLst/>
+            <a:gdLst/>
+            <a:ahLst/>
+            <a:cxnLst/>
+            <a:rect l="l" t="t" r="r" b="b"/>
+            <a:pathLst>
+              <a:path w="6051176" h="4114800">
+                <a:moveTo>
+                  <a:pt x="0" y="0"/>
+                </a:moveTo>
+                <a:lnTo>
+                  <a:pt x="6051176" y="0"/>
+                </a:lnTo>
+                <a:lnTo>
+                  <a:pt x="6051176" y="4114800"/>
+                </a:lnTo>
+                <a:lnTo>
+                  <a:pt x="0" y="4114800"/>
+                </a:lnTo>
+                <a:lnTo>
+                  <a:pt x="0" y="0"/>
+                </a:lnTo>
+                <a:close/>
+              </a:path>
+            </a:pathLst>
+          </a:custGeom>
+          <a:blipFill>
+            <a:blip r:embed="rId4">
+              <a:extLst>
+                <a:ext uri="{96DAC541-7B7A-43D3-8B79-37D633B846F1}">
+                  <asvg:svgBlip xmlns:asvg="http://schemas.microsoft.com/office/drawing/2016/SVG/main" xmlns="" r:embed="rId5"/>
+                </a:ext>
+              </a:extLst>
+            </a:blip>
+            <a:stretch>
+              <a:fillRect/>
+            </a:stretch>
+          </a:blipFill>
+        </p:spPr>
+      </p:sp>
+      <p:sp>
+        <p:nvSpPr>
+          <p:cNvPr id="6" name="TextBox 6"/>
+          <p:cNvSpPr txBox="1"/>
+          <p:nvPr/>
+        </p:nvSpPr>
+        <p:spPr>
+          <a:xfrm>
+            <a:off x="3176289" y="1028700"/>
+            <a:ext cx="11935422" cy="1181100"/>
+          </a:xfrm>
+          <a:prstGeom prst="rect">
+            <a:avLst/>
+          </a:prstGeom>
+        </p:spPr>
+        <p:txBody>
+          <a:bodyPr lIns="0" tIns="0" rIns="0" bIns="0" rtlCol="0" anchor="t">
+            <a:spAutoFit/>
+          </a:bodyPr>
+          <a:lstStyle/>
+          <a:p>
+            <a:pPr algn="ctr">
+              <a:lnSpc>
+                <a:spcPts val="9360"/>
+              </a:lnSpc>
+            </a:pPr>
+            <a:r>
+              <a:rPr lang="en-US" sz="7800">
+                <a:solidFill>
+                  <a:srgbClr val="343434"/>
+                </a:solidFill>
+                <a:latin typeface="Magnolia Script Bold"/>
+              </a:rPr>
+              <a:t>Langkah-Langkah CI/CD</a:t>
+            </a:r>
+          </a:p>
+        </p:txBody>
+      </p:sp>
+      <p:sp>
+        <p:nvSpPr>
+          <p:cNvPr id="7" name="TextBox 7"/>
+          <p:cNvSpPr txBox="1"/>
+          <p:nvPr/>
+        </p:nvSpPr>
+        <p:spPr>
+          <a:xfrm>
+            <a:off x="3436997" y="2761283"/>
+            <a:ext cx="11414005" cy="5434330"/>
+          </a:xfrm>
+          <a:prstGeom prst="rect">
+            <a:avLst/>
+          </a:prstGeom>
+        </p:spPr>
+        <p:txBody>
+          <a:bodyPr lIns="0" tIns="0" rIns="0" bIns="0" rtlCol="0" anchor="t">
+            <a:spAutoFit/>
+          </a:bodyPr>
+          <a:lstStyle/>
+          <a:p>
+            <a:pPr>
+              <a:lnSpc>
+                <a:spcPts val="3919"/>
+              </a:lnSpc>
+            </a:pPr>
+            <a:r>
+              <a:rPr lang="en-US" sz="2799">
+                <a:solidFill>
+                  <a:srgbClr val="343434"/>
+                </a:solidFill>
+                <a:latin typeface="Open Sans Bold"/>
+              </a:rPr>
+              <a:t>1. Continuous Integration (Integrasi Berkelanjutan)</a:t>
+            </a:r>
+          </a:p>
+          <a:p>
+            <a:pPr>
+              <a:lnSpc>
+                <a:spcPts val="3919"/>
+              </a:lnSpc>
+            </a:pPr>
+            <a:r>
+              <a:rPr lang="en-US" sz="2799">
+                <a:solidFill>
+                  <a:srgbClr val="343434"/>
+                </a:solidFill>
+                <a:latin typeface="Open Sans"/>
+              </a:rPr>
+              <a:t>    Integrasi kode secara terus-menerus dengan pengujian otomatis.</a:t>
+            </a:r>
+          </a:p>
+          <a:p>
+            <a:pPr>
+              <a:lnSpc>
+                <a:spcPts val="3919"/>
+              </a:lnSpc>
+            </a:pPr>
+            <a:r>
+              <a:rPr lang="en-US" sz="2799">
+                <a:solidFill>
+                  <a:srgbClr val="343434"/>
+                </a:solidFill>
+                <a:latin typeface="Open Sans Bold"/>
+              </a:rPr>
+              <a:t>2. Continuous Testing (Pengujian Berkelanjutan)</a:t>
+            </a:r>
+          </a:p>
+          <a:p>
+            <a:pPr>
+              <a:lnSpc>
+                <a:spcPts val="3919"/>
+              </a:lnSpc>
+            </a:pPr>
+            <a:r>
+              <a:rPr lang="en-US" sz="2799">
+                <a:solidFill>
+                  <a:srgbClr val="343434"/>
+                </a:solidFill>
+                <a:latin typeface="Open Sans"/>
+              </a:rPr>
+              <a:t>    Verifikasi komponen unit aplikasi dengan pengujian otomatis.</a:t>
+            </a:r>
+          </a:p>
+          <a:p>
+            <a:pPr>
+              <a:lnSpc>
+                <a:spcPts val="3919"/>
+              </a:lnSpc>
+            </a:pPr>
+            <a:r>
+              <a:rPr lang="en-US" sz="2799">
+                <a:solidFill>
+                  <a:srgbClr val="343434"/>
+                </a:solidFill>
+                <a:latin typeface="Open Sans Bold"/>
+              </a:rPr>
+              <a:t>3. Continuous Delivery (Pengiriman Berkelanjutan)</a:t>
+            </a:r>
+          </a:p>
+          <a:p>
+            <a:pPr>
+              <a:lnSpc>
+                <a:spcPts val="3919"/>
+              </a:lnSpc>
+            </a:pPr>
+            <a:r>
+              <a:rPr lang="en-US" sz="2799">
+                <a:solidFill>
+                  <a:srgbClr val="343434"/>
+                </a:solidFill>
+                <a:latin typeface="Open Sans"/>
+              </a:rPr>
+              <a:t>    Kode siap untuk pengiriman atau implementasi otomatis.</a:t>
+            </a:r>
+          </a:p>
+          <a:p>
+            <a:pPr>
+              <a:lnSpc>
+                <a:spcPts val="3919"/>
+              </a:lnSpc>
+            </a:pPr>
+            <a:r>
+              <a:rPr lang="en-US" sz="2799">
+                <a:solidFill>
+                  <a:srgbClr val="343434"/>
+                </a:solidFill>
+                <a:latin typeface="Open Sans Bold"/>
+              </a:rPr>
+              <a:t>4. Continuous Deployment (Penyebaran Berkelanjutan)</a:t>
+            </a:r>
+          </a:p>
+          <a:p>
+            <a:pPr>
+              <a:lnSpc>
+                <a:spcPts val="3919"/>
+              </a:lnSpc>
+            </a:pPr>
+            <a:r>
+              <a:rPr lang="en-US" sz="2799">
+                <a:solidFill>
+                  <a:srgbClr val="343434"/>
+                </a:solidFill>
+                <a:latin typeface="Open Sans"/>
+              </a:rPr>
+              <a:t>    Penyatuan aplikasi ke produksi secara otomatis.</a:t>
+            </a:r>
+          </a:p>
+          <a:p>
+            <a:pPr>
+              <a:lnSpc>
+                <a:spcPts val="3919"/>
+              </a:lnSpc>
+            </a:pPr>
+            <a:r>
+              <a:rPr lang="en-US" sz="2799">
+                <a:solidFill>
+                  <a:srgbClr val="343434"/>
+                </a:solidFill>
+                <a:latin typeface="Open Sans Bold"/>
+              </a:rPr>
+              <a:t>5. Continuous Monitoring (Pemantauan Berkelanjutan)</a:t>
+            </a:r>
+          </a:p>
+          <a:p>
+            <a:pPr>
+              <a:lnSpc>
+                <a:spcPts val="3919"/>
+              </a:lnSpc>
+            </a:pPr>
+            <a:r>
+              <a:rPr lang="en-US" sz="2799">
+                <a:solidFill>
+                  <a:srgbClr val="343434"/>
+                </a:solidFill>
+                <a:latin typeface="Open Sans"/>
+              </a:rPr>
+              <a:t>    Pemantauan kinerja aplikasi dan deteksi kesalahan secara</a:t>
+            </a:r>
+          </a:p>
+          <a:p>
+            <a:pPr>
+              <a:lnSpc>
+                <a:spcPts val="3919"/>
+              </a:lnSpc>
+            </a:pPr>
+            <a:r>
+              <a:rPr lang="en-US" sz="2799">
+                <a:solidFill>
+                  <a:srgbClr val="343434"/>
+                </a:solidFill>
+                <a:latin typeface="Open Sans"/>
+              </a:rPr>
+              <a:t>    berkesinambungan.</a:t>
+            </a:r>
+          </a:p>
+        </p:txBody>
+      </p:sp>
+    </p:spTree>
+  </p:cSld>
+  <p:clrMapOvr>
+    <a:masterClrMapping/>
+  </p:clrMapOvr>
+  <p:transition>
+    <p:fade/>
+  </p:transition>
+</p:sld>
+</file>
+
+<file path=ppt/slides/slide17.xml><?xml version="1.0" encoding="utf-8"?>
+<p:sld xmlns:a="http://schemas.openxmlformats.org/drawingml/2006/main" xmlns:r="http://schemas.openxmlformats.org/officeDocument/2006/relationships" xmlns:p="http://schemas.openxmlformats.org/presentationml/2006/main">
+  <p:cSld>
+    <p:spTree>
+      <p:nvGrpSpPr>
+        <p:cNvPr id="1" name=""/>
+        <p:cNvGrpSpPr/>
+        <p:nvPr/>
+      </p:nvGrpSpPr>
+      <p:grpSpPr>
+        <a:xfrm>
+          <a:off x="0" y="0"/>
+          <a:ext cx="0" cy="0"/>
+          <a:chOff x="0" y="0"/>
+          <a:chExt cx="0" cy="0"/>
+        </a:xfrm>
+      </p:grpSpPr>
+      <p:sp>
+        <p:nvSpPr>
+          <p:cNvPr id="2" name="Freeform 2"/>
+          <p:cNvSpPr/>
+          <p:nvPr/>
+        </p:nvSpPr>
+        <p:spPr>
+          <a:xfrm rot="476285">
+            <a:off x="-2806917" y="-4256124"/>
+            <a:ext cx="7906493" cy="9054418"/>
+          </a:xfrm>
+          <a:custGeom>
+            <a:avLst/>
+            <a:gdLst/>
+            <a:ahLst/>
+            <a:cxnLst/>
+            <a:rect l="l" t="t" r="r" b="b"/>
+            <a:pathLst>
+              <a:path w="7906493" h="9054418">
+                <a:moveTo>
+                  <a:pt x="0" y="0"/>
+                </a:moveTo>
+                <a:lnTo>
+                  <a:pt x="7906493" y="0"/>
+                </a:lnTo>
+                <a:lnTo>
+                  <a:pt x="7906493" y="9054417"/>
+                </a:lnTo>
+                <a:lnTo>
+                  <a:pt x="0" y="9054417"/>
+                </a:lnTo>
+                <a:lnTo>
+                  <a:pt x="0" y="0"/>
+                </a:lnTo>
+                <a:close/>
+              </a:path>
+            </a:pathLst>
+          </a:custGeom>
+          <a:blipFill>
+            <a:blip r:embed="rId2">
+              <a:extLst>
+                <a:ext uri="{96DAC541-7B7A-43D3-8B79-37D633B846F1}">
+                  <asvg:svgBlip xmlns:asvg="http://schemas.microsoft.com/office/drawing/2016/SVG/main" xmlns="" r:embed="rId3"/>
+                </a:ext>
+              </a:extLst>
+            </a:blip>
+            <a:stretch>
+              <a:fillRect/>
+            </a:stretch>
+          </a:blipFill>
+        </p:spPr>
+      </p:sp>
+      <p:sp>
+        <p:nvSpPr>
+          <p:cNvPr id="3" name="Freeform 3"/>
+          <p:cNvSpPr/>
+          <p:nvPr/>
+        </p:nvSpPr>
+        <p:spPr>
+          <a:xfrm>
+            <a:off x="-2379074" y="-779705"/>
+            <a:ext cx="6815548" cy="4634573"/>
+          </a:xfrm>
+          <a:custGeom>
+            <a:avLst/>
+            <a:gdLst/>
+            <a:ahLst/>
+            <a:cxnLst/>
+            <a:rect l="l" t="t" r="r" b="b"/>
+            <a:pathLst>
+              <a:path w="6815548" h="4634573">
+                <a:moveTo>
+                  <a:pt x="0" y="0"/>
+                </a:moveTo>
+                <a:lnTo>
+                  <a:pt x="6815548" y="0"/>
+                </a:lnTo>
+                <a:lnTo>
+                  <a:pt x="6815548" y="4634573"/>
+                </a:lnTo>
+                <a:lnTo>
+                  <a:pt x="0" y="4634573"/>
+                </a:lnTo>
+                <a:lnTo>
+                  <a:pt x="0" y="0"/>
+                </a:lnTo>
+                <a:close/>
+              </a:path>
+            </a:pathLst>
+          </a:custGeom>
+          <a:blipFill>
+            <a:blip r:embed="rId4">
+              <a:extLst>
+                <a:ext uri="{96DAC541-7B7A-43D3-8B79-37D633B846F1}">
+                  <asvg:svgBlip xmlns:asvg="http://schemas.microsoft.com/office/drawing/2016/SVG/main" xmlns="" r:embed="rId5"/>
+                </a:ext>
+              </a:extLst>
+            </a:blip>
+            <a:stretch>
+              <a:fillRect/>
+            </a:stretch>
+          </a:blipFill>
+        </p:spPr>
+      </p:sp>
+      <p:sp>
+        <p:nvSpPr>
+          <p:cNvPr id="4" name="Freeform 4"/>
+          <p:cNvSpPr/>
+          <p:nvPr/>
+        </p:nvSpPr>
+        <p:spPr>
+          <a:xfrm>
+            <a:off x="13365030" y="6462587"/>
+            <a:ext cx="6685401" cy="5591426"/>
+          </a:xfrm>
+          <a:custGeom>
+            <a:avLst/>
+            <a:gdLst/>
+            <a:ahLst/>
+            <a:cxnLst/>
+            <a:rect l="l" t="t" r="r" b="b"/>
+            <a:pathLst>
+              <a:path w="6685401" h="5591426">
+                <a:moveTo>
+                  <a:pt x="0" y="0"/>
+                </a:moveTo>
+                <a:lnTo>
+                  <a:pt x="6685401" y="0"/>
+                </a:lnTo>
+                <a:lnTo>
+                  <a:pt x="6685401" y="5591426"/>
+                </a:lnTo>
+                <a:lnTo>
+                  <a:pt x="0" y="5591426"/>
+                </a:lnTo>
+                <a:lnTo>
+                  <a:pt x="0" y="0"/>
+                </a:lnTo>
+                <a:close/>
+              </a:path>
+            </a:pathLst>
+          </a:custGeom>
+          <a:blipFill>
+            <a:blip r:embed="rId6">
+              <a:extLst>
+                <a:ext uri="{96DAC541-7B7A-43D3-8B79-37D633B846F1}">
+                  <asvg:svgBlip xmlns:asvg="http://schemas.microsoft.com/office/drawing/2016/SVG/main" xmlns="" r:embed="rId7"/>
+                </a:ext>
+              </a:extLst>
+            </a:blip>
+            <a:stretch>
+              <a:fillRect/>
+            </a:stretch>
+          </a:blipFill>
+        </p:spPr>
+      </p:sp>
+      <p:sp>
+        <p:nvSpPr>
+          <p:cNvPr id="5" name="TextBox 5"/>
+          <p:cNvSpPr txBox="1"/>
+          <p:nvPr/>
+        </p:nvSpPr>
+        <p:spPr>
+          <a:xfrm>
+            <a:off x="4324094" y="1302321"/>
+            <a:ext cx="9639812" cy="1181100"/>
+          </a:xfrm>
+          <a:prstGeom prst="rect">
+            <a:avLst/>
+          </a:prstGeom>
+        </p:spPr>
+        <p:txBody>
+          <a:bodyPr lIns="0" tIns="0" rIns="0" bIns="0" rtlCol="0" anchor="t">
+            <a:spAutoFit/>
+          </a:bodyPr>
+          <a:lstStyle/>
+          <a:p>
+            <a:pPr algn="ctr">
+              <a:lnSpc>
+                <a:spcPts val="9360"/>
+              </a:lnSpc>
+            </a:pPr>
+            <a:r>
+              <a:rPr lang="en-US" sz="7800">
+                <a:solidFill>
+                  <a:srgbClr val="343434"/>
+                </a:solidFill>
+                <a:latin typeface="Magnolia Script Bold"/>
+              </a:rPr>
+              <a:t>Sumber:</a:t>
+            </a:r>
+          </a:p>
+        </p:txBody>
+      </p:sp>
+      <p:sp>
+        <p:nvSpPr>
+          <p:cNvPr id="6" name="TextBox 6"/>
+          <p:cNvSpPr txBox="1"/>
+          <p:nvPr/>
+        </p:nvSpPr>
+        <p:spPr>
+          <a:xfrm>
+            <a:off x="3503349" y="3033023"/>
+            <a:ext cx="11281302" cy="5434330"/>
+          </a:xfrm>
+          <a:prstGeom prst="rect">
+            <a:avLst/>
+          </a:prstGeom>
+        </p:spPr>
+        <p:txBody>
+          <a:bodyPr lIns="0" tIns="0" rIns="0" bIns="0" rtlCol="0" anchor="t">
+            <a:spAutoFit/>
+          </a:bodyPr>
+          <a:lstStyle/>
+          <a:p>
+            <a:pPr marL="604519" lvl="1" indent="-302260" algn="just">
+              <a:lnSpc>
+                <a:spcPts val="3919"/>
+              </a:lnSpc>
+              <a:buFont typeface="Arial"/>
+              <a:buChar char="•"/>
+            </a:pPr>
+            <a:r>
+              <a:rPr lang="en-US" sz="2799">
+                <a:solidFill>
+                  <a:srgbClr val="343434"/>
+                </a:solidFill>
+                <a:latin typeface="Open Sans"/>
+              </a:rPr>
+              <a:t>udith Bryan L Sie dkk, PENGUJIAN WHITE BOX TESTING TERHADAP WEBSITE ROOM MENGGUNAKAN TEKNIK BASIS PATH</a:t>
+            </a:r>
+          </a:p>
+          <a:p>
+            <a:pPr marL="604519" lvl="1" indent="-302260" algn="just">
+              <a:lnSpc>
+                <a:spcPts val="3919"/>
+              </a:lnSpc>
+              <a:buFont typeface="Arial"/>
+              <a:buChar char="•"/>
+            </a:pPr>
+            <a:r>
+              <a:rPr lang="en-US" sz="2799">
+                <a:solidFill>
+                  <a:srgbClr val="343434"/>
+                </a:solidFill>
+                <a:latin typeface="Open Sans"/>
+              </a:rPr>
+              <a:t>Jaeni dkk, Implementasi Continuous Integration/Continuous Delivery (CI/CD) Pada Performance Testing Devops</a:t>
+            </a:r>
+          </a:p>
+          <a:p>
+            <a:pPr marL="604519" lvl="1" indent="-302260" algn="just">
+              <a:lnSpc>
+                <a:spcPts val="3919"/>
+              </a:lnSpc>
+              <a:buFont typeface="Arial"/>
+              <a:buChar char="•"/>
+            </a:pPr>
+            <a:r>
+              <a:rPr lang="en-US" sz="2799">
+                <a:solidFill>
+                  <a:srgbClr val="343434"/>
+                </a:solidFill>
+                <a:latin typeface="Open Sans"/>
+              </a:rPr>
+              <a:t>Sanni Pramushinto dkk, Unit Testing Pada Aplikasi Web (Studi Kasus Bisnis Jasa Laundry)</a:t>
+            </a:r>
+          </a:p>
+          <a:p>
+            <a:pPr marL="604519" lvl="1" indent="-302260" algn="just">
+              <a:lnSpc>
+                <a:spcPts val="3919"/>
+              </a:lnSpc>
+              <a:buFont typeface="Arial"/>
+              <a:buChar char="•"/>
+            </a:pPr>
+            <a:r>
+              <a:rPr lang="en-US" sz="2799">
+                <a:solidFill>
+                  <a:srgbClr val="343434"/>
+                </a:solidFill>
+                <a:latin typeface="Open Sans"/>
+              </a:rPr>
+              <a:t>https://www.dicoding.com/blog/apa-itu-ci-cd/</a:t>
+            </a:r>
+          </a:p>
+          <a:p>
+            <a:pPr marL="604519" lvl="1" indent="-302260" algn="just">
+              <a:lnSpc>
+                <a:spcPts val="3919"/>
+              </a:lnSpc>
+              <a:buFont typeface="Arial"/>
+              <a:buChar char="•"/>
+            </a:pPr>
+            <a:r>
+              <a:rPr lang="en-US" sz="2799">
+                <a:solidFill>
+                  <a:srgbClr val="343434"/>
+                </a:solidFill>
+                <a:latin typeface="Open Sans"/>
+              </a:rPr>
+              <a:t>https://agribisnis.uma.ac.id/2023/02/22/tahapan-ci-cd-dalma-devops/</a:t>
+            </a:r>
+          </a:p>
+          <a:p>
+            <a:pPr marL="604519" lvl="1" indent="-302260" algn="just">
+              <a:lnSpc>
+                <a:spcPts val="3919"/>
+              </a:lnSpc>
+              <a:buFont typeface="Arial"/>
+              <a:buChar char="•"/>
+            </a:pPr>
+            <a:r>
+              <a:rPr lang="en-US" sz="2799">
+                <a:solidFill>
+                  <a:srgbClr val="343434"/>
+                </a:solidFill>
+                <a:latin typeface="Open Sans"/>
+              </a:rPr>
+              <a:t>https://www.youtube.com/watch?v=PsO5dZqBckY</a:t>
+            </a:r>
+          </a:p>
+        </p:txBody>
+      </p:sp>
+    </p:spTree>
+  </p:cSld>
+  <p:clrMapOvr>
+    <a:masterClrMapping/>
+  </p:clrMapOvr>
+  <p:transition>
+    <p:fade/>
+  </p:transition>
+</p:sld>
+</file>
+
+<file path=ppt/slides/slide2.xml><?xml version="1.0" encoding="utf-8"?>
+<p:sld xmlns:a="http://schemas.openxmlformats.org/drawingml/2006/main" xmlns:r="http://schemas.openxmlformats.org/officeDocument/2006/relationships" xmlns:p="http://schemas.openxmlformats.org/presentationml/2006/main">
+  <p:cSld>
+    <p:spTree>
+      <p:nvGrpSpPr>
+        <p:cNvPr id="1" name=""/>
+        <p:cNvGrpSpPr/>
+        <p:nvPr/>
+      </p:nvGrpSpPr>
+      <p:grpSpPr>
+        <a:xfrm>
+          <a:off x="0" y="0"/>
+          <a:ext cx="0" cy="0"/>
+          <a:chOff x="0" y="0"/>
+          <a:chExt cx="0" cy="0"/>
+        </a:xfrm>
+      </p:grpSpPr>
+      <p:sp>
+        <p:nvSpPr>
+          <p:cNvPr id="2" name="Freeform 2"/>
+          <p:cNvSpPr/>
+          <p:nvPr/>
+        </p:nvSpPr>
+        <p:spPr>
+          <a:xfrm rot="-659602">
+            <a:off x="-2743616" y="4292169"/>
+            <a:ext cx="5487232" cy="5522305"/>
+          </a:xfrm>
+          <a:custGeom>
+            <a:avLst/>
+            <a:gdLst/>
+            <a:ahLst/>
+            <a:cxnLst/>
+            <a:rect l="l" t="t" r="r" b="b"/>
+            <a:pathLst>
+              <a:path w="5487232" h="5522305">
+                <a:moveTo>
+                  <a:pt x="0" y="0"/>
+                </a:moveTo>
+                <a:lnTo>
+                  <a:pt x="5487232" y="0"/>
+                </a:lnTo>
+                <a:lnTo>
+                  <a:pt x="5487232" y="5522305"/>
+                </a:lnTo>
+                <a:lnTo>
+                  <a:pt x="0" y="5522305"/>
+                </a:lnTo>
+                <a:lnTo>
+                  <a:pt x="0" y="0"/>
+                </a:lnTo>
+                <a:close/>
+              </a:path>
+            </a:pathLst>
+          </a:custGeom>
+          <a:blipFill>
+            <a:blip r:embed="rId2">
+              <a:extLst>
+                <a:ext uri="{96DAC541-7B7A-43D3-8B79-37D633B846F1}">
+                  <asvg:svgBlip xmlns:asvg="http://schemas.microsoft.com/office/drawing/2016/SVG/main" xmlns="" r:embed="rId3"/>
+                </a:ext>
+              </a:extLst>
+            </a:blip>
+            <a:stretch>
+              <a:fillRect/>
+            </a:stretch>
+          </a:blipFill>
+        </p:spPr>
+      </p:sp>
+      <p:sp>
+        <p:nvSpPr>
+          <p:cNvPr id="3" name="Freeform 3"/>
+          <p:cNvSpPr/>
+          <p:nvPr/>
+        </p:nvSpPr>
+        <p:spPr>
+          <a:xfrm rot="9235605">
+            <a:off x="-941976" y="6201286"/>
+            <a:ext cx="6075197" cy="6114027"/>
+          </a:xfrm>
+          <a:custGeom>
+            <a:avLst/>
+            <a:gdLst/>
+            <a:ahLst/>
+            <a:cxnLst/>
+            <a:rect l="l" t="t" r="r" b="b"/>
+            <a:pathLst>
+              <a:path w="6075197" h="6114027">
+                <a:moveTo>
+                  <a:pt x="0" y="0"/>
+                </a:moveTo>
+                <a:lnTo>
+                  <a:pt x="6075197" y="0"/>
+                </a:lnTo>
+                <a:lnTo>
+                  <a:pt x="6075197" y="6114028"/>
+                </a:lnTo>
+                <a:lnTo>
+                  <a:pt x="0" y="6114028"/>
+                </a:lnTo>
+                <a:lnTo>
+                  <a:pt x="0" y="0"/>
+                </a:lnTo>
+                <a:close/>
+              </a:path>
+            </a:pathLst>
+          </a:custGeom>
+          <a:blipFill>
+            <a:blip r:embed="rId4">
+              <a:extLst>
+                <a:ext uri="{96DAC541-7B7A-43D3-8B79-37D633B846F1}">
+                  <asvg:svgBlip xmlns:asvg="http://schemas.microsoft.com/office/drawing/2016/SVG/main" xmlns="" r:embed="rId5"/>
+                </a:ext>
+              </a:extLst>
+            </a:blip>
+            <a:stretch>
+              <a:fillRect/>
+            </a:stretch>
+          </a:blipFill>
+        </p:spPr>
+      </p:sp>
+      <p:sp>
+        <p:nvSpPr>
+          <p:cNvPr id="4" name="Freeform 4"/>
+          <p:cNvSpPr/>
+          <p:nvPr/>
+        </p:nvSpPr>
+        <p:spPr>
+          <a:xfrm>
+            <a:off x="14116306" y="-2506522"/>
+            <a:ext cx="6285988" cy="6326165"/>
+          </a:xfrm>
+          <a:custGeom>
+            <a:avLst/>
+            <a:gdLst/>
+            <a:ahLst/>
+            <a:cxnLst/>
+            <a:rect l="l" t="t" r="r" b="b"/>
+            <a:pathLst>
+              <a:path w="6285988" h="6326165">
+                <a:moveTo>
+                  <a:pt x="0" y="0"/>
+                </a:moveTo>
+                <a:lnTo>
+                  <a:pt x="6285988" y="0"/>
+                </a:lnTo>
+                <a:lnTo>
+                  <a:pt x="6285988" y="6326165"/>
+                </a:lnTo>
+                <a:lnTo>
+                  <a:pt x="0" y="6326165"/>
+                </a:lnTo>
+                <a:lnTo>
+                  <a:pt x="0" y="0"/>
+                </a:lnTo>
+                <a:close/>
+              </a:path>
+            </a:pathLst>
+          </a:custGeom>
+          <a:blipFill>
+            <a:blip r:embed="rId2">
+              <a:extLst>
+                <a:ext uri="{96DAC541-7B7A-43D3-8B79-37D633B846F1}">
+                  <asvg:svgBlip xmlns:asvg="http://schemas.microsoft.com/office/drawing/2016/SVG/main" xmlns="" r:embed="rId3"/>
+                </a:ext>
+              </a:extLst>
+            </a:blip>
+            <a:stretch>
+              <a:fillRect/>
+            </a:stretch>
+          </a:blipFill>
+        </p:spPr>
+      </p:sp>
+      <p:sp>
+        <p:nvSpPr>
+          <p:cNvPr id="5" name="Freeform 5"/>
+          <p:cNvSpPr/>
+          <p:nvPr/>
+        </p:nvSpPr>
+        <p:spPr>
+          <a:xfrm rot="-321959">
+            <a:off x="15358330" y="1019438"/>
+            <a:ext cx="5923564" cy="5961426"/>
+          </a:xfrm>
+          <a:custGeom>
+            <a:avLst/>
+            <a:gdLst/>
+            <a:ahLst/>
+            <a:cxnLst/>
+            <a:rect l="l" t="t" r="r" b="b"/>
+            <a:pathLst>
+              <a:path w="5923564" h="5961426">
+                <a:moveTo>
+                  <a:pt x="0" y="0"/>
+                </a:moveTo>
+                <a:lnTo>
+                  <a:pt x="5923564" y="0"/>
+                </a:lnTo>
+                <a:lnTo>
+                  <a:pt x="5923564" y="5961425"/>
+                </a:lnTo>
+                <a:lnTo>
+                  <a:pt x="0" y="5961425"/>
+                </a:lnTo>
+                <a:lnTo>
+                  <a:pt x="0" y="0"/>
+                </a:lnTo>
+                <a:close/>
+              </a:path>
+            </a:pathLst>
+          </a:custGeom>
+          <a:blipFill>
+            <a:blip r:embed="rId4">
+              <a:extLst>
+                <a:ext uri="{96DAC541-7B7A-43D3-8B79-37D633B846F1}">
+                  <asvg:svgBlip xmlns:asvg="http://schemas.microsoft.com/office/drawing/2016/SVG/main" xmlns="" r:embed="rId5"/>
+                </a:ext>
+              </a:extLst>
+            </a:blip>
+            <a:stretch>
+              <a:fillRect/>
+            </a:stretch>
+          </a:blipFill>
+        </p:spPr>
+      </p:sp>
       <p:grpSp>
         <p:nvGrpSpPr>
-          <p:cNvPr name="Group 6" id="6"/>
+          <p:cNvPr id="6" name="Group 6"/>
           <p:cNvGrpSpPr/>
           <p:nvPr/>
         </p:nvGrpSpPr>
         <p:grpSpPr>
-          <a:xfrm rot="0">
+          <a:xfrm>
             <a:off x="6137332" y="5977425"/>
             <a:ext cx="465072" cy="465072"/>
             <a:chOff x="0" y="0"/>
@@ -5140,12 +7566,12 @@
         </p:grpSpPr>
         <p:grpSp>
           <p:nvGrpSpPr>
-            <p:cNvPr name="Group 7" id="7"/>
+            <p:cNvPr id="7" name="Group 7"/>
             <p:cNvGrpSpPr/>
             <p:nvPr/>
           </p:nvGrpSpPr>
           <p:grpSpPr>
-            <a:xfrm rot="0">
+            <a:xfrm>
               <a:off x="0" y="0"/>
               <a:ext cx="620096" cy="620096"/>
               <a:chOff x="0" y="0"/>
@@ -5154,12 +7580,12 @@
           </p:grpSpPr>
           <p:sp>
             <p:nvSpPr>
-              <p:cNvPr name="Freeform 8" id="8"/>
+              <p:cNvPr id="8" name="Freeform 8"/>
               <p:cNvSpPr/>
               <p:nvPr/>
             </p:nvSpPr>
             <p:spPr>
-              <a:xfrm flipH="false" flipV="false" rot="0">
+              <a:xfrm>
                 <a:off x="0" y="0"/>
                 <a:ext cx="812800" cy="812800"/>
               </a:xfrm>
@@ -5168,9 +7594,9 @@
                 <a:gdLst/>
                 <a:ahLst/>
                 <a:cxnLst/>
-                <a:rect r="r" b="b" t="t" l="l"/>
+                <a:rect l="l" t="t" r="r" b="b"/>
                 <a:pathLst>
-                  <a:path h="812800" w="812800">
+                  <a:path w="812800" h="812800">
                     <a:moveTo>
                       <a:pt x="406400" y="0"/>
                     </a:moveTo>
@@ -5205,8 +7631,8 @@
           </p:sp>
           <p:sp>
             <p:nvSpPr>
-              <p:cNvPr name="TextBox 9" id="9"/>
-              <p:cNvSpPr txBox="true"/>
+              <p:cNvPr id="9" name="TextBox 9"/>
+              <p:cNvSpPr txBox="1"/>
               <p:nvPr/>
             </p:nvSpPr>
             <p:spPr>
@@ -5219,7 +7645,7 @@
               </a:prstGeom>
             </p:spPr>
             <p:txBody>
-              <a:bodyPr anchor="ctr" rtlCol="false" tIns="50800" lIns="50800" bIns="50800" rIns="50800"/>
+              <a:bodyPr lIns="50800" tIns="50800" rIns="50800" bIns="50800" rtlCol="0" anchor="ctr"/>
               <a:lstStyle/>
               <a:p>
                 <a:pPr algn="ctr">
@@ -5230,18 +7656,19 @@
                     <a:spcPct val="0"/>
                   </a:spcBef>
                 </a:pPr>
+                <a:endParaRPr/>
               </a:p>
             </p:txBody>
           </p:sp>
         </p:grpSp>
         <p:sp>
           <p:nvSpPr>
-            <p:cNvPr name="Freeform 10" id="10"/>
+            <p:cNvPr id="10" name="Freeform 10"/>
             <p:cNvSpPr/>
             <p:nvPr/>
           </p:nvSpPr>
           <p:spPr>
-            <a:xfrm flipH="false" flipV="false" rot="0">
+            <a:xfrm>
               <a:off x="40334" y="40334"/>
               <a:ext cx="539429" cy="539429"/>
             </a:xfrm>
@@ -5250,9 +7677,9 @@
               <a:gdLst/>
               <a:ahLst/>
               <a:cxnLst/>
-              <a:rect r="r" b="b" t="t" l="l"/>
+              <a:rect l="l" t="t" r="r" b="b"/>
               <a:pathLst>
-                <a:path h="539429" w="539429">
+                <a:path w="539429" h="539429">
                   <a:moveTo>
                     <a:pt x="0" y="0"/>
                   </a:moveTo>
@@ -5276,12 +7703,12 @@
               <a:blip r:embed="rId6">
                 <a:extLst>
                   <a:ext uri="{96DAC541-7B7A-43D3-8B79-37D633B846F1}">
-                    <asvg:svgBlip xmlns:asvg="http://schemas.microsoft.com/office/drawing/2016/SVG/main" r:embed="rId7"/>
+                    <asvg:svgBlip xmlns:asvg="http://schemas.microsoft.com/office/drawing/2016/SVG/main" xmlns="" r:embed="rId7"/>
                   </a:ext>
                 </a:extLst>
               </a:blip>
               <a:stretch>
-                <a:fillRect l="0" t="0" r="0" b="0"/>
+                <a:fillRect/>
               </a:stretch>
             </a:blipFill>
           </p:spPr>
@@ -5289,12 +7716,12 @@
       </p:grpSp>
       <p:grpSp>
         <p:nvGrpSpPr>
-          <p:cNvPr name="Group 11" id="11"/>
+          <p:cNvPr id="11" name="Group 11"/>
           <p:cNvGrpSpPr/>
           <p:nvPr/>
         </p:nvGrpSpPr>
         <p:grpSpPr>
-          <a:xfrm rot="0">
+          <a:xfrm>
             <a:off x="6137332" y="5178978"/>
             <a:ext cx="465072" cy="465072"/>
             <a:chOff x="0" y="0"/>
@@ -5303,12 +7730,12 @@
         </p:grpSpPr>
         <p:grpSp>
           <p:nvGrpSpPr>
-            <p:cNvPr name="Group 12" id="12"/>
+            <p:cNvPr id="12" name="Group 12"/>
             <p:cNvGrpSpPr/>
             <p:nvPr/>
           </p:nvGrpSpPr>
           <p:grpSpPr>
-            <a:xfrm rot="0">
+            <a:xfrm>
               <a:off x="0" y="0"/>
               <a:ext cx="620096" cy="620096"/>
               <a:chOff x="0" y="0"/>
@@ -5317,12 +7744,12 @@
           </p:grpSpPr>
           <p:sp>
             <p:nvSpPr>
-              <p:cNvPr name="Freeform 13" id="13"/>
+              <p:cNvPr id="13" name="Freeform 13"/>
               <p:cNvSpPr/>
               <p:nvPr/>
             </p:nvSpPr>
             <p:spPr>
-              <a:xfrm flipH="false" flipV="false" rot="0">
+              <a:xfrm>
                 <a:off x="0" y="0"/>
                 <a:ext cx="812800" cy="812800"/>
               </a:xfrm>
@@ -5331,9 +7758,9 @@
                 <a:gdLst/>
                 <a:ahLst/>
                 <a:cxnLst/>
-                <a:rect r="r" b="b" t="t" l="l"/>
+                <a:rect l="l" t="t" r="r" b="b"/>
                 <a:pathLst>
-                  <a:path h="812800" w="812800">
+                  <a:path w="812800" h="812800">
                     <a:moveTo>
                       <a:pt x="406400" y="0"/>
                     </a:moveTo>
@@ -5368,8 +7795,8 @@
           </p:sp>
           <p:sp>
             <p:nvSpPr>
-              <p:cNvPr name="TextBox 14" id="14"/>
-              <p:cNvSpPr txBox="true"/>
+              <p:cNvPr id="14" name="TextBox 14"/>
+              <p:cNvSpPr txBox="1"/>
               <p:nvPr/>
             </p:nvSpPr>
             <p:spPr>
@@ -5382,7 +7809,7 @@
               </a:prstGeom>
             </p:spPr>
             <p:txBody>
-              <a:bodyPr anchor="ctr" rtlCol="false" tIns="50800" lIns="50800" bIns="50800" rIns="50800"/>
+              <a:bodyPr lIns="50800" tIns="50800" rIns="50800" bIns="50800" rtlCol="0" anchor="ctr"/>
               <a:lstStyle/>
               <a:p>
                 <a:pPr algn="ctr">
@@ -5393,18 +7820,19 @@
                     <a:spcPct val="0"/>
                   </a:spcBef>
                 </a:pPr>
+                <a:endParaRPr/>
               </a:p>
             </p:txBody>
           </p:sp>
         </p:grpSp>
         <p:sp>
           <p:nvSpPr>
-            <p:cNvPr name="Freeform 15" id="15"/>
+            <p:cNvPr id="15" name="Freeform 15"/>
             <p:cNvSpPr/>
             <p:nvPr/>
           </p:nvSpPr>
           <p:spPr>
-            <a:xfrm flipH="false" flipV="false" rot="0">
+            <a:xfrm>
               <a:off x="40334" y="40334"/>
               <a:ext cx="539429" cy="539429"/>
             </a:xfrm>
@@ -5413,9 +7841,9 @@
               <a:gdLst/>
               <a:ahLst/>
               <a:cxnLst/>
-              <a:rect r="r" b="b" t="t" l="l"/>
+              <a:rect l="l" t="t" r="r" b="b"/>
               <a:pathLst>
-                <a:path h="539429" w="539429">
+                <a:path w="539429" h="539429">
                   <a:moveTo>
                     <a:pt x="0" y="0"/>
                   </a:moveTo>
@@ -5439,12 +7867,12 @@
               <a:blip r:embed="rId6">
                 <a:extLst>
                   <a:ext uri="{96DAC541-7B7A-43D3-8B79-37D633B846F1}">
-                    <asvg:svgBlip xmlns:asvg="http://schemas.microsoft.com/office/drawing/2016/SVG/main" r:embed="rId7"/>
+                    <asvg:svgBlip xmlns:asvg="http://schemas.microsoft.com/office/drawing/2016/SVG/main" xmlns="" r:embed="rId7"/>
                   </a:ext>
                 </a:extLst>
               </a:blip>
               <a:stretch>
-                <a:fillRect l="0" t="0" r="0" b="0"/>
+                <a:fillRect/>
               </a:stretch>
             </a:blipFill>
           </p:spPr>
@@ -5452,12 +7880,12 @@
       </p:grpSp>
       <p:sp>
         <p:nvSpPr>
-          <p:cNvPr name="TextBox 16" id="16"/>
-          <p:cNvSpPr txBox="true"/>
-          <p:nvPr/>
-        </p:nvSpPr>
-        <p:spPr>
-          <a:xfrm rot="0">
+          <p:cNvPr id="16" name="TextBox 16"/>
+          <p:cNvSpPr txBox="1"/>
+          <p:nvPr/>
+        </p:nvSpPr>
+        <p:spPr>
+          <a:xfrm>
             <a:off x="5934773" y="3321532"/>
             <a:ext cx="9639812" cy="1181100"/>
           </a:xfrm>
@@ -5466,7 +7894,7 @@
           </a:prstGeom>
         </p:spPr>
         <p:txBody>
-          <a:bodyPr anchor="t" rtlCol="false" tIns="0" lIns="0" bIns="0" rIns="0">
+          <a:bodyPr lIns="0" tIns="0" rIns="0" bIns="0" rtlCol="0" anchor="t">
             <a:spAutoFit/>
           </a:bodyPr>
           <a:lstStyle/>
@@ -5490,12 +7918,12 @@
       </p:sp>
       <p:sp>
         <p:nvSpPr>
-          <p:cNvPr name="TextBox 17" id="17"/>
-          <p:cNvSpPr txBox="true"/>
-          <p:nvPr/>
-        </p:nvSpPr>
-        <p:spPr>
-          <a:xfrm rot="0">
+          <p:cNvPr id="17" name="TextBox 17"/>
+          <p:cNvSpPr txBox="1"/>
+          <p:nvPr/>
+        </p:nvSpPr>
+        <p:spPr>
+          <a:xfrm>
             <a:off x="6827683" y="5102778"/>
             <a:ext cx="5109356" cy="580390"/>
           </a:xfrm>
@@ -5504,7 +7932,7 @@
           </a:prstGeom>
         </p:spPr>
         <p:txBody>
-          <a:bodyPr anchor="t" rtlCol="false" tIns="0" lIns="0" bIns="0" rIns="0">
+          <a:bodyPr lIns="0" tIns="0" rIns="0" bIns="0" rtlCol="0" anchor="t">
             <a:spAutoFit/>
           </a:bodyPr>
           <a:lstStyle/>
@@ -5528,12 +7956,12 @@
       </p:sp>
       <p:sp>
         <p:nvSpPr>
-          <p:cNvPr name="TextBox 18" id="18"/>
-          <p:cNvSpPr txBox="true"/>
-          <p:nvPr/>
-        </p:nvSpPr>
-        <p:spPr>
-          <a:xfrm rot="0">
+          <p:cNvPr id="18" name="TextBox 18"/>
+          <p:cNvSpPr txBox="1"/>
+          <p:nvPr/>
+        </p:nvSpPr>
+        <p:spPr>
+          <a:xfrm>
             <a:off x="6827683" y="5876903"/>
             <a:ext cx="4906742" cy="580390"/>
           </a:xfrm>
@@ -5542,7 +7970,7 @@
           </a:prstGeom>
         </p:spPr>
         <p:txBody>
-          <a:bodyPr anchor="t" rtlCol="false" tIns="0" lIns="0" bIns="0" rIns="0">
+          <a:bodyPr lIns="0" tIns="0" rIns="0" bIns="0" rtlCol="0" anchor="t">
             <a:spAutoFit/>
           </a:bodyPr>
           <a:lstStyle/>
@@ -5569,14 +7997,14 @@
   <p:clrMapOvr>
     <a:masterClrMapping/>
   </p:clrMapOvr>
-  <p:transition spd="fast">
+  <p:transition>
     <p:fade/>
   </p:transition>
 </p:sld>
 </file>
 
 <file path=ppt/slides/slide3.xml><?xml version="1.0" encoding="utf-8"?>
-<p:sld xmlns:p="http://schemas.openxmlformats.org/presentationml/2006/main" xmlns:a="http://schemas.openxmlformats.org/drawingml/2006/main" xmlns:r="http://schemas.openxmlformats.org/officeDocument/2006/relationships">
+<p:sld xmlns:a="http://schemas.openxmlformats.org/drawingml/2006/main" xmlns:r="http://schemas.openxmlformats.org/officeDocument/2006/relationships" xmlns:p="http://schemas.openxmlformats.org/presentationml/2006/main">
   <p:cSld>
     <p:spTree>
       <p:nvGrpSpPr>
@@ -5594,12 +8022,12 @@
       </p:grpSpPr>
       <p:sp>
         <p:nvSpPr>
-          <p:cNvPr name="Freeform 2" id="2"/>
+          <p:cNvPr id="2" name="Freeform 2"/>
           <p:cNvSpPr/>
           <p:nvPr/>
         </p:nvSpPr>
         <p:spPr>
-          <a:xfrm flipH="false" flipV="false" rot="-7835957">
+          <a:xfrm rot="-7835957">
             <a:off x="-6203196" y="8625739"/>
             <a:ext cx="22816215" cy="8628678"/>
           </a:xfrm>
@@ -5608,9 +8036,9 @@
             <a:gdLst/>
             <a:ahLst/>
             <a:cxnLst/>
-            <a:rect r="r" b="b" t="t" l="l"/>
+            <a:rect l="l" t="t" r="r" b="b"/>
             <a:pathLst>
-              <a:path h="8628678" w="22816215">
+              <a:path w="22816215" h="8628678">
                 <a:moveTo>
                   <a:pt x="0" y="0"/>
                 </a:moveTo>
@@ -5634,24 +8062,24 @@
             <a:blip r:embed="rId2">
               <a:extLst>
                 <a:ext uri="{96DAC541-7B7A-43D3-8B79-37D633B846F1}">
-                  <asvg:svgBlip xmlns:asvg="http://schemas.microsoft.com/office/drawing/2016/SVG/main" r:embed="rId3"/>
+                  <asvg:svgBlip xmlns:asvg="http://schemas.microsoft.com/office/drawing/2016/SVG/main" xmlns="" r:embed="rId3"/>
                 </a:ext>
               </a:extLst>
             </a:blip>
             <a:stretch>
-              <a:fillRect l="0" t="0" r="0" b="0"/>
+              <a:fillRect/>
             </a:stretch>
           </a:blipFill>
         </p:spPr>
       </p:sp>
       <p:sp>
         <p:nvSpPr>
-          <p:cNvPr name="Freeform 3" id="3"/>
+          <p:cNvPr id="3" name="Freeform 3"/>
           <p:cNvSpPr/>
           <p:nvPr/>
         </p:nvSpPr>
         <p:spPr>
-          <a:xfrm flipH="false" flipV="false" rot="-9449897">
+          <a:xfrm rot="-9449897">
             <a:off x="-6100762" y="8242507"/>
             <a:ext cx="20849711" cy="7884982"/>
           </a:xfrm>
@@ -5660,9 +8088,9 @@
             <a:gdLst/>
             <a:ahLst/>
             <a:cxnLst/>
-            <a:rect r="r" b="b" t="t" l="l"/>
+            <a:rect l="l" t="t" r="r" b="b"/>
             <a:pathLst>
-              <a:path h="7884982" w="20849711">
+              <a:path w="20849711" h="7884982">
                 <a:moveTo>
                   <a:pt x="0" y="0"/>
                 </a:moveTo>
@@ -5686,24 +8114,24 @@
             <a:blip r:embed="rId4">
               <a:extLst>
                 <a:ext uri="{96DAC541-7B7A-43D3-8B79-37D633B846F1}">
-                  <asvg:svgBlip xmlns:asvg="http://schemas.microsoft.com/office/drawing/2016/SVG/main" r:embed="rId5"/>
+                  <asvg:svgBlip xmlns:asvg="http://schemas.microsoft.com/office/drawing/2016/SVG/main" xmlns="" r:embed="rId5"/>
                 </a:ext>
               </a:extLst>
             </a:blip>
             <a:stretch>
-              <a:fillRect l="0" t="0" r="0" b="0"/>
+              <a:fillRect/>
             </a:stretch>
           </a:blipFill>
         </p:spPr>
       </p:sp>
       <p:sp>
         <p:nvSpPr>
-          <p:cNvPr name="Freeform 4" id="4"/>
+          <p:cNvPr id="4" name="Freeform 4"/>
           <p:cNvSpPr/>
           <p:nvPr/>
         </p:nvSpPr>
         <p:spPr>
-          <a:xfrm flipH="false" flipV="false" rot="-6824842">
+          <a:xfrm rot="-6824842">
             <a:off x="10957845" y="-5328607"/>
             <a:ext cx="9893699" cy="9956936"/>
           </a:xfrm>
@@ -5712,9 +8140,9 @@
             <a:gdLst/>
             <a:ahLst/>
             <a:cxnLst/>
-            <a:rect r="r" b="b" t="t" l="l"/>
+            <a:rect l="l" t="t" r="r" b="b"/>
             <a:pathLst>
-              <a:path h="9956936" w="9893699">
+              <a:path w="9893699" h="9956936">
                 <a:moveTo>
                   <a:pt x="0" y="0"/>
                 </a:moveTo>
@@ -5738,24 +8166,24 @@
             <a:blip r:embed="rId6">
               <a:extLst>
                 <a:ext uri="{96DAC541-7B7A-43D3-8B79-37D633B846F1}">
-                  <asvg:svgBlip xmlns:asvg="http://schemas.microsoft.com/office/drawing/2016/SVG/main" r:embed="rId7"/>
+                  <asvg:svgBlip xmlns:asvg="http://schemas.microsoft.com/office/drawing/2016/SVG/main" xmlns="" r:embed="rId7"/>
                 </a:ext>
               </a:extLst>
             </a:blip>
             <a:stretch>
-              <a:fillRect l="0" t="0" r="0" b="0"/>
+              <a:fillRect/>
             </a:stretch>
           </a:blipFill>
         </p:spPr>
       </p:sp>
       <p:sp>
         <p:nvSpPr>
-          <p:cNvPr name="Freeform 5" id="5"/>
+          <p:cNvPr id="5" name="Freeform 5"/>
           <p:cNvSpPr/>
           <p:nvPr/>
         </p:nvSpPr>
         <p:spPr>
-          <a:xfrm flipH="false" flipV="false" rot="-6985384">
+          <a:xfrm rot="-6985384">
             <a:off x="10554803" y="-6388271"/>
             <a:ext cx="10699783" cy="10768172"/>
           </a:xfrm>
@@ -5764,9 +8192,9 @@
             <a:gdLst/>
             <a:ahLst/>
             <a:cxnLst/>
-            <a:rect r="r" b="b" t="t" l="l"/>
+            <a:rect l="l" t="t" r="r" b="b"/>
             <a:pathLst>
-              <a:path h="10768172" w="10699783">
+              <a:path w="10699783" h="10768172">
                 <a:moveTo>
                   <a:pt x="0" y="0"/>
                 </a:moveTo>
@@ -5790,24 +8218,24 @@
             <a:blip r:embed="rId8">
               <a:extLst>
                 <a:ext uri="{96DAC541-7B7A-43D3-8B79-37D633B846F1}">
-                  <asvg:svgBlip xmlns:asvg="http://schemas.microsoft.com/office/drawing/2016/SVG/main" r:embed="rId9"/>
+                  <asvg:svgBlip xmlns:asvg="http://schemas.microsoft.com/office/drawing/2016/SVG/main" xmlns="" r:embed="rId9"/>
                 </a:ext>
               </a:extLst>
             </a:blip>
             <a:stretch>
-              <a:fillRect l="0" t="0" r="0" b="0"/>
+              <a:fillRect/>
             </a:stretch>
           </a:blipFill>
         </p:spPr>
       </p:sp>
       <p:sp>
         <p:nvSpPr>
-          <p:cNvPr name="TextBox 6" id="6"/>
-          <p:cNvSpPr txBox="true"/>
-          <p:nvPr/>
-        </p:nvSpPr>
-        <p:spPr>
-          <a:xfrm rot="0">
+          <p:cNvPr id="6" name="TextBox 6"/>
+          <p:cNvSpPr txBox="1"/>
+          <p:nvPr/>
+        </p:nvSpPr>
+        <p:spPr>
+          <a:xfrm>
             <a:off x="3205277" y="4552950"/>
             <a:ext cx="11877447" cy="1181100"/>
           </a:xfrm>
@@ -5816,7 +8244,7 @@
           </a:prstGeom>
         </p:spPr>
         <p:txBody>
-          <a:bodyPr anchor="t" rtlCol="false" tIns="0" lIns="0" bIns="0" rIns="0">
+          <a:bodyPr lIns="0" tIns="0" rIns="0" bIns="0" rtlCol="0" anchor="t">
             <a:spAutoFit/>
           </a:bodyPr>
           <a:lstStyle/>
@@ -5843,14 +8271,14 @@
   <p:clrMapOvr>
     <a:masterClrMapping/>
   </p:clrMapOvr>
-  <p:transition spd="fast">
+  <p:transition>
     <p:fade/>
   </p:transition>
 </p:sld>
 </file>
 
 <file path=ppt/slides/slide4.xml><?xml version="1.0" encoding="utf-8"?>
-<p:sld xmlns:p="http://schemas.openxmlformats.org/presentationml/2006/main" xmlns:a="http://schemas.openxmlformats.org/drawingml/2006/main" xmlns:r="http://schemas.openxmlformats.org/officeDocument/2006/relationships">
+<p:sld xmlns:a="http://schemas.openxmlformats.org/drawingml/2006/main" xmlns:r="http://schemas.openxmlformats.org/officeDocument/2006/relationships" xmlns:p="http://schemas.openxmlformats.org/presentationml/2006/main">
   <p:cSld>
     <p:spTree>
       <p:nvGrpSpPr>
@@ -5868,12 +8296,12 @@
       </p:grpSpPr>
       <p:sp>
         <p:nvSpPr>
-          <p:cNvPr name="Freeform 2" id="2"/>
+          <p:cNvPr id="2" name="Freeform 2"/>
           <p:cNvSpPr/>
           <p:nvPr/>
         </p:nvSpPr>
         <p:spPr>
-          <a:xfrm flipH="false" flipV="false" rot="136196">
+          <a:xfrm rot="136196">
             <a:off x="14600204" y="7801638"/>
             <a:ext cx="6381430" cy="4970724"/>
           </a:xfrm>
@@ -5882,9 +8310,9 @@
             <a:gdLst/>
             <a:ahLst/>
             <a:cxnLst/>
-            <a:rect r="r" b="b" t="t" l="l"/>
+            <a:rect l="l" t="t" r="r" b="b"/>
             <a:pathLst>
-              <a:path h="4970724" w="6381430">
+              <a:path w="6381430" h="4970724">
                 <a:moveTo>
                   <a:pt x="0" y="0"/>
                 </a:moveTo>
@@ -5908,24 +8336,24 @@
             <a:blip r:embed="rId2">
               <a:extLst>
                 <a:ext uri="{96DAC541-7B7A-43D3-8B79-37D633B846F1}">
-                  <asvg:svgBlip xmlns:asvg="http://schemas.microsoft.com/office/drawing/2016/SVG/main" r:embed="rId3"/>
+                  <asvg:svgBlip xmlns:asvg="http://schemas.microsoft.com/office/drawing/2016/SVG/main" xmlns="" r:embed="rId3"/>
                 </a:ext>
               </a:extLst>
             </a:blip>
             <a:stretch>
-              <a:fillRect l="0" t="0" r="0" b="0"/>
+              <a:fillRect/>
             </a:stretch>
           </a:blipFill>
         </p:spPr>
       </p:sp>
       <p:sp>
         <p:nvSpPr>
-          <p:cNvPr name="Freeform 3" id="3"/>
+          <p:cNvPr id="3" name="Freeform 3"/>
           <p:cNvSpPr/>
           <p:nvPr/>
         </p:nvSpPr>
         <p:spPr>
-          <a:xfrm flipH="false" flipV="false" rot="136196">
+          <a:xfrm rot="136196">
             <a:off x="15308469" y="3133754"/>
             <a:ext cx="4964900" cy="3867338"/>
           </a:xfrm>
@@ -5934,9 +8362,9 @@
             <a:gdLst/>
             <a:ahLst/>
             <a:cxnLst/>
-            <a:rect r="r" b="b" t="t" l="l"/>
+            <a:rect l="l" t="t" r="r" b="b"/>
             <a:pathLst>
-              <a:path h="3867338" w="4964900">
+              <a:path w="4964900" h="3867338">
                 <a:moveTo>
                   <a:pt x="0" y="0"/>
                 </a:moveTo>
@@ -5960,24 +8388,24 @@
             <a:blip r:embed="rId2">
               <a:extLst>
                 <a:ext uri="{96DAC541-7B7A-43D3-8B79-37D633B846F1}">
-                  <asvg:svgBlip xmlns:asvg="http://schemas.microsoft.com/office/drawing/2016/SVG/main" r:embed="rId3"/>
+                  <asvg:svgBlip xmlns:asvg="http://schemas.microsoft.com/office/drawing/2016/SVG/main" xmlns="" r:embed="rId3"/>
                 </a:ext>
               </a:extLst>
             </a:blip>
             <a:stretch>
-              <a:fillRect l="0" t="0" r="0" b="0"/>
+              <a:fillRect/>
             </a:stretch>
           </a:blipFill>
         </p:spPr>
       </p:sp>
       <p:sp>
         <p:nvSpPr>
-          <p:cNvPr name="Freeform 4" id="4"/>
+          <p:cNvPr id="4" name="Freeform 4"/>
           <p:cNvSpPr/>
           <p:nvPr/>
         </p:nvSpPr>
         <p:spPr>
-          <a:xfrm flipH="false" flipV="false" rot="136196">
+          <a:xfrm rot="136196">
             <a:off x="15308469" y="5164230"/>
             <a:ext cx="4964900" cy="3867338"/>
           </a:xfrm>
@@ -5986,9 +8414,9 @@
             <a:gdLst/>
             <a:ahLst/>
             <a:cxnLst/>
-            <a:rect r="r" b="b" t="t" l="l"/>
+            <a:rect l="l" t="t" r="r" b="b"/>
             <a:pathLst>
-              <a:path h="3867338" w="4964900">
+              <a:path w="4964900" h="3867338">
                 <a:moveTo>
                   <a:pt x="0" y="0"/>
                 </a:moveTo>
@@ -6012,24 +8440,24 @@
             <a:blip r:embed="rId2">
               <a:extLst>
                 <a:ext uri="{96DAC541-7B7A-43D3-8B79-37D633B846F1}">
-                  <asvg:svgBlip xmlns:asvg="http://schemas.microsoft.com/office/drawing/2016/SVG/main" r:embed="rId3"/>
+                  <asvg:svgBlip xmlns:asvg="http://schemas.microsoft.com/office/drawing/2016/SVG/main" xmlns="" r:embed="rId3"/>
                 </a:ext>
               </a:extLst>
             </a:blip>
             <a:stretch>
-              <a:fillRect l="0" t="0" r="0" b="0"/>
+              <a:fillRect/>
             </a:stretch>
           </a:blipFill>
         </p:spPr>
       </p:sp>
       <p:sp>
         <p:nvSpPr>
-          <p:cNvPr name="Freeform 5" id="5"/>
+          <p:cNvPr id="5" name="Freeform 5"/>
           <p:cNvSpPr/>
           <p:nvPr/>
         </p:nvSpPr>
         <p:spPr>
-          <a:xfrm flipH="false" flipV="false" rot="136196">
+          <a:xfrm rot="136196">
             <a:off x="15805550" y="616841"/>
             <a:ext cx="4964900" cy="3867338"/>
           </a:xfrm>
@@ -6038,9 +8466,9 @@
             <a:gdLst/>
             <a:ahLst/>
             <a:cxnLst/>
-            <a:rect r="r" b="b" t="t" l="l"/>
+            <a:rect l="l" t="t" r="r" b="b"/>
             <a:pathLst>
-              <a:path h="3867338" w="4964900">
+              <a:path w="4964900" h="3867338">
                 <a:moveTo>
                   <a:pt x="0" y="0"/>
                 </a:moveTo>
@@ -6064,24 +8492,24 @@
             <a:blip r:embed="rId2">
               <a:extLst>
                 <a:ext uri="{96DAC541-7B7A-43D3-8B79-37D633B846F1}">
-                  <asvg:svgBlip xmlns:asvg="http://schemas.microsoft.com/office/drawing/2016/SVG/main" r:embed="rId3"/>
+                  <asvg:svgBlip xmlns:asvg="http://schemas.microsoft.com/office/drawing/2016/SVG/main" xmlns="" r:embed="rId3"/>
                 </a:ext>
               </a:extLst>
             </a:blip>
             <a:stretch>
-              <a:fillRect l="0" t="0" r="0" b="0"/>
+              <a:fillRect/>
             </a:stretch>
           </a:blipFill>
         </p:spPr>
       </p:sp>
       <p:sp>
         <p:nvSpPr>
-          <p:cNvPr name="Freeform 6" id="6"/>
+          <p:cNvPr id="6" name="Freeform 6"/>
           <p:cNvSpPr/>
           <p:nvPr/>
         </p:nvSpPr>
         <p:spPr>
-          <a:xfrm flipH="false" flipV="false" rot="136196">
+          <a:xfrm rot="136196">
             <a:off x="14613228" y="-1933669"/>
             <a:ext cx="4964900" cy="3867338"/>
           </a:xfrm>
@@ -6090,9 +8518,9 @@
             <a:gdLst/>
             <a:ahLst/>
             <a:cxnLst/>
-            <a:rect r="r" b="b" t="t" l="l"/>
+            <a:rect l="l" t="t" r="r" b="b"/>
             <a:pathLst>
-              <a:path h="3867338" w="4964900">
+              <a:path w="4964900" h="3867338">
                 <a:moveTo>
                   <a:pt x="0" y="0"/>
                 </a:moveTo>
@@ -6116,24 +8544,24 @@
             <a:blip r:embed="rId2">
               <a:extLst>
                 <a:ext uri="{96DAC541-7B7A-43D3-8B79-37D633B846F1}">
-                  <asvg:svgBlip xmlns:asvg="http://schemas.microsoft.com/office/drawing/2016/SVG/main" r:embed="rId3"/>
+                  <asvg:svgBlip xmlns:asvg="http://schemas.microsoft.com/office/drawing/2016/SVG/main" xmlns="" r:embed="rId3"/>
                 </a:ext>
               </a:extLst>
             </a:blip>
             <a:stretch>
-              <a:fillRect l="0" t="0" r="0" b="0"/>
+              <a:fillRect/>
             </a:stretch>
           </a:blipFill>
         </p:spPr>
       </p:sp>
       <p:sp>
         <p:nvSpPr>
-          <p:cNvPr name="Freeform 7" id="7"/>
+          <p:cNvPr id="7" name="Freeform 7"/>
           <p:cNvSpPr/>
           <p:nvPr/>
         </p:nvSpPr>
         <p:spPr>
-          <a:xfrm flipH="false" flipV="false" rot="-1398329">
+          <a:xfrm rot="-1398329">
             <a:off x="-277897" y="6251563"/>
             <a:ext cx="2538327" cy="3683588"/>
           </a:xfrm>
@@ -6142,9 +8570,9 @@
             <a:gdLst/>
             <a:ahLst/>
             <a:cxnLst/>
-            <a:rect r="r" b="b" t="t" l="l"/>
+            <a:rect l="l" t="t" r="r" b="b"/>
             <a:pathLst>
-              <a:path h="3683588" w="2538327">
+              <a:path w="2538327" h="3683588">
                 <a:moveTo>
                   <a:pt x="0" y="0"/>
                 </a:moveTo>
@@ -6168,24 +8596,24 @@
             <a:blip r:embed="rId4">
               <a:extLst>
                 <a:ext uri="{96DAC541-7B7A-43D3-8B79-37D633B846F1}">
-                  <asvg:svgBlip xmlns:asvg="http://schemas.microsoft.com/office/drawing/2016/SVG/main" r:embed="rId5"/>
+                  <asvg:svgBlip xmlns:asvg="http://schemas.microsoft.com/office/drawing/2016/SVG/main" xmlns="" r:embed="rId5"/>
                 </a:ext>
               </a:extLst>
             </a:blip>
             <a:stretch>
-              <a:fillRect l="0" t="0" r="0" b="0"/>
+              <a:fillRect/>
             </a:stretch>
           </a:blipFill>
         </p:spPr>
       </p:sp>
       <p:sp>
         <p:nvSpPr>
-          <p:cNvPr name="TextBox 8" id="8"/>
-          <p:cNvSpPr txBox="true"/>
-          <p:nvPr/>
-        </p:nvSpPr>
-        <p:spPr>
-          <a:xfrm rot="0">
+          <p:cNvPr id="8" name="TextBox 8"/>
+          <p:cNvSpPr txBox="1"/>
+          <p:nvPr/>
+        </p:nvSpPr>
+        <p:spPr>
+          <a:xfrm>
             <a:off x="7395177" y="2716177"/>
             <a:ext cx="7542136" cy="5565331"/>
           </a:xfrm>
@@ -6194,7 +8622,7 @@
           </a:prstGeom>
         </p:spPr>
         <p:txBody>
-          <a:bodyPr anchor="t" rtlCol="false" tIns="0" lIns="0" bIns="0" rIns="0">
+          <a:bodyPr lIns="0" tIns="0" rIns="0" bIns="0" rtlCol="0" anchor="t">
             <a:spAutoFit/>
           </a:bodyPr>
           <a:lstStyle/>
@@ -6211,16 +8639,7 @@
                 </a:solidFill>
                 <a:latin typeface="Open Sans"/>
               </a:rPr>
-              <a:t>White box testing atau yang dapat diartikan menjadi “pengujian kotak putih” adalah pengujian yang dilakukan untuk menguji perangkat lunak dengan cara menganalisa dan meneliti struktur internal dan kode dari perangkat lunak. Lain halnya dengan black box testing yang hanya melihat hasil input dan output dari perangkat lunak, pengujian white box testing berfokus pada aliran input dan output dari perangkat lunak. </a:t>
-            </a:r>
-            <a:r>
-              <a:rPr lang="en-US" sz="2630">
-                <a:solidFill>
-                  <a:srgbClr val="343434"/>
-                </a:solidFill>
-                <a:latin typeface="Open Sans"/>
-              </a:rPr>
-              <a:t> </a:t>
+              <a:t>White box testing atau yang dapat diartikan menjadi “pengujian kotak putih” adalah pengujian yang dilakukan untuk menguji perangkat lunak dengan cara menganalisa dan meneliti struktur internal dan kode dari perangkat lunak. Lain halnya dengan black box testing yang hanya melihat hasil input dan output dari perangkat lunak, pengujian white box testing berfokus pada aliran input dan output dari perangkat lunak.  </a:t>
             </a:r>
           </a:p>
           <a:p>
@@ -6229,6 +8648,12 @@
                 <a:spcPts val="3683"/>
               </a:lnSpc>
             </a:pPr>
+            <a:endParaRPr lang="en-US" sz="2630">
+              <a:solidFill>
+                <a:srgbClr val="343434"/>
+              </a:solidFill>
+              <a:latin typeface="Open Sans"/>
+            </a:endParaRPr>
           </a:p>
           <a:p>
             <a:pPr>
@@ -6236,19 +8661,25 @@
                 <a:spcPts val="3683"/>
               </a:lnSpc>
             </a:pPr>
+            <a:endParaRPr lang="en-US" sz="2630">
+              <a:solidFill>
+                <a:srgbClr val="343434"/>
+              </a:solidFill>
+              <a:latin typeface="Open Sans"/>
+            </a:endParaRPr>
           </a:p>
         </p:txBody>
       </p:sp>
       <p:grpSp>
         <p:nvGrpSpPr>
-          <p:cNvPr name="Group 9" id="9"/>
+          <p:cNvPr id="9" name="Group 9"/>
           <p:cNvGrpSpPr>
-            <a:grpSpLocks noChangeAspect="true"/>
+            <a:grpSpLocks noChangeAspect="1"/>
           </p:cNvGrpSpPr>
           <p:nvPr/>
         </p:nvGrpSpPr>
         <p:grpSpPr>
-          <a:xfrm rot="0">
+          <a:xfrm>
             <a:off x="2278289" y="2737407"/>
             <a:ext cx="4812205" cy="4812186"/>
             <a:chOff x="0" y="0"/>
@@ -6257,12 +8688,12 @@
         </p:grpSpPr>
         <p:sp>
           <p:nvSpPr>
-            <p:cNvPr name="Freeform 10" id="10"/>
+            <p:cNvPr id="10" name="Freeform 10"/>
             <p:cNvSpPr/>
             <p:nvPr/>
           </p:nvSpPr>
           <p:spPr>
-            <a:xfrm flipH="false" flipV="false" rot="0">
+            <a:xfrm>
               <a:off x="0" y="0"/>
               <a:ext cx="6350000" cy="6349974"/>
             </a:xfrm>
@@ -6271,9 +8702,9 @@
               <a:gdLst/>
               <a:ahLst/>
               <a:cxnLst/>
-              <a:rect r="r" b="b" t="t" l="l"/>
+              <a:rect l="l" t="t" r="r" b="b"/>
               <a:pathLst>
-                <a:path h="6349974" w="6350000">
+                <a:path w="6350000" h="6349974">
                   <a:moveTo>
                     <a:pt x="6350000" y="3175025"/>
                   </a:moveTo>
@@ -6312,12 +8743,12 @@
       </p:grpSp>
       <p:sp>
         <p:nvSpPr>
-          <p:cNvPr name="TextBox 11" id="11"/>
-          <p:cNvSpPr txBox="true"/>
-          <p:nvPr/>
-        </p:nvSpPr>
-        <p:spPr>
-          <a:xfrm rot="0">
+          <p:cNvPr id="11" name="TextBox 11"/>
+          <p:cNvSpPr txBox="1"/>
+          <p:nvPr/>
+        </p:nvSpPr>
+        <p:spPr>
+          <a:xfrm>
             <a:off x="2671831" y="7768506"/>
             <a:ext cx="11618716" cy="1376934"/>
           </a:xfrm>
@@ -6326,7 +8757,7 @@
           </a:prstGeom>
         </p:spPr>
         <p:txBody>
-          <a:bodyPr anchor="t" rtlCol="false" tIns="0" lIns="0" bIns="0" rIns="0">
+          <a:bodyPr lIns="0" tIns="0" rIns="0" bIns="0" rtlCol="0" anchor="t">
             <a:spAutoFit/>
           </a:bodyPr>
           <a:lstStyle/>
@@ -6350,12 +8781,12 @@
       </p:sp>
       <p:sp>
         <p:nvSpPr>
-          <p:cNvPr name="TextBox 12" id="12"/>
-          <p:cNvSpPr txBox="true"/>
-          <p:nvPr/>
-        </p:nvSpPr>
-        <p:spPr>
-          <a:xfrm rot="0">
+          <p:cNvPr id="12" name="TextBox 12"/>
+          <p:cNvSpPr txBox="1"/>
+          <p:nvPr/>
+        </p:nvSpPr>
+        <p:spPr>
+          <a:xfrm>
             <a:off x="2278289" y="1028700"/>
             <a:ext cx="9639812" cy="1181100"/>
           </a:xfrm>
@@ -6364,7 +8795,7 @@
           </a:prstGeom>
         </p:spPr>
         <p:txBody>
-          <a:bodyPr anchor="t" rtlCol="false" tIns="0" lIns="0" bIns="0" rIns="0">
+          <a:bodyPr lIns="0" tIns="0" rIns="0" bIns="0" rtlCol="0" anchor="t">
             <a:spAutoFit/>
           </a:bodyPr>
           <a:lstStyle/>
@@ -6395,7 +8826,7 @@
 </file>
 
 <file path=ppt/slides/slide5.xml><?xml version="1.0" encoding="utf-8"?>
-<p:sld xmlns:p="http://schemas.openxmlformats.org/presentationml/2006/main" xmlns:a="http://schemas.openxmlformats.org/drawingml/2006/main" xmlns:r="http://schemas.openxmlformats.org/officeDocument/2006/relationships">
+<p:sld xmlns:a="http://schemas.openxmlformats.org/drawingml/2006/main" xmlns:r="http://schemas.openxmlformats.org/officeDocument/2006/relationships" xmlns:p="http://schemas.openxmlformats.org/presentationml/2006/main">
   <p:cSld>
     <p:spTree>
       <p:nvGrpSpPr>
@@ -6413,12 +8844,12 @@
       </p:grpSpPr>
       <p:sp>
         <p:nvSpPr>
-          <p:cNvPr name="Freeform 2" id="2"/>
+          <p:cNvPr id="2" name="Freeform 2"/>
           <p:cNvSpPr/>
           <p:nvPr/>
         </p:nvSpPr>
         <p:spPr>
-          <a:xfrm flipH="false" flipV="false" rot="-10781110">
+          <a:xfrm rot="-10781110">
             <a:off x="-3377236" y="-2458718"/>
             <a:ext cx="6381430" cy="4970724"/>
           </a:xfrm>
@@ -6427,9 +8858,9 @@
             <a:gdLst/>
             <a:ahLst/>
             <a:cxnLst/>
-            <a:rect r="r" b="b" t="t" l="l"/>
+            <a:rect l="l" t="t" r="r" b="b"/>
             <a:pathLst>
-              <a:path h="4970724" w="6381430">
+              <a:path w="6381430" h="4970724">
                 <a:moveTo>
                   <a:pt x="0" y="0"/>
                 </a:moveTo>
@@ -6453,24 +8884,24 @@
             <a:blip r:embed="rId2">
               <a:extLst>
                 <a:ext uri="{96DAC541-7B7A-43D3-8B79-37D633B846F1}">
-                  <asvg:svgBlip xmlns:asvg="http://schemas.microsoft.com/office/drawing/2016/SVG/main" r:embed="rId3"/>
+                  <asvg:svgBlip xmlns:asvg="http://schemas.microsoft.com/office/drawing/2016/SVG/main" xmlns="" r:embed="rId3"/>
                 </a:ext>
               </a:extLst>
             </a:blip>
             <a:stretch>
-              <a:fillRect l="0" t="0" r="0" b="0"/>
+              <a:fillRect/>
             </a:stretch>
           </a:blipFill>
         </p:spPr>
       </p:sp>
       <p:sp>
         <p:nvSpPr>
-          <p:cNvPr name="Freeform 3" id="3"/>
+          <p:cNvPr id="3" name="Freeform 3"/>
           <p:cNvSpPr/>
           <p:nvPr/>
         </p:nvSpPr>
         <p:spPr>
-          <a:xfrm flipH="false" flipV="false" rot="-10781110">
+          <a:xfrm rot="-10781110">
             <a:off x="-2490897" y="3309513"/>
             <a:ext cx="4964900" cy="3867338"/>
           </a:xfrm>
@@ -6479,9 +8910,9 @@
             <a:gdLst/>
             <a:ahLst/>
             <a:cxnLst/>
-            <a:rect r="r" b="b" t="t" l="l"/>
+            <a:rect l="l" t="t" r="r" b="b"/>
             <a:pathLst>
-              <a:path h="3867338" w="4964900">
+              <a:path w="4964900" h="3867338">
                 <a:moveTo>
                   <a:pt x="0" y="0"/>
                 </a:moveTo>
@@ -6505,24 +8936,24 @@
             <a:blip r:embed="rId2">
               <a:extLst>
                 <a:ext uri="{96DAC541-7B7A-43D3-8B79-37D633B846F1}">
-                  <asvg:svgBlip xmlns:asvg="http://schemas.microsoft.com/office/drawing/2016/SVG/main" r:embed="rId3"/>
+                  <asvg:svgBlip xmlns:asvg="http://schemas.microsoft.com/office/drawing/2016/SVG/main" xmlns="" r:embed="rId3"/>
                 </a:ext>
               </a:extLst>
             </a:blip>
             <a:stretch>
-              <a:fillRect l="0" t="0" r="0" b="0"/>
+              <a:fillRect/>
             </a:stretch>
           </a:blipFill>
         </p:spPr>
       </p:sp>
       <p:sp>
         <p:nvSpPr>
-          <p:cNvPr name="Freeform 4" id="4"/>
+          <p:cNvPr id="4" name="Freeform 4"/>
           <p:cNvSpPr/>
           <p:nvPr/>
         </p:nvSpPr>
         <p:spPr>
-          <a:xfrm flipH="false" flipV="false" rot="-10781110">
+          <a:xfrm rot="-10781110">
             <a:off x="-2560170" y="1280220"/>
             <a:ext cx="4964900" cy="3867338"/>
           </a:xfrm>
@@ -6531,9 +8962,9 @@
             <a:gdLst/>
             <a:ahLst/>
             <a:cxnLst/>
-            <a:rect r="r" b="b" t="t" l="l"/>
+            <a:rect l="l" t="t" r="r" b="b"/>
             <a:pathLst>
-              <a:path h="3867338" w="4964900">
+              <a:path w="4964900" h="3867338">
                 <a:moveTo>
                   <a:pt x="0" y="0"/>
                 </a:moveTo>
@@ -6557,24 +8988,24 @@
             <a:blip r:embed="rId2">
               <a:extLst>
                 <a:ext uri="{96DAC541-7B7A-43D3-8B79-37D633B846F1}">
-                  <asvg:svgBlip xmlns:asvg="http://schemas.microsoft.com/office/drawing/2016/SVG/main" r:embed="rId3"/>
+                  <asvg:svgBlip xmlns:asvg="http://schemas.microsoft.com/office/drawing/2016/SVG/main" xmlns="" r:embed="rId3"/>
                 </a:ext>
               </a:extLst>
             </a:blip>
             <a:stretch>
-              <a:fillRect l="0" t="0" r="0" b="0"/>
+              <a:fillRect/>
             </a:stretch>
           </a:blipFill>
         </p:spPr>
       </p:sp>
       <p:sp>
         <p:nvSpPr>
-          <p:cNvPr name="Freeform 5" id="5"/>
+          <p:cNvPr id="5" name="Freeform 5"/>
           <p:cNvSpPr/>
           <p:nvPr/>
         </p:nvSpPr>
         <p:spPr>
-          <a:xfrm flipH="false" flipV="false" rot="-10781110">
+          <a:xfrm rot="-10781110">
             <a:off x="-2901820" y="5841920"/>
             <a:ext cx="4964900" cy="3867338"/>
           </a:xfrm>
@@ -6583,9 +9014,9 @@
             <a:gdLst/>
             <a:ahLst/>
             <a:cxnLst/>
-            <a:rect r="r" b="b" t="t" l="l"/>
+            <a:rect l="l" t="t" r="r" b="b"/>
             <a:pathLst>
-              <a:path h="3867338" w="4964900">
+              <a:path w="4964900" h="3867338">
                 <a:moveTo>
                   <a:pt x="0" y="0"/>
                 </a:moveTo>
@@ -6609,24 +9040,24 @@
             <a:blip r:embed="rId2">
               <a:extLst>
                 <a:ext uri="{96DAC541-7B7A-43D3-8B79-37D633B846F1}">
-                  <asvg:svgBlip xmlns:asvg="http://schemas.microsoft.com/office/drawing/2016/SVG/main" r:embed="rId3"/>
+                  <asvg:svgBlip xmlns:asvg="http://schemas.microsoft.com/office/drawing/2016/SVG/main" xmlns="" r:embed="rId3"/>
                 </a:ext>
               </a:extLst>
             </a:blip>
             <a:stretch>
-              <a:fillRect l="0" t="0" r="0" b="0"/>
+              <a:fillRect/>
             </a:stretch>
           </a:blipFill>
         </p:spPr>
       </p:sp>
       <p:sp>
         <p:nvSpPr>
-          <p:cNvPr name="Freeform 6" id="6"/>
+          <p:cNvPr id="6" name="Freeform 6"/>
           <p:cNvSpPr/>
           <p:nvPr/>
         </p:nvSpPr>
         <p:spPr>
-          <a:xfrm flipH="false" flipV="false" rot="-10781110">
+          <a:xfrm rot="-10781110">
             <a:off x="-1623177" y="8350267"/>
             <a:ext cx="4964900" cy="3867338"/>
           </a:xfrm>
@@ -6635,9 +9066,9 @@
             <a:gdLst/>
             <a:ahLst/>
             <a:cxnLst/>
-            <a:rect r="r" b="b" t="t" l="l"/>
+            <a:rect l="l" t="t" r="r" b="b"/>
             <a:pathLst>
-              <a:path h="3867338" w="4964900">
+              <a:path w="4964900" h="3867338">
                 <a:moveTo>
                   <a:pt x="0" y="0"/>
                 </a:moveTo>
@@ -6661,24 +9092,24 @@
             <a:blip r:embed="rId2">
               <a:extLst>
                 <a:ext uri="{96DAC541-7B7A-43D3-8B79-37D633B846F1}">
-                  <asvg:svgBlip xmlns:asvg="http://schemas.microsoft.com/office/drawing/2016/SVG/main" r:embed="rId3"/>
+                  <asvg:svgBlip xmlns:asvg="http://schemas.microsoft.com/office/drawing/2016/SVG/main" xmlns="" r:embed="rId3"/>
                 </a:ext>
               </a:extLst>
             </a:blip>
             <a:stretch>
-              <a:fillRect l="0" t="0" r="0" b="0"/>
+              <a:fillRect/>
             </a:stretch>
           </a:blipFill>
         </p:spPr>
       </p:sp>
       <p:sp>
         <p:nvSpPr>
-          <p:cNvPr name="Freeform 7" id="7"/>
+          <p:cNvPr id="7" name="Freeform 7"/>
           <p:cNvSpPr/>
           <p:nvPr/>
         </p:nvSpPr>
         <p:spPr>
-          <a:xfrm flipH="false" flipV="false" rot="-1398329">
+          <a:xfrm rot="-1398329">
             <a:off x="15406871" y="467415"/>
             <a:ext cx="3372052" cy="4893479"/>
           </a:xfrm>
@@ -6687,9 +9118,9 @@
             <a:gdLst/>
             <a:ahLst/>
             <a:cxnLst/>
-            <a:rect r="r" b="b" t="t" l="l"/>
+            <a:rect l="l" t="t" r="r" b="b"/>
             <a:pathLst>
-              <a:path h="4893479" w="3372052">
+              <a:path w="3372052" h="4893479">
                 <a:moveTo>
                   <a:pt x="0" y="0"/>
                 </a:moveTo>
@@ -6713,24 +9144,24 @@
             <a:blip r:embed="rId4">
               <a:extLst>
                 <a:ext uri="{96DAC541-7B7A-43D3-8B79-37D633B846F1}">
-                  <asvg:svgBlip xmlns:asvg="http://schemas.microsoft.com/office/drawing/2016/SVG/main" r:embed="rId5"/>
+                  <asvg:svgBlip xmlns:asvg="http://schemas.microsoft.com/office/drawing/2016/SVG/main" xmlns="" r:embed="rId5"/>
                 </a:ext>
               </a:extLst>
             </a:blip>
             <a:stretch>
-              <a:fillRect l="0" t="0" r="0" b="0"/>
+              <a:fillRect/>
             </a:stretch>
           </a:blipFill>
         </p:spPr>
       </p:sp>
       <p:sp>
         <p:nvSpPr>
-          <p:cNvPr name="TextBox 8" id="8"/>
-          <p:cNvSpPr txBox="true"/>
-          <p:nvPr/>
-        </p:nvSpPr>
-        <p:spPr>
-          <a:xfrm rot="0">
+          <p:cNvPr id="8" name="TextBox 8"/>
+          <p:cNvSpPr txBox="1"/>
+          <p:nvPr/>
+        </p:nvSpPr>
+        <p:spPr>
+          <a:xfrm>
             <a:off x="3783447" y="438952"/>
             <a:ext cx="9639812" cy="1181100"/>
           </a:xfrm>
@@ -6739,7 +9170,7 @@
           </a:prstGeom>
         </p:spPr>
         <p:txBody>
-          <a:bodyPr anchor="t" rtlCol="false" tIns="0" lIns="0" bIns="0" rIns="0">
+          <a:bodyPr lIns="0" tIns="0" rIns="0" bIns="0" rtlCol="0" anchor="t">
             <a:spAutoFit/>
           </a:bodyPr>
           <a:lstStyle/>
@@ -6763,12 +9194,12 @@
       </p:sp>
       <p:sp>
         <p:nvSpPr>
-          <p:cNvPr name="TextBox 9" id="9"/>
-          <p:cNvSpPr txBox="true"/>
-          <p:nvPr/>
-        </p:nvSpPr>
-        <p:spPr>
-          <a:xfrm rot="0">
+          <p:cNvPr id="9" name="TextBox 9"/>
+          <p:cNvSpPr txBox="1"/>
+          <p:nvPr/>
+        </p:nvSpPr>
+        <p:spPr>
+          <a:xfrm>
             <a:off x="3783447" y="1821856"/>
             <a:ext cx="11303604" cy="6424930"/>
           </a:xfrm>
@@ -6777,7 +9208,7 @@
           </a:prstGeom>
         </p:spPr>
         <p:txBody>
-          <a:bodyPr anchor="t" rtlCol="false" tIns="0" lIns="0" bIns="0" rIns="0">
+          <a:bodyPr lIns="0" tIns="0" rIns="0" bIns="0" rtlCol="0" anchor="t">
             <a:spAutoFit/>
           </a:bodyPr>
           <a:lstStyle/>
@@ -6794,20 +9225,11 @@
                 </a:solidFill>
                 <a:latin typeface="Open Sans"/>
               </a:rPr>
-              <a:t>White box testing memiliki beberapa teknik dalam melakukan pengujian perangkat lunak </a:t>
-            </a:r>
-            <a:r>
-              <a:rPr lang="en-US" sz="2799">
-                <a:solidFill>
-                  <a:srgbClr val="343434"/>
-                </a:solidFill>
-                <a:latin typeface="Open Sans"/>
-              </a:rPr>
-              <a:t>diantaranya yaitu:</a:t>
-            </a:r>
-          </a:p>
-          <a:p>
-            <a:pPr marL="604519" indent="-302260" lvl="1">
+              <a:t>White box testing memiliki beberapa teknik dalam melakukan pengujian perangkat lunak diantaranya yaitu:</a:t>
+            </a:r>
+          </a:p>
+          <a:p>
+            <a:pPr marL="604519" lvl="1" indent="-302260">
               <a:lnSpc>
                 <a:spcPts val="3919"/>
               </a:lnSpc>
@@ -6834,7 +9256,7 @@
             </a:r>
           </a:p>
           <a:p>
-            <a:pPr marL="604519" indent="-302260" lvl="1">
+            <a:pPr marL="604519" lvl="1" indent="-302260">
               <a:lnSpc>
                 <a:spcPts val="3919"/>
               </a:lnSpc>
@@ -6861,7 +9283,7 @@
             </a:r>
           </a:p>
           <a:p>
-            <a:pPr marL="604519" indent="-302260" lvl="1">
+            <a:pPr marL="604519" lvl="1" indent="-302260">
               <a:lnSpc>
                 <a:spcPts val="3919"/>
               </a:lnSpc>
@@ -6888,7 +9310,7 @@
             </a:r>
           </a:p>
           <a:p>
-            <a:pPr marL="604519" indent="-302260" lvl="1">
+            <a:pPr marL="604519" lvl="1" indent="-302260">
               <a:lnSpc>
                 <a:spcPts val="3919"/>
               </a:lnSpc>
@@ -6915,7 +9337,7 @@
             </a:r>
           </a:p>
           <a:p>
-            <a:pPr marL="604519" indent="-302260" lvl="1">
+            <a:pPr marL="604519" lvl="1" indent="-302260">
               <a:lnSpc>
                 <a:spcPts val="3919"/>
               </a:lnSpc>
@@ -6948,14 +9370,14 @@
   <p:clrMapOvr>
     <a:masterClrMapping/>
   </p:clrMapOvr>
-  <p:transition spd="fast">
+  <p:transition>
     <p:fade/>
   </p:transition>
 </p:sld>
 </file>
 
 <file path=ppt/slides/slide6.xml><?xml version="1.0" encoding="utf-8"?>
-<p:sld xmlns:p="http://schemas.openxmlformats.org/presentationml/2006/main" xmlns:a="http://schemas.openxmlformats.org/drawingml/2006/main" xmlns:r="http://schemas.openxmlformats.org/officeDocument/2006/relationships">
+<p:sld xmlns:a="http://schemas.openxmlformats.org/drawingml/2006/main" xmlns:r="http://schemas.openxmlformats.org/officeDocument/2006/relationships" xmlns:p="http://schemas.openxmlformats.org/presentationml/2006/main">
   <p:cSld>
     <p:spTree>
       <p:nvGrpSpPr>
@@ -6973,12 +9395,12 @@
       </p:grpSpPr>
       <p:sp>
         <p:nvSpPr>
-          <p:cNvPr name="Freeform 2" id="2"/>
+          <p:cNvPr id="2" name="Freeform 2"/>
           <p:cNvSpPr/>
           <p:nvPr/>
         </p:nvSpPr>
         <p:spPr>
-          <a:xfrm flipH="false" flipV="false" rot="0">
+          <a:xfrm>
             <a:off x="13365030" y="6462587"/>
             <a:ext cx="6685401" cy="5591426"/>
           </a:xfrm>
@@ -6987,9 +9409,9 @@
             <a:gdLst/>
             <a:ahLst/>
             <a:cxnLst/>
-            <a:rect r="r" b="b" t="t" l="l"/>
+            <a:rect l="l" t="t" r="r" b="b"/>
             <a:pathLst>
-              <a:path h="5591426" w="6685401">
+              <a:path w="6685401" h="5591426">
                 <a:moveTo>
                   <a:pt x="0" y="0"/>
                 </a:moveTo>
@@ -7013,24 +9435,24 @@
             <a:blip r:embed="rId2">
               <a:extLst>
                 <a:ext uri="{96DAC541-7B7A-43D3-8B79-37D633B846F1}">
-                  <asvg:svgBlip xmlns:asvg="http://schemas.microsoft.com/office/drawing/2016/SVG/main" r:embed="rId3"/>
+                  <asvg:svgBlip xmlns:asvg="http://schemas.microsoft.com/office/drawing/2016/SVG/main" xmlns="" r:embed="rId3"/>
                 </a:ext>
               </a:extLst>
             </a:blip>
             <a:stretch>
-              <a:fillRect l="0" t="0" r="0" b="0"/>
+              <a:fillRect/>
             </a:stretch>
           </a:blipFill>
         </p:spPr>
       </p:sp>
       <p:sp>
         <p:nvSpPr>
-          <p:cNvPr name="TextBox 3" id="3"/>
-          <p:cNvSpPr txBox="true"/>
-          <p:nvPr/>
-        </p:nvSpPr>
-        <p:spPr>
-          <a:xfrm rot="0">
+          <p:cNvPr id="3" name="TextBox 3"/>
+          <p:cNvSpPr txBox="1"/>
+          <p:nvPr/>
+        </p:nvSpPr>
+        <p:spPr>
+          <a:xfrm>
             <a:off x="1452961" y="1827433"/>
             <a:ext cx="12822826" cy="1967230"/>
           </a:xfrm>
@@ -7039,7 +9461,7 @@
           </a:prstGeom>
         </p:spPr>
         <p:txBody>
-          <a:bodyPr anchor="t" rtlCol="false" tIns="0" lIns="0" bIns="0" rIns="0">
+          <a:bodyPr lIns="0" tIns="0" rIns="0" bIns="0" rtlCol="0" anchor="t">
             <a:spAutoFit/>
           </a:bodyPr>
           <a:lstStyle/>
@@ -7088,12 +9510,12 @@
       </p:sp>
       <p:sp>
         <p:nvSpPr>
-          <p:cNvPr name="Freeform 4" id="4"/>
+          <p:cNvPr id="4" name="Freeform 4"/>
           <p:cNvSpPr/>
           <p:nvPr/>
         </p:nvSpPr>
         <p:spPr>
-          <a:xfrm flipH="false" flipV="false" rot="-1398329">
+          <a:xfrm rot="-1398329">
             <a:off x="14536680" y="905565"/>
             <a:ext cx="3372052" cy="4893479"/>
           </a:xfrm>
@@ -7102,9 +9524,9 @@
             <a:gdLst/>
             <a:ahLst/>
             <a:cxnLst/>
-            <a:rect r="r" b="b" t="t" l="l"/>
+            <a:rect l="l" t="t" r="r" b="b"/>
             <a:pathLst>
-              <a:path h="4893479" w="3372052">
+              <a:path w="3372052" h="4893479">
                 <a:moveTo>
                   <a:pt x="0" y="0"/>
                 </a:moveTo>
@@ -7128,24 +9550,24 @@
             <a:blip r:embed="rId4">
               <a:extLst>
                 <a:ext uri="{96DAC541-7B7A-43D3-8B79-37D633B846F1}">
-                  <asvg:svgBlip xmlns:asvg="http://schemas.microsoft.com/office/drawing/2016/SVG/main" r:embed="rId5"/>
+                  <asvg:svgBlip xmlns:asvg="http://schemas.microsoft.com/office/drawing/2016/SVG/main" xmlns="" r:embed="rId5"/>
                 </a:ext>
               </a:extLst>
             </a:blip>
             <a:stretch>
-              <a:fillRect l="0" t="0" r="0" b="0"/>
+              <a:fillRect/>
             </a:stretch>
           </a:blipFill>
         </p:spPr>
       </p:sp>
       <p:sp>
         <p:nvSpPr>
-          <p:cNvPr name="Freeform 5" id="5"/>
+          <p:cNvPr id="5" name="Freeform 5"/>
           <p:cNvSpPr/>
           <p:nvPr/>
         </p:nvSpPr>
         <p:spPr>
-          <a:xfrm flipH="false" flipV="false" rot="0">
+          <a:xfrm>
             <a:off x="1776699" y="4252628"/>
             <a:ext cx="10188933" cy="5731275"/>
           </a:xfrm>
@@ -7154,9 +9576,9 @@
             <a:gdLst/>
             <a:ahLst/>
             <a:cxnLst/>
-            <a:rect r="r" b="b" t="t" l="l"/>
+            <a:rect l="l" t="t" r="r" b="b"/>
             <a:pathLst>
-              <a:path h="5731275" w="10188933">
+              <a:path w="10188933" h="5731275">
                 <a:moveTo>
                   <a:pt x="0" y="0"/>
                 </a:moveTo>
@@ -7179,19 +9601,19 @@
           <a:blipFill>
             <a:blip r:embed="rId6"/>
             <a:stretch>
-              <a:fillRect l="0" t="0" r="0" b="0"/>
+              <a:fillRect/>
             </a:stretch>
           </a:blipFill>
         </p:spPr>
       </p:sp>
       <p:sp>
         <p:nvSpPr>
-          <p:cNvPr name="TextBox 6" id="6"/>
-          <p:cNvSpPr txBox="true"/>
-          <p:nvPr/>
-        </p:nvSpPr>
-        <p:spPr>
-          <a:xfrm rot="0">
+          <p:cNvPr id="6" name="TextBox 6"/>
+          <p:cNvSpPr txBox="1"/>
+          <p:nvPr/>
+        </p:nvSpPr>
+        <p:spPr>
+          <a:xfrm>
             <a:off x="885825" y="438150"/>
             <a:ext cx="11970682" cy="1181100"/>
           </a:xfrm>
@@ -7200,7 +9622,7 @@
           </a:prstGeom>
         </p:spPr>
         <p:txBody>
-          <a:bodyPr anchor="t" rtlCol="false" tIns="0" lIns="0" bIns="0" rIns="0">
+          <a:bodyPr lIns="0" tIns="0" rIns="0" bIns="0" rtlCol="0" anchor="t">
             <a:spAutoFit/>
           </a:bodyPr>
           <a:lstStyle/>
@@ -7227,14 +9649,14 @@
   <p:clrMapOvr>
     <a:masterClrMapping/>
   </p:clrMapOvr>
-  <p:transition spd="fast">
+  <p:transition>
     <p:fade/>
   </p:transition>
 </p:sld>
 </file>
 
 <file path=ppt/slides/slide7.xml><?xml version="1.0" encoding="utf-8"?>
-<p:sld xmlns:p="http://schemas.openxmlformats.org/presentationml/2006/main" xmlns:a="http://schemas.openxmlformats.org/drawingml/2006/main" xmlns:r="http://schemas.openxmlformats.org/officeDocument/2006/relationships">
+<p:sld xmlns:a="http://schemas.openxmlformats.org/drawingml/2006/main" xmlns:r="http://schemas.openxmlformats.org/officeDocument/2006/relationships" xmlns:p="http://schemas.openxmlformats.org/presentationml/2006/main">
   <p:cSld>
     <p:spTree>
       <p:nvGrpSpPr>
@@ -7252,12 +9674,12 @@
       </p:grpSpPr>
       <p:sp>
         <p:nvSpPr>
-          <p:cNvPr name="Freeform 2" id="2"/>
+          <p:cNvPr id="2" name="Freeform 2"/>
           <p:cNvSpPr/>
           <p:nvPr/>
         </p:nvSpPr>
         <p:spPr>
-          <a:xfrm flipH="false" flipV="false" rot="0">
+          <a:xfrm>
             <a:off x="13365030" y="6462587"/>
             <a:ext cx="6685401" cy="5591426"/>
           </a:xfrm>
@@ -7266,9 +9688,9 @@
             <a:gdLst/>
             <a:ahLst/>
             <a:cxnLst/>
-            <a:rect r="r" b="b" t="t" l="l"/>
+            <a:rect l="l" t="t" r="r" b="b"/>
             <a:pathLst>
-              <a:path h="5591426" w="6685401">
+              <a:path w="6685401" h="5591426">
                 <a:moveTo>
                   <a:pt x="0" y="0"/>
                 </a:moveTo>
@@ -7292,24 +9714,24 @@
             <a:blip r:embed="rId2">
               <a:extLst>
                 <a:ext uri="{96DAC541-7B7A-43D3-8B79-37D633B846F1}">
-                  <asvg:svgBlip xmlns:asvg="http://schemas.microsoft.com/office/drawing/2016/SVG/main" r:embed="rId3"/>
+                  <asvg:svgBlip xmlns:asvg="http://schemas.microsoft.com/office/drawing/2016/SVG/main" xmlns="" r:embed="rId3"/>
                 </a:ext>
               </a:extLst>
             </a:blip>
             <a:stretch>
-              <a:fillRect l="0" t="0" r="0" b="0"/>
+              <a:fillRect/>
             </a:stretch>
           </a:blipFill>
         </p:spPr>
       </p:sp>
       <p:sp>
         <p:nvSpPr>
-          <p:cNvPr name="TextBox 3" id="3"/>
-          <p:cNvSpPr txBox="true"/>
-          <p:nvPr/>
-        </p:nvSpPr>
-        <p:spPr>
-          <a:xfrm rot="0">
+          <p:cNvPr id="3" name="TextBox 3"/>
+          <p:cNvSpPr txBox="1"/>
+          <p:nvPr/>
+        </p:nvSpPr>
+        <p:spPr>
+          <a:xfrm>
             <a:off x="9583165" y="1954779"/>
             <a:ext cx="7563731" cy="3948430"/>
           </a:xfrm>
@@ -7318,7 +9740,7 @@
           </a:prstGeom>
         </p:spPr>
         <p:txBody>
-          <a:bodyPr anchor="t" rtlCol="false" tIns="0" lIns="0" bIns="0" rIns="0">
+          <a:bodyPr lIns="0" tIns="0" rIns="0" bIns="0" rtlCol="0" anchor="t">
             <a:spAutoFit/>
           </a:bodyPr>
           <a:lstStyle/>
@@ -7344,6 +9766,12 @@
                 <a:spcPts val="3919"/>
               </a:lnSpc>
             </a:pPr>
+            <a:endParaRPr lang="en-US" sz="2799">
+              <a:solidFill>
+                <a:srgbClr val="343434"/>
+              </a:solidFill>
+              <a:latin typeface="Open Sans"/>
+            </a:endParaRPr>
           </a:p>
           <a:p>
             <a:pPr>
@@ -7424,17 +9852,23 @@
                 <a:spcPts val="3919"/>
               </a:lnSpc>
             </a:pPr>
+            <a:endParaRPr lang="en-US" sz="2799">
+              <a:solidFill>
+                <a:srgbClr val="343434"/>
+              </a:solidFill>
+              <a:latin typeface="Open Sans Bold"/>
+            </a:endParaRPr>
           </a:p>
         </p:txBody>
       </p:sp>
       <p:sp>
         <p:nvSpPr>
-          <p:cNvPr name="TextBox 4" id="4"/>
-          <p:cNvSpPr txBox="true"/>
-          <p:nvPr/>
-        </p:nvSpPr>
-        <p:spPr>
-          <a:xfrm rot="0">
+          <p:cNvPr id="4" name="TextBox 4"/>
+          <p:cNvSpPr txBox="1"/>
+          <p:nvPr/>
+        </p:nvSpPr>
+        <p:spPr>
+          <a:xfrm>
             <a:off x="1528073" y="6795770"/>
             <a:ext cx="11328433" cy="2462530"/>
           </a:xfrm>
@@ -7443,7 +9877,7 @@
           </a:prstGeom>
         </p:spPr>
         <p:txBody>
-          <a:bodyPr anchor="t" rtlCol="false" tIns="0" lIns="0" bIns="0" rIns="0">
+          <a:bodyPr lIns="0" tIns="0" rIns="0" bIns="0" rtlCol="0" anchor="t">
             <a:spAutoFit/>
           </a:bodyPr>
           <a:lstStyle/>
@@ -7469,6 +9903,12 @@
                 <a:spcPts val="3919"/>
               </a:lnSpc>
             </a:pPr>
+            <a:endParaRPr lang="en-US" sz="2799">
+              <a:solidFill>
+                <a:srgbClr val="343434"/>
+              </a:solidFill>
+              <a:latin typeface="Open Sans"/>
+            </a:endParaRPr>
           </a:p>
           <a:p>
             <a:pPr>
@@ -7499,12 +9939,12 @@
       </p:sp>
       <p:sp>
         <p:nvSpPr>
-          <p:cNvPr name="Freeform 5" id="5"/>
+          <p:cNvPr id="5" name="Freeform 5"/>
           <p:cNvSpPr/>
           <p:nvPr/>
         </p:nvSpPr>
         <p:spPr>
-          <a:xfrm flipH="false" flipV="false" rot="0">
+          <a:xfrm>
             <a:off x="1528073" y="1619250"/>
             <a:ext cx="7615927" cy="4283959"/>
           </a:xfrm>
@@ -7513,9 +9953,9 @@
             <a:gdLst/>
             <a:ahLst/>
             <a:cxnLst/>
-            <a:rect r="r" b="b" t="t" l="l"/>
+            <a:rect l="l" t="t" r="r" b="b"/>
             <a:pathLst>
-              <a:path h="4283959" w="7615927">
+              <a:path w="7615927" h="4283959">
                 <a:moveTo>
                   <a:pt x="0" y="0"/>
                 </a:moveTo>
@@ -7538,19 +9978,19 @@
           <a:blipFill>
             <a:blip r:embed="rId4"/>
             <a:stretch>
-              <a:fillRect l="0" t="0" r="0" b="0"/>
+              <a:fillRect/>
             </a:stretch>
           </a:blipFill>
         </p:spPr>
       </p:sp>
       <p:sp>
         <p:nvSpPr>
-          <p:cNvPr name="TextBox 6" id="6"/>
-          <p:cNvSpPr txBox="true"/>
-          <p:nvPr/>
-        </p:nvSpPr>
-        <p:spPr>
-          <a:xfrm rot="0">
+          <p:cNvPr id="6" name="TextBox 6"/>
+          <p:cNvSpPr txBox="1"/>
+          <p:nvPr/>
+        </p:nvSpPr>
+        <p:spPr>
+          <a:xfrm>
             <a:off x="885825" y="438150"/>
             <a:ext cx="11970682" cy="1181100"/>
           </a:xfrm>
@@ -7559,7 +9999,7 @@
           </a:prstGeom>
         </p:spPr>
         <p:txBody>
-          <a:bodyPr anchor="t" rtlCol="false" tIns="0" lIns="0" bIns="0" rIns="0">
+          <a:bodyPr lIns="0" tIns="0" rIns="0" bIns="0" rtlCol="0" anchor="t">
             <a:spAutoFit/>
           </a:bodyPr>
           <a:lstStyle/>
@@ -7586,14 +10026,14 @@
   <p:clrMapOvr>
     <a:masterClrMapping/>
   </p:clrMapOvr>
-  <p:transition spd="fast">
+  <p:transition>
     <p:fade/>
   </p:transition>
 </p:sld>
 </file>
 
 <file path=ppt/slides/slide8.xml><?xml version="1.0" encoding="utf-8"?>
-<p:sld xmlns:p="http://schemas.openxmlformats.org/presentationml/2006/main" xmlns:a="http://schemas.openxmlformats.org/drawingml/2006/main" xmlns:r="http://schemas.openxmlformats.org/officeDocument/2006/relationships">
+<p:sld xmlns:a="http://schemas.openxmlformats.org/drawingml/2006/main" xmlns:r="http://schemas.openxmlformats.org/officeDocument/2006/relationships" xmlns:p="http://schemas.openxmlformats.org/presentationml/2006/main">
   <p:cSld>
     <p:spTree>
       <p:nvGrpSpPr>
@@ -7611,12 +10051,12 @@
       </p:grpSpPr>
       <p:sp>
         <p:nvSpPr>
-          <p:cNvPr name="Freeform 2" id="2"/>
+          <p:cNvPr id="2" name="Freeform 2"/>
           <p:cNvSpPr/>
           <p:nvPr/>
         </p:nvSpPr>
         <p:spPr>
-          <a:xfrm flipH="false" flipV="false" rot="-10781110">
+          <a:xfrm rot="-10781110">
             <a:off x="-3377236" y="-2458718"/>
             <a:ext cx="6381430" cy="4970724"/>
           </a:xfrm>
@@ -7625,9 +10065,9 @@
             <a:gdLst/>
             <a:ahLst/>
             <a:cxnLst/>
-            <a:rect r="r" b="b" t="t" l="l"/>
+            <a:rect l="l" t="t" r="r" b="b"/>
             <a:pathLst>
-              <a:path h="4970724" w="6381430">
+              <a:path w="6381430" h="4970724">
                 <a:moveTo>
                   <a:pt x="0" y="0"/>
                 </a:moveTo>
@@ -7651,24 +10091,24 @@
             <a:blip r:embed="rId2">
               <a:extLst>
                 <a:ext uri="{96DAC541-7B7A-43D3-8B79-37D633B846F1}">
-                  <asvg:svgBlip xmlns:asvg="http://schemas.microsoft.com/office/drawing/2016/SVG/main" r:embed="rId3"/>
+                  <asvg:svgBlip xmlns:asvg="http://schemas.microsoft.com/office/drawing/2016/SVG/main" xmlns="" r:embed="rId3"/>
                 </a:ext>
               </a:extLst>
             </a:blip>
             <a:stretch>
-              <a:fillRect l="0" t="0" r="0" b="0"/>
+              <a:fillRect/>
             </a:stretch>
           </a:blipFill>
         </p:spPr>
       </p:sp>
       <p:sp>
         <p:nvSpPr>
-          <p:cNvPr name="Freeform 3" id="3"/>
+          <p:cNvPr id="3" name="Freeform 3"/>
           <p:cNvSpPr/>
           <p:nvPr/>
         </p:nvSpPr>
         <p:spPr>
-          <a:xfrm flipH="false" flipV="false" rot="-10781110">
+          <a:xfrm rot="-10781110">
             <a:off x="-2490897" y="3309513"/>
             <a:ext cx="4964900" cy="3867338"/>
           </a:xfrm>
@@ -7677,9 +10117,9 @@
             <a:gdLst/>
             <a:ahLst/>
             <a:cxnLst/>
-            <a:rect r="r" b="b" t="t" l="l"/>
+            <a:rect l="l" t="t" r="r" b="b"/>
             <a:pathLst>
-              <a:path h="3867338" w="4964900">
+              <a:path w="4964900" h="3867338">
                 <a:moveTo>
                   <a:pt x="0" y="0"/>
                 </a:moveTo>
@@ -7703,24 +10143,24 @@
             <a:blip r:embed="rId2">
               <a:extLst>
                 <a:ext uri="{96DAC541-7B7A-43D3-8B79-37D633B846F1}">
-                  <asvg:svgBlip xmlns:asvg="http://schemas.microsoft.com/office/drawing/2016/SVG/main" r:embed="rId3"/>
+                  <asvg:svgBlip xmlns:asvg="http://schemas.microsoft.com/office/drawing/2016/SVG/main" xmlns="" r:embed="rId3"/>
                 </a:ext>
               </a:extLst>
             </a:blip>
             <a:stretch>
-              <a:fillRect l="0" t="0" r="0" b="0"/>
+              <a:fillRect/>
             </a:stretch>
           </a:blipFill>
         </p:spPr>
       </p:sp>
       <p:sp>
         <p:nvSpPr>
-          <p:cNvPr name="Freeform 4" id="4"/>
+          <p:cNvPr id="4" name="Freeform 4"/>
           <p:cNvSpPr/>
           <p:nvPr/>
         </p:nvSpPr>
         <p:spPr>
-          <a:xfrm flipH="false" flipV="false" rot="-10781110">
+          <a:xfrm rot="-10781110">
             <a:off x="-2560170" y="1280220"/>
             <a:ext cx="4964900" cy="3867338"/>
           </a:xfrm>
@@ -7729,9 +10169,9 @@
             <a:gdLst/>
             <a:ahLst/>
             <a:cxnLst/>
-            <a:rect r="r" b="b" t="t" l="l"/>
+            <a:rect l="l" t="t" r="r" b="b"/>
             <a:pathLst>
-              <a:path h="3867338" w="4964900">
+              <a:path w="4964900" h="3867338">
                 <a:moveTo>
                   <a:pt x="0" y="0"/>
                 </a:moveTo>
@@ -7755,24 +10195,24 @@
             <a:blip r:embed="rId2">
               <a:extLst>
                 <a:ext uri="{96DAC541-7B7A-43D3-8B79-37D633B846F1}">
-                  <asvg:svgBlip xmlns:asvg="http://schemas.microsoft.com/office/drawing/2016/SVG/main" r:embed="rId3"/>
+                  <asvg:svgBlip xmlns:asvg="http://schemas.microsoft.com/office/drawing/2016/SVG/main" xmlns="" r:embed="rId3"/>
                 </a:ext>
               </a:extLst>
             </a:blip>
             <a:stretch>
-              <a:fillRect l="0" t="0" r="0" b="0"/>
+              <a:fillRect/>
             </a:stretch>
           </a:blipFill>
         </p:spPr>
       </p:sp>
       <p:sp>
         <p:nvSpPr>
-          <p:cNvPr name="Freeform 5" id="5"/>
+          <p:cNvPr id="5" name="Freeform 5"/>
           <p:cNvSpPr/>
           <p:nvPr/>
         </p:nvSpPr>
         <p:spPr>
-          <a:xfrm flipH="false" flipV="false" rot="-10781110">
+          <a:xfrm rot="-10781110">
             <a:off x="-2901820" y="5841920"/>
             <a:ext cx="4964900" cy="3867338"/>
           </a:xfrm>
@@ -7781,9 +10221,9 @@
             <a:gdLst/>
             <a:ahLst/>
             <a:cxnLst/>
-            <a:rect r="r" b="b" t="t" l="l"/>
+            <a:rect l="l" t="t" r="r" b="b"/>
             <a:pathLst>
-              <a:path h="3867338" w="4964900">
+              <a:path w="4964900" h="3867338">
                 <a:moveTo>
                   <a:pt x="0" y="0"/>
                 </a:moveTo>
@@ -7807,24 +10247,24 @@
             <a:blip r:embed="rId2">
               <a:extLst>
                 <a:ext uri="{96DAC541-7B7A-43D3-8B79-37D633B846F1}">
-                  <asvg:svgBlip xmlns:asvg="http://schemas.microsoft.com/office/drawing/2016/SVG/main" r:embed="rId3"/>
+                  <asvg:svgBlip xmlns:asvg="http://schemas.microsoft.com/office/drawing/2016/SVG/main" xmlns="" r:embed="rId3"/>
                 </a:ext>
               </a:extLst>
             </a:blip>
             <a:stretch>
-              <a:fillRect l="0" t="0" r="0" b="0"/>
+              <a:fillRect/>
             </a:stretch>
           </a:blipFill>
         </p:spPr>
       </p:sp>
       <p:sp>
         <p:nvSpPr>
-          <p:cNvPr name="Freeform 6" id="6"/>
+          <p:cNvPr id="6" name="Freeform 6"/>
           <p:cNvSpPr/>
           <p:nvPr/>
         </p:nvSpPr>
         <p:spPr>
-          <a:xfrm flipH="false" flipV="false" rot="-10781110">
+          <a:xfrm rot="-10781110">
             <a:off x="-1623177" y="8350267"/>
             <a:ext cx="4964900" cy="3867338"/>
           </a:xfrm>
@@ -7833,9 +10273,9 @@
             <a:gdLst/>
             <a:ahLst/>
             <a:cxnLst/>
-            <a:rect r="r" b="b" t="t" l="l"/>
+            <a:rect l="l" t="t" r="r" b="b"/>
             <a:pathLst>
-              <a:path h="3867338" w="4964900">
+              <a:path w="4964900" h="3867338">
                 <a:moveTo>
                   <a:pt x="0" y="0"/>
                 </a:moveTo>
@@ -7859,24 +10299,24 @@
             <a:blip r:embed="rId2">
               <a:extLst>
                 <a:ext uri="{96DAC541-7B7A-43D3-8B79-37D633B846F1}">
-                  <asvg:svgBlip xmlns:asvg="http://schemas.microsoft.com/office/drawing/2016/SVG/main" r:embed="rId3"/>
+                  <asvg:svgBlip xmlns:asvg="http://schemas.microsoft.com/office/drawing/2016/SVG/main" xmlns="" r:embed="rId3"/>
                 </a:ext>
               </a:extLst>
             </a:blip>
             <a:stretch>
-              <a:fillRect l="0" t="0" r="0" b="0"/>
+              <a:fillRect/>
             </a:stretch>
           </a:blipFill>
         </p:spPr>
       </p:sp>
       <p:sp>
         <p:nvSpPr>
-          <p:cNvPr name="Freeform 7" id="7"/>
+          <p:cNvPr id="7" name="Freeform 7"/>
           <p:cNvSpPr/>
           <p:nvPr/>
         </p:nvSpPr>
         <p:spPr>
-          <a:xfrm flipH="false" flipV="false" rot="2876813">
+          <a:xfrm rot="2876813">
             <a:off x="14255523" y="-790791"/>
             <a:ext cx="3703320" cy="4114800"/>
           </a:xfrm>
@@ -7885,9 +10325,9 @@
             <a:gdLst/>
             <a:ahLst/>
             <a:cxnLst/>
-            <a:rect r="r" b="b" t="t" l="l"/>
+            <a:rect l="l" t="t" r="r" b="b"/>
             <a:pathLst>
-              <a:path h="4114800" w="3703320">
+              <a:path w="3703320" h="4114800">
                 <a:moveTo>
                   <a:pt x="0" y="0"/>
                 </a:moveTo>
@@ -7911,24 +10351,24 @@
             <a:blip r:embed="rId4">
               <a:extLst>
                 <a:ext uri="{96DAC541-7B7A-43D3-8B79-37D633B846F1}">
-                  <asvg:svgBlip xmlns:asvg="http://schemas.microsoft.com/office/drawing/2016/SVG/main" r:embed="rId5"/>
+                  <asvg:svgBlip xmlns:asvg="http://schemas.microsoft.com/office/drawing/2016/SVG/main" xmlns="" r:embed="rId5"/>
                 </a:ext>
               </a:extLst>
             </a:blip>
             <a:stretch>
-              <a:fillRect l="0" t="0" r="0" b="0"/>
+              <a:fillRect/>
             </a:stretch>
           </a:blipFill>
         </p:spPr>
       </p:sp>
       <p:sp>
         <p:nvSpPr>
-          <p:cNvPr name="TextBox 8" id="8"/>
-          <p:cNvSpPr txBox="true"/>
-          <p:nvPr/>
-        </p:nvSpPr>
-        <p:spPr>
-          <a:xfrm rot="0">
+          <p:cNvPr id="8" name="TextBox 8"/>
+          <p:cNvSpPr txBox="1"/>
+          <p:nvPr/>
+        </p:nvSpPr>
+        <p:spPr>
+          <a:xfrm>
             <a:off x="3017802" y="414951"/>
             <a:ext cx="12185775" cy="923925"/>
           </a:xfrm>
@@ -7937,7 +10377,7 @@
           </a:prstGeom>
         </p:spPr>
         <p:txBody>
-          <a:bodyPr anchor="t" rtlCol="false" tIns="0" lIns="0" bIns="0" rIns="0">
+          <a:bodyPr lIns="0" tIns="0" rIns="0" bIns="0" rtlCol="0" anchor="t">
             <a:spAutoFit/>
           </a:bodyPr>
           <a:lstStyle/>
@@ -7961,12 +10401,12 @@
       </p:sp>
       <p:sp>
         <p:nvSpPr>
-          <p:cNvPr name="TextBox 9" id="9"/>
-          <p:cNvSpPr txBox="true"/>
-          <p:nvPr/>
-        </p:nvSpPr>
-        <p:spPr>
-          <a:xfrm rot="0">
+          <p:cNvPr id="9" name="TextBox 9"/>
+          <p:cNvSpPr txBox="1"/>
+          <p:nvPr/>
+        </p:nvSpPr>
+        <p:spPr>
+          <a:xfrm>
             <a:off x="3017802" y="1348401"/>
             <a:ext cx="12185775" cy="1181100"/>
           </a:xfrm>
@@ -7975,7 +10415,7 @@
           </a:prstGeom>
         </p:spPr>
         <p:txBody>
-          <a:bodyPr anchor="t" rtlCol="false" tIns="0" lIns="0" bIns="0" rIns="0">
+          <a:bodyPr lIns="0" tIns="0" rIns="0" bIns="0" rtlCol="0" anchor="t">
             <a:spAutoFit/>
           </a:bodyPr>
           <a:lstStyle/>
@@ -7999,12 +10439,12 @@
       </p:sp>
       <p:sp>
         <p:nvSpPr>
-          <p:cNvPr name="TextBox 10" id="10"/>
-          <p:cNvSpPr txBox="true"/>
-          <p:nvPr/>
-        </p:nvSpPr>
-        <p:spPr>
-          <a:xfrm rot="0">
+          <p:cNvPr id="10" name="TextBox 10"/>
+          <p:cNvSpPr txBox="1"/>
+          <p:nvPr/>
+        </p:nvSpPr>
+        <p:spPr>
+          <a:xfrm>
             <a:off x="2967085" y="2857005"/>
             <a:ext cx="5810229" cy="6849110"/>
           </a:xfrm>
@@ -8013,7 +10453,7 @@
           </a:prstGeom>
         </p:spPr>
         <p:txBody>
-          <a:bodyPr anchor="t" rtlCol="false" tIns="0" lIns="0" bIns="0" rIns="0">
+          <a:bodyPr lIns="0" tIns="0" rIns="0" bIns="0" rtlCol="0" anchor="t">
             <a:spAutoFit/>
           </a:bodyPr>
           <a:lstStyle/>
@@ -8043,7 +10483,7 @@
             </a:r>
           </a:p>
           <a:p>
-            <a:pPr marL="561341" indent="-280670" lvl="1">
+            <a:pPr marL="561341" lvl="1" indent="-280670">
               <a:lnSpc>
                 <a:spcPts val="3640"/>
               </a:lnSpc>
@@ -8061,7 +10501,7 @@
             </a:r>
           </a:p>
           <a:p>
-            <a:pPr marL="561341" indent="-280670" lvl="1">
+            <a:pPr marL="561341" lvl="1" indent="-280670">
               <a:lnSpc>
                 <a:spcPts val="3640"/>
               </a:lnSpc>
@@ -8079,7 +10519,7 @@
             </a:r>
           </a:p>
           <a:p>
-            <a:pPr marL="561341" indent="-280670" lvl="1">
+            <a:pPr marL="561341" lvl="1" indent="-280670">
               <a:lnSpc>
                 <a:spcPts val="3640"/>
               </a:lnSpc>
@@ -8097,7 +10537,7 @@
             </a:r>
           </a:p>
           <a:p>
-            <a:pPr marL="561341" indent="-280670" lvl="1">
+            <a:pPr marL="561341" lvl="1" indent="-280670">
               <a:lnSpc>
                 <a:spcPts val="3640"/>
               </a:lnSpc>
@@ -8118,12 +10558,12 @@
       </p:sp>
       <p:sp>
         <p:nvSpPr>
-          <p:cNvPr name="TextBox 11" id="11"/>
-          <p:cNvSpPr txBox="true"/>
-          <p:nvPr/>
-        </p:nvSpPr>
-        <p:spPr>
-          <a:xfrm rot="0">
+          <p:cNvPr id="11" name="TextBox 11"/>
+          <p:cNvSpPr txBox="1"/>
+          <p:nvPr/>
+        </p:nvSpPr>
+        <p:spPr>
+          <a:xfrm>
             <a:off x="9405611" y="2857005"/>
             <a:ext cx="8283198" cy="7004050"/>
           </a:xfrm>
@@ -8132,7 +10572,7 @@
           </a:prstGeom>
         </p:spPr>
         <p:txBody>
-          <a:bodyPr anchor="t" rtlCol="false" tIns="0" lIns="0" bIns="0" rIns="0">
+          <a:bodyPr lIns="0" tIns="0" rIns="0" bIns="0" rtlCol="0" anchor="t">
             <a:spAutoFit/>
           </a:bodyPr>
           <a:lstStyle/>
@@ -8153,7 +10593,7 @@
             </a:r>
           </a:p>
           <a:p>
-            <a:pPr marL="539751" indent="-269876" lvl="1">
+            <a:pPr marL="539751" lvl="1" indent="-269876">
               <a:lnSpc>
                 <a:spcPts val="3500"/>
               </a:lnSpc>
@@ -8171,7 +10611,7 @@
             </a:r>
           </a:p>
           <a:p>
-            <a:pPr marL="539751" indent="-269876" lvl="1">
+            <a:pPr marL="539751" lvl="1" indent="-269876">
               <a:lnSpc>
                 <a:spcPts val="3500"/>
               </a:lnSpc>
@@ -8189,7 +10629,7 @@
             </a:r>
           </a:p>
           <a:p>
-            <a:pPr marL="539751" indent="-269876" lvl="1">
+            <a:pPr marL="539751" lvl="1" indent="-269876">
               <a:lnSpc>
                 <a:spcPts val="3500"/>
               </a:lnSpc>
@@ -8207,7 +10647,7 @@
             </a:r>
           </a:p>
           <a:p>
-            <a:pPr marL="539751" indent="-269876" lvl="1">
+            <a:pPr marL="539751" lvl="1" indent="-269876">
               <a:lnSpc>
                 <a:spcPts val="3500"/>
               </a:lnSpc>
@@ -8225,7 +10665,7 @@
             </a:r>
           </a:p>
           <a:p>
-            <a:pPr marL="539751" indent="-269876" lvl="1">
+            <a:pPr marL="539751" lvl="1" indent="-269876">
               <a:lnSpc>
                 <a:spcPts val="3500"/>
               </a:lnSpc>
@@ -8243,7 +10683,7 @@
             </a:r>
           </a:p>
           <a:p>
-            <a:pPr marL="539751" indent="-269876" lvl="1">
+            <a:pPr marL="539751" lvl="1" indent="-269876">
               <a:lnSpc>
                 <a:spcPts val="3500"/>
               </a:lnSpc>
@@ -8264,7 +10704,7 @@
       </p:sp>
       <p:sp>
         <p:nvSpPr>
-          <p:cNvPr name="AutoShape 12" id="12"/>
+          <p:cNvPr id="12" name="AutoShape 12"/>
           <p:cNvSpPr/>
           <p:nvPr/>
         </p:nvSpPr>
@@ -8276,13 +10716,13 @@
           <a:prstGeom prst="line">
             <a:avLst/>
           </a:prstGeom>
-          <a:ln cap="flat" w="38100">
+          <a:ln w="38100" cap="flat">
             <a:solidFill>
               <a:srgbClr val="000000"/>
             </a:solidFill>
             <a:prstDash val="solid"/>
-            <a:headEnd type="none" len="sm" w="sm"/>
-            <a:tailEnd type="none" len="sm" w="sm"/>
+            <a:headEnd type="none" w="sm" len="sm"/>
+            <a:tailEnd type="none" w="sm" len="sm"/>
           </a:ln>
         </p:spPr>
       </p:sp>
@@ -8291,14 +10731,14 @@
   <p:clrMapOvr>
     <a:masterClrMapping/>
   </p:clrMapOvr>
-  <p:transition spd="fast">
+  <p:transition>
     <p:fade/>
   </p:transition>
 </p:sld>
 </file>
 
 <file path=ppt/slides/slide9.xml><?xml version="1.0" encoding="utf-8"?>
-<p:sld xmlns:p="http://schemas.openxmlformats.org/presentationml/2006/main" xmlns:a="http://schemas.openxmlformats.org/drawingml/2006/main" xmlns:r="http://schemas.openxmlformats.org/officeDocument/2006/relationships">
+<p:sld xmlns:a="http://schemas.openxmlformats.org/drawingml/2006/main" xmlns:r="http://schemas.openxmlformats.org/officeDocument/2006/relationships" xmlns:p="http://schemas.openxmlformats.org/presentationml/2006/main">
   <p:cSld>
     <p:spTree>
       <p:nvGrpSpPr>
@@ -8316,12 +10756,12 @@
       </p:grpSpPr>
       <p:sp>
         <p:nvSpPr>
-          <p:cNvPr name="Freeform 2" id="2"/>
+          <p:cNvPr id="2" name="Freeform 2"/>
           <p:cNvSpPr/>
           <p:nvPr/>
         </p:nvSpPr>
         <p:spPr>
-          <a:xfrm flipH="false" flipV="false" rot="-9679465">
+          <a:xfrm rot="-9679465">
             <a:off x="10792946" y="-1474141"/>
             <a:ext cx="13361552" cy="12496271"/>
           </a:xfrm>
@@ -8330,9 +10770,9 @@
             <a:gdLst/>
             <a:ahLst/>
             <a:cxnLst/>
-            <a:rect r="r" b="b" t="t" l="l"/>
+            <a:rect l="l" t="t" r="r" b="b"/>
             <a:pathLst>
-              <a:path h="12496271" w="13361552">
+              <a:path w="13361552" h="12496271">
                 <a:moveTo>
                   <a:pt x="0" y="0"/>
                 </a:moveTo>
@@ -8356,24 +10796,24 @@
             <a:blip r:embed="rId2">
               <a:extLst>
                 <a:ext uri="{96DAC541-7B7A-43D3-8B79-37D633B846F1}">
-                  <asvg:svgBlip xmlns:asvg="http://schemas.microsoft.com/office/drawing/2016/SVG/main" r:embed="rId3"/>
+                  <asvg:svgBlip xmlns:asvg="http://schemas.microsoft.com/office/drawing/2016/SVG/main" xmlns="" r:embed="rId3"/>
                 </a:ext>
               </a:extLst>
             </a:blip>
             <a:stretch>
-              <a:fillRect l="0" t="0" r="0" b="0"/>
+              <a:fillRect/>
             </a:stretch>
           </a:blipFill>
         </p:spPr>
       </p:sp>
       <p:sp>
         <p:nvSpPr>
-          <p:cNvPr name="Freeform 3" id="3"/>
+          <p:cNvPr id="3" name="Freeform 3"/>
           <p:cNvSpPr/>
           <p:nvPr/>
         </p:nvSpPr>
         <p:spPr>
-          <a:xfrm flipH="false" flipV="false" rot="8525631">
+          <a:xfrm rot="8525631">
             <a:off x="13688080" y="-1463251"/>
             <a:ext cx="5134469" cy="4801966"/>
           </a:xfrm>
@@ -8382,9 +10822,9 @@
             <a:gdLst/>
             <a:ahLst/>
             <a:cxnLst/>
-            <a:rect r="r" b="b" t="t" l="l"/>
+            <a:rect l="l" t="t" r="r" b="b"/>
             <a:pathLst>
-              <a:path h="4801966" w="5134469">
+              <a:path w="5134469" h="4801966">
                 <a:moveTo>
                   <a:pt x="0" y="0"/>
                 </a:moveTo>
@@ -8408,24 +10848,24 @@
             <a:blip r:embed="rId4">
               <a:extLst>
                 <a:ext uri="{96DAC541-7B7A-43D3-8B79-37D633B846F1}">
-                  <asvg:svgBlip xmlns:asvg="http://schemas.microsoft.com/office/drawing/2016/SVG/main" r:embed="rId5"/>
+                  <asvg:svgBlip xmlns:asvg="http://schemas.microsoft.com/office/drawing/2016/SVG/main" xmlns="" r:embed="rId5"/>
                 </a:ext>
               </a:extLst>
             </a:blip>
             <a:stretch>
-              <a:fillRect l="0" t="0" r="0" b="0"/>
+              <a:fillRect/>
             </a:stretch>
           </a:blipFill>
         </p:spPr>
       </p:sp>
       <p:sp>
         <p:nvSpPr>
-          <p:cNvPr name="Freeform 4" id="4"/>
+          <p:cNvPr id="4" name="Freeform 4"/>
           <p:cNvSpPr/>
           <p:nvPr/>
         </p:nvSpPr>
         <p:spPr>
-          <a:xfrm flipH="true" flipV="false" rot="3167773">
+          <a:xfrm rot="3167773" flipH="1">
             <a:off x="14372168" y="6346416"/>
             <a:ext cx="4961277" cy="4639990"/>
           </a:xfrm>
@@ -8434,9 +10874,9 @@
             <a:gdLst/>
             <a:ahLst/>
             <a:cxnLst/>
-            <a:rect r="r" b="b" t="t" l="l"/>
+            <a:rect l="l" t="t" r="r" b="b"/>
             <a:pathLst>
-              <a:path h="4639990" w="4961277">
+              <a:path w="4961277" h="4639990">
                 <a:moveTo>
                   <a:pt x="4961277" y="0"/>
                 </a:moveTo>
@@ -8460,24 +10900,24 @@
             <a:blip r:embed="rId4">
               <a:extLst>
                 <a:ext uri="{96DAC541-7B7A-43D3-8B79-37D633B846F1}">
-                  <asvg:svgBlip xmlns:asvg="http://schemas.microsoft.com/office/drawing/2016/SVG/main" r:embed="rId5"/>
+                  <asvg:svgBlip xmlns:asvg="http://schemas.microsoft.com/office/drawing/2016/SVG/main" xmlns="" r:embed="rId5"/>
                 </a:ext>
               </a:extLst>
             </a:blip>
             <a:stretch>
-              <a:fillRect l="0" t="0" r="0" b="0"/>
+              <a:fillRect/>
             </a:stretch>
           </a:blipFill>
         </p:spPr>
       </p:sp>
       <p:sp>
         <p:nvSpPr>
-          <p:cNvPr name="TextBox 5" id="5"/>
-          <p:cNvSpPr txBox="true"/>
-          <p:nvPr/>
-        </p:nvSpPr>
-        <p:spPr>
-          <a:xfrm rot="0">
+          <p:cNvPr id="5" name="TextBox 5"/>
+          <p:cNvSpPr txBox="1"/>
+          <p:nvPr/>
+        </p:nvSpPr>
+        <p:spPr>
+          <a:xfrm>
             <a:off x="1662099" y="2101684"/>
             <a:ext cx="9639812" cy="1181100"/>
           </a:xfrm>
@@ -8486,7 +10926,7 @@
           </a:prstGeom>
         </p:spPr>
         <p:txBody>
-          <a:bodyPr anchor="t" rtlCol="false" tIns="0" lIns="0" bIns="0" rIns="0">
+          <a:bodyPr lIns="0" tIns="0" rIns="0" bIns="0" rtlCol="0" anchor="t">
             <a:spAutoFit/>
           </a:bodyPr>
           <a:lstStyle/>
@@ -8510,12 +10950,12 @@
       </p:sp>
       <p:sp>
         <p:nvSpPr>
-          <p:cNvPr name="TextBox 6" id="6"/>
-          <p:cNvSpPr txBox="true"/>
-          <p:nvPr/>
-        </p:nvSpPr>
-        <p:spPr>
-          <a:xfrm rot="0">
+          <p:cNvPr id="6" name="TextBox 6"/>
+          <p:cNvSpPr txBox="1"/>
+          <p:nvPr/>
+        </p:nvSpPr>
+        <p:spPr>
+          <a:xfrm>
             <a:off x="1662099" y="3604017"/>
             <a:ext cx="9361385" cy="4939030"/>
           </a:xfrm>
@@ -8524,7 +10964,7 @@
           </a:prstGeom>
         </p:spPr>
         <p:txBody>
-          <a:bodyPr anchor="t" rtlCol="false" tIns="0" lIns="0" bIns="0" rIns="0">
+          <a:bodyPr lIns="0" tIns="0" rIns="0" bIns="0" rtlCol="0" anchor="t">
             <a:spAutoFit/>
           </a:bodyPr>
           <a:lstStyle/>
@@ -8610,7 +11050,7 @@
   <p:clrMapOvr>
     <a:masterClrMapping/>
   </p:clrMapOvr>
-  <p:transition spd="fast">
+  <p:transition>
     <p:fade/>
   </p:transition>
 </p:sld>

--- a/Whitebox testing dan Unit Test.pptx
+++ b/Whitebox testing dan Unit Test.pptx
@@ -21,29 +21,30 @@
     <p:sldId id="269" r:id="rId15"/>
     <p:sldId id="270" r:id="rId16"/>
     <p:sldId id="271" r:id="rId17"/>
-    <p:sldId id="272" r:id="rId18"/>
+    <p:sldId id="273" r:id="rId18"/>
+    <p:sldId id="272" r:id="rId19"/>
   </p:sldIdLst>
   <p:sldSz cx="18288000" cy="10287000"/>
   <p:notesSz cx="6858000" cy="9144000"/>
   <p:embeddedFontLst>
     <p:embeddedFont>
-      <p:font typeface="Magnolia Script" panose="020B0604020202020204" charset="0"/>
-      <p:regular r:id="rId19"/>
+      <p:font typeface="Open Sans" panose="020B0604020202020204" charset="0"/>
+      <p:regular r:id="rId20"/>
     </p:embeddedFont>
     <p:embeddedFont>
       <p:font typeface="Open Sans Bold" panose="020B0604020202020204" charset="0"/>
-      <p:regular r:id="rId20"/>
+      <p:regular r:id="rId21"/>
+    </p:embeddedFont>
+    <p:embeddedFont>
+      <p:font typeface="Magnolia Script" panose="020B0604020202020204" charset="0"/>
+      <p:regular r:id="rId22"/>
     </p:embeddedFont>
     <p:embeddedFont>
       <p:font typeface="Calibri" panose="020F0502020204030204" pitchFamily="34" charset="0"/>
-      <p:regular r:id="rId21"/>
-      <p:bold r:id="rId22"/>
-      <p:italic r:id="rId23"/>
-      <p:boldItalic r:id="rId24"/>
-    </p:embeddedFont>
-    <p:embeddedFont>
-      <p:font typeface="Open Sans" panose="020B0604020202020204" charset="0"/>
-      <p:regular r:id="rId25"/>
+      <p:regular r:id="rId23"/>
+      <p:bold r:id="rId24"/>
+      <p:italic r:id="rId25"/>
+      <p:boldItalic r:id="rId26"/>
     </p:embeddedFont>
   </p:embeddedFontLst>
   <p:defaultTextStyle>
@@ -342,7 +343,7 @@
             <a:fld id="{1D8BD707-D9CF-40AE-B4C6-C98DA3205C09}" type="datetimeFigureOut">
               <a:rPr lang="en-US" smtClean="0"/>
               <a:pPr/>
-              <a:t>11/3/2023</a:t>
+              <a:t>11/4/2023</a:t>
             </a:fld>
             <a:endParaRPr lang="en-US"/>
           </a:p>
@@ -509,7 +510,7 @@
             <a:fld id="{1D8BD707-D9CF-40AE-B4C6-C98DA3205C09}" type="datetimeFigureOut">
               <a:rPr lang="en-US" smtClean="0"/>
               <a:pPr/>
-              <a:t>11/3/2023</a:t>
+              <a:t>11/4/2023</a:t>
             </a:fld>
             <a:endParaRPr lang="en-US"/>
           </a:p>
@@ -686,7 +687,7 @@
             <a:fld id="{1D8BD707-D9CF-40AE-B4C6-C98DA3205C09}" type="datetimeFigureOut">
               <a:rPr lang="en-US" smtClean="0"/>
               <a:pPr/>
-              <a:t>11/3/2023</a:t>
+              <a:t>11/4/2023</a:t>
             </a:fld>
             <a:endParaRPr lang="en-US"/>
           </a:p>
@@ -853,7 +854,7 @@
             <a:fld id="{1D8BD707-D9CF-40AE-B4C6-C98DA3205C09}" type="datetimeFigureOut">
               <a:rPr lang="en-US" smtClean="0"/>
               <a:pPr/>
-              <a:t>11/3/2023</a:t>
+              <a:t>11/4/2023</a:t>
             </a:fld>
             <a:endParaRPr lang="en-US"/>
           </a:p>
@@ -1096,7 +1097,7 @@
             <a:fld id="{1D8BD707-D9CF-40AE-B4C6-C98DA3205C09}" type="datetimeFigureOut">
               <a:rPr lang="en-US" smtClean="0"/>
               <a:pPr/>
-              <a:t>11/3/2023</a:t>
+              <a:t>11/4/2023</a:t>
             </a:fld>
             <a:endParaRPr lang="en-US"/>
           </a:p>
@@ -1381,7 +1382,7 @@
             <a:fld id="{1D8BD707-D9CF-40AE-B4C6-C98DA3205C09}" type="datetimeFigureOut">
               <a:rPr lang="en-US" smtClean="0"/>
               <a:pPr/>
-              <a:t>11/3/2023</a:t>
+              <a:t>11/4/2023</a:t>
             </a:fld>
             <a:endParaRPr lang="en-US"/>
           </a:p>
@@ -1800,7 +1801,7 @@
             <a:fld id="{1D8BD707-D9CF-40AE-B4C6-C98DA3205C09}" type="datetimeFigureOut">
               <a:rPr lang="en-US" smtClean="0"/>
               <a:pPr/>
-              <a:t>11/3/2023</a:t>
+              <a:t>11/4/2023</a:t>
             </a:fld>
             <a:endParaRPr lang="en-US"/>
           </a:p>
@@ -1915,7 +1916,7 @@
             <a:fld id="{1D8BD707-D9CF-40AE-B4C6-C98DA3205C09}" type="datetimeFigureOut">
               <a:rPr lang="en-US" smtClean="0"/>
               <a:pPr/>
-              <a:t>11/3/2023</a:t>
+              <a:t>11/4/2023</a:t>
             </a:fld>
             <a:endParaRPr lang="en-US"/>
           </a:p>
@@ -2007,7 +2008,7 @@
             <a:fld id="{1D8BD707-D9CF-40AE-B4C6-C98DA3205C09}" type="datetimeFigureOut">
               <a:rPr lang="en-US" smtClean="0"/>
               <a:pPr/>
-              <a:t>11/3/2023</a:t>
+              <a:t>11/4/2023</a:t>
             </a:fld>
             <a:endParaRPr lang="en-US"/>
           </a:p>
@@ -2281,7 +2282,7 @@
             <a:fld id="{1D8BD707-D9CF-40AE-B4C6-C98DA3205C09}" type="datetimeFigureOut">
               <a:rPr lang="en-US" smtClean="0"/>
               <a:pPr/>
-              <a:t>11/3/2023</a:t>
+              <a:t>11/4/2023</a:t>
             </a:fld>
             <a:endParaRPr lang="en-US"/>
           </a:p>
@@ -2531,7 +2532,7 @@
             <a:fld id="{1D8BD707-D9CF-40AE-B4C6-C98DA3205C09}" type="datetimeFigureOut">
               <a:rPr lang="en-US" smtClean="0"/>
               <a:pPr/>
-              <a:t>11/3/2023</a:t>
+              <a:t>11/4/2023</a:t>
             </a:fld>
             <a:endParaRPr lang="en-US"/>
           </a:p>
@@ -2741,7 +2742,7 @@
             <a:fld id="{1D8BD707-D9CF-40AE-B4C6-C98DA3205C09}" type="datetimeFigureOut">
               <a:rPr lang="en-US" smtClean="0"/>
               <a:pPr/>
-              <a:t>11/3/2023</a:t>
+              <a:t>11/4/2023</a:t>
             </a:fld>
             <a:endParaRPr lang="en-US"/>
           </a:p>
@@ -3154,7 +3155,7 @@
             <a:blip r:embed="rId2">
               <a:extLst>
                 <a:ext uri="{96DAC541-7B7A-43D3-8B79-37D633B846F1}">
-                  <asvg:svgBlip xmlns:asvg="http://schemas.microsoft.com/office/drawing/2016/SVG/main" xmlns="" r:embed="rId3"/>
+                  <asvg:svgBlip xmlns="" xmlns:asvg="http://schemas.microsoft.com/office/drawing/2016/SVG/main" r:embed="rId3"/>
                 </a:ext>
               </a:extLst>
             </a:blip>
@@ -3206,7 +3207,7 @@
             <a:blip r:embed="rId2">
               <a:extLst>
                 <a:ext uri="{96DAC541-7B7A-43D3-8B79-37D633B846F1}">
-                  <asvg:svgBlip xmlns:asvg="http://schemas.microsoft.com/office/drawing/2016/SVG/main" xmlns="" r:embed="rId3"/>
+                  <asvg:svgBlip xmlns="" xmlns:asvg="http://schemas.microsoft.com/office/drawing/2016/SVG/main" r:embed="rId3"/>
                 </a:ext>
               </a:extLst>
             </a:blip>
@@ -3258,7 +3259,7 @@
             <a:blip r:embed="rId4">
               <a:extLst>
                 <a:ext uri="{96DAC541-7B7A-43D3-8B79-37D633B846F1}">
-                  <asvg:svgBlip xmlns:asvg="http://schemas.microsoft.com/office/drawing/2016/SVG/main" xmlns="" r:embed="rId5"/>
+                  <asvg:svgBlip xmlns="" xmlns:asvg="http://schemas.microsoft.com/office/drawing/2016/SVG/main" r:embed="rId5"/>
                 </a:ext>
               </a:extLst>
             </a:blip>
@@ -3310,7 +3311,7 @@
             <a:blip r:embed="rId4">
               <a:extLst>
                 <a:ext uri="{96DAC541-7B7A-43D3-8B79-37D633B846F1}">
-                  <asvg:svgBlip xmlns:asvg="http://schemas.microsoft.com/office/drawing/2016/SVG/main" xmlns="" r:embed="rId5"/>
+                  <asvg:svgBlip xmlns="" xmlns:asvg="http://schemas.microsoft.com/office/drawing/2016/SVG/main" r:embed="rId5"/>
                 </a:ext>
               </a:extLst>
             </a:blip>
@@ -3463,7 +3464,7 @@
             <a:blip r:embed="rId2">
               <a:extLst>
                 <a:ext uri="{96DAC541-7B7A-43D3-8B79-37D633B846F1}">
-                  <asvg:svgBlip xmlns:asvg="http://schemas.microsoft.com/office/drawing/2016/SVG/main" xmlns="" r:embed="rId3"/>
+                  <asvg:svgBlip xmlns="" xmlns:asvg="http://schemas.microsoft.com/office/drawing/2016/SVG/main" r:embed="rId3"/>
                 </a:ext>
               </a:extLst>
             </a:blip>
@@ -3515,7 +3516,7 @@
             <a:blip r:embed="rId4">
               <a:extLst>
                 <a:ext uri="{96DAC541-7B7A-43D3-8B79-37D633B846F1}">
-                  <asvg:svgBlip xmlns:asvg="http://schemas.microsoft.com/office/drawing/2016/SVG/main" xmlns="" r:embed="rId5"/>
+                  <asvg:svgBlip xmlns="" xmlns:asvg="http://schemas.microsoft.com/office/drawing/2016/SVG/main" r:embed="rId5"/>
                 </a:ext>
               </a:extLst>
             </a:blip>
@@ -3567,7 +3568,7 @@
             <a:blip r:embed="rId2">
               <a:extLst>
                 <a:ext uri="{96DAC541-7B7A-43D3-8B79-37D633B846F1}">
-                  <asvg:svgBlip xmlns:asvg="http://schemas.microsoft.com/office/drawing/2016/SVG/main" xmlns="" r:embed="rId3"/>
+                  <asvg:svgBlip xmlns="" xmlns:asvg="http://schemas.microsoft.com/office/drawing/2016/SVG/main" r:embed="rId3"/>
                 </a:ext>
               </a:extLst>
             </a:blip>
@@ -3619,7 +3620,7 @@
             <a:blip r:embed="rId4">
               <a:extLst>
                 <a:ext uri="{96DAC541-7B7A-43D3-8B79-37D633B846F1}">
-                  <asvg:svgBlip xmlns:asvg="http://schemas.microsoft.com/office/drawing/2016/SVG/main" xmlns="" r:embed="rId5"/>
+                  <asvg:svgBlip xmlns="" xmlns:asvg="http://schemas.microsoft.com/office/drawing/2016/SVG/main" r:embed="rId5"/>
                 </a:ext>
               </a:extLst>
             </a:blip>
@@ -3869,7 +3870,7 @@
             <a:blip r:embed="rId2">
               <a:extLst>
                 <a:ext uri="{96DAC541-7B7A-43D3-8B79-37D633B846F1}">
-                  <asvg:svgBlip xmlns:asvg="http://schemas.microsoft.com/office/drawing/2016/SVG/main" xmlns="" r:embed="rId3"/>
+                  <asvg:svgBlip xmlns="" xmlns:asvg="http://schemas.microsoft.com/office/drawing/2016/SVG/main" r:embed="rId3"/>
                 </a:ext>
               </a:extLst>
             </a:blip>
@@ -4087,7 +4088,7 @@
             <a:blip r:embed="rId4">
               <a:extLst>
                 <a:ext uri="{96DAC541-7B7A-43D3-8B79-37D633B846F1}">
-                  <asvg:svgBlip xmlns:asvg="http://schemas.microsoft.com/office/drawing/2016/SVG/main" xmlns="" r:embed="rId5"/>
+                  <asvg:svgBlip xmlns="" xmlns:asvg="http://schemas.microsoft.com/office/drawing/2016/SVG/main" r:embed="rId5"/>
                 </a:ext>
               </a:extLst>
             </a:blip>
@@ -4139,7 +4140,7 @@
             <a:blip r:embed="rId6">
               <a:extLst>
                 <a:ext uri="{96DAC541-7B7A-43D3-8B79-37D633B846F1}">
-                  <asvg:svgBlip xmlns:asvg="http://schemas.microsoft.com/office/drawing/2016/SVG/main" xmlns="" r:embed="rId7"/>
+                  <asvg:svgBlip xmlns="" xmlns:asvg="http://schemas.microsoft.com/office/drawing/2016/SVG/main" r:embed="rId7"/>
                 </a:ext>
               </a:extLst>
             </a:blip>
@@ -4953,7 +4954,7 @@
             <a:blip r:embed="rId2">
               <a:extLst>
                 <a:ext uri="{96DAC541-7B7A-43D3-8B79-37D633B846F1}">
-                  <asvg:svgBlip xmlns:asvg="http://schemas.microsoft.com/office/drawing/2016/SVG/main" xmlns="" r:embed="rId3"/>
+                  <asvg:svgBlip xmlns="" xmlns:asvg="http://schemas.microsoft.com/office/drawing/2016/SVG/main" r:embed="rId3"/>
                 </a:ext>
               </a:extLst>
             </a:blip>
@@ -5005,7 +5006,7 @@
             <a:blip r:embed="rId4">
               <a:extLst>
                 <a:ext uri="{96DAC541-7B7A-43D3-8B79-37D633B846F1}">
-                  <asvg:svgBlip xmlns:asvg="http://schemas.microsoft.com/office/drawing/2016/SVG/main" xmlns="" r:embed="rId5"/>
+                  <asvg:svgBlip xmlns="" xmlns:asvg="http://schemas.microsoft.com/office/drawing/2016/SVG/main" r:embed="rId5"/>
                 </a:ext>
               </a:extLst>
             </a:blip>
@@ -5057,7 +5058,7 @@
             <a:blip r:embed="rId6">
               <a:extLst>
                 <a:ext uri="{96DAC541-7B7A-43D3-8B79-37D633B846F1}">
-                  <asvg:svgBlip xmlns:asvg="http://schemas.microsoft.com/office/drawing/2016/SVG/main" xmlns="" r:embed="rId7"/>
+                  <asvg:svgBlip xmlns="" xmlns:asvg="http://schemas.microsoft.com/office/drawing/2016/SVG/main" r:embed="rId7"/>
                 </a:ext>
               </a:extLst>
             </a:blip>
@@ -5109,7 +5110,7 @@
             <a:blip r:embed="rId8">
               <a:extLst>
                 <a:ext uri="{96DAC541-7B7A-43D3-8B79-37D633B846F1}">
-                  <asvg:svgBlip xmlns:asvg="http://schemas.microsoft.com/office/drawing/2016/SVG/main" xmlns="" r:embed="rId9"/>
+                  <asvg:svgBlip xmlns="" xmlns:asvg="http://schemas.microsoft.com/office/drawing/2016/SVG/main" r:embed="rId9"/>
                 </a:ext>
               </a:extLst>
             </a:blip>
@@ -5256,7 +5257,7 @@
             <a:blip r:embed="rId2">
               <a:extLst>
                 <a:ext uri="{96DAC541-7B7A-43D3-8B79-37D633B846F1}">
-                  <asvg:svgBlip xmlns:asvg="http://schemas.microsoft.com/office/drawing/2016/SVG/main" xmlns="" r:embed="rId3"/>
+                  <asvg:svgBlip xmlns="" xmlns:asvg="http://schemas.microsoft.com/office/drawing/2016/SVG/main" r:embed="rId3"/>
                 </a:ext>
               </a:extLst>
             </a:blip>
@@ -5308,7 +5309,7 @@
             <a:blip r:embed="rId2">
               <a:extLst>
                 <a:ext uri="{96DAC541-7B7A-43D3-8B79-37D633B846F1}">
-                  <asvg:svgBlip xmlns:asvg="http://schemas.microsoft.com/office/drawing/2016/SVG/main" xmlns="" r:embed="rId3"/>
+                  <asvg:svgBlip xmlns="" xmlns:asvg="http://schemas.microsoft.com/office/drawing/2016/SVG/main" r:embed="rId3"/>
                 </a:ext>
               </a:extLst>
             </a:blip>
@@ -5360,7 +5361,7 @@
             <a:blip r:embed="rId2">
               <a:extLst>
                 <a:ext uri="{96DAC541-7B7A-43D3-8B79-37D633B846F1}">
-                  <asvg:svgBlip xmlns:asvg="http://schemas.microsoft.com/office/drawing/2016/SVG/main" xmlns="" r:embed="rId3"/>
+                  <asvg:svgBlip xmlns="" xmlns:asvg="http://schemas.microsoft.com/office/drawing/2016/SVG/main" r:embed="rId3"/>
                 </a:ext>
               </a:extLst>
             </a:blip>
@@ -5412,7 +5413,7 @@
             <a:blip r:embed="rId2">
               <a:extLst>
                 <a:ext uri="{96DAC541-7B7A-43D3-8B79-37D633B846F1}">
-                  <asvg:svgBlip xmlns:asvg="http://schemas.microsoft.com/office/drawing/2016/SVG/main" xmlns="" r:embed="rId3"/>
+                  <asvg:svgBlip xmlns="" xmlns:asvg="http://schemas.microsoft.com/office/drawing/2016/SVG/main" r:embed="rId3"/>
                 </a:ext>
               </a:extLst>
             </a:blip>
@@ -5464,7 +5465,7 @@
             <a:blip r:embed="rId2">
               <a:extLst>
                 <a:ext uri="{96DAC541-7B7A-43D3-8B79-37D633B846F1}">
-                  <asvg:svgBlip xmlns:asvg="http://schemas.microsoft.com/office/drawing/2016/SVG/main" xmlns="" r:embed="rId3"/>
+                  <asvg:svgBlip xmlns="" xmlns:asvg="http://schemas.microsoft.com/office/drawing/2016/SVG/main" r:embed="rId3"/>
                 </a:ext>
               </a:extLst>
             </a:blip>
@@ -5516,7 +5517,7 @@
             <a:blip r:embed="rId4">
               <a:extLst>
                 <a:ext uri="{96DAC541-7B7A-43D3-8B79-37D633B846F1}">
-                  <asvg:svgBlip xmlns:asvg="http://schemas.microsoft.com/office/drawing/2016/SVG/main" xmlns="" r:embed="rId5"/>
+                  <asvg:svgBlip xmlns="" xmlns:asvg="http://schemas.microsoft.com/office/drawing/2016/SVG/main" r:embed="rId5"/>
                 </a:ext>
               </a:extLst>
             </a:blip>
@@ -5727,7 +5728,7 @@
             <a:blip r:embed="rId2">
               <a:extLst>
                 <a:ext uri="{96DAC541-7B7A-43D3-8B79-37D633B846F1}">
-                  <asvg:svgBlip xmlns:asvg="http://schemas.microsoft.com/office/drawing/2016/SVG/main" xmlns="" r:embed="rId3"/>
+                  <asvg:svgBlip xmlns="" xmlns:asvg="http://schemas.microsoft.com/office/drawing/2016/SVG/main" r:embed="rId3"/>
                 </a:ext>
               </a:extLst>
             </a:blip>
@@ -5779,7 +5780,7 @@
             <a:blip r:embed="rId4">
               <a:extLst>
                 <a:ext uri="{96DAC541-7B7A-43D3-8B79-37D633B846F1}">
-                  <asvg:svgBlip xmlns:asvg="http://schemas.microsoft.com/office/drawing/2016/SVG/main" xmlns="" r:embed="rId5"/>
+                  <asvg:svgBlip xmlns="" xmlns:asvg="http://schemas.microsoft.com/office/drawing/2016/SVG/main" r:embed="rId5"/>
                 </a:ext>
               </a:extLst>
             </a:blip>
@@ -5831,7 +5832,7 @@
             <a:blip r:embed="rId4">
               <a:extLst>
                 <a:ext uri="{96DAC541-7B7A-43D3-8B79-37D633B846F1}">
-                  <asvg:svgBlip xmlns:asvg="http://schemas.microsoft.com/office/drawing/2016/SVG/main" xmlns="" r:embed="rId5"/>
+                  <asvg:svgBlip xmlns="" xmlns:asvg="http://schemas.microsoft.com/office/drawing/2016/SVG/main" r:embed="rId5"/>
                 </a:ext>
               </a:extLst>
             </a:blip>
@@ -6052,7 +6053,7 @@
             <a:blip r:embed="rId2">
               <a:extLst>
                 <a:ext uri="{96DAC541-7B7A-43D3-8B79-37D633B846F1}">
-                  <asvg:svgBlip xmlns:asvg="http://schemas.microsoft.com/office/drawing/2016/SVG/main" xmlns="" r:embed="rId3"/>
+                  <asvg:svgBlip xmlns="" xmlns:asvg="http://schemas.microsoft.com/office/drawing/2016/SVG/main" r:embed="rId3"/>
                 </a:ext>
               </a:extLst>
             </a:blip>
@@ -6104,7 +6105,7 @@
             <a:blip r:embed="rId2">
               <a:extLst>
                 <a:ext uri="{96DAC541-7B7A-43D3-8B79-37D633B846F1}">
-                  <asvg:svgBlip xmlns:asvg="http://schemas.microsoft.com/office/drawing/2016/SVG/main" xmlns="" r:embed="rId3"/>
+                  <asvg:svgBlip xmlns="" xmlns:asvg="http://schemas.microsoft.com/office/drawing/2016/SVG/main" r:embed="rId3"/>
                 </a:ext>
               </a:extLst>
             </a:blip>
@@ -6156,7 +6157,7 @@
             <a:blip r:embed="rId2">
               <a:extLst>
                 <a:ext uri="{96DAC541-7B7A-43D3-8B79-37D633B846F1}">
-                  <asvg:svgBlip xmlns:asvg="http://schemas.microsoft.com/office/drawing/2016/SVG/main" xmlns="" r:embed="rId3"/>
+                  <asvg:svgBlip xmlns="" xmlns:asvg="http://schemas.microsoft.com/office/drawing/2016/SVG/main" r:embed="rId3"/>
                 </a:ext>
               </a:extLst>
             </a:blip>
@@ -6208,7 +6209,7 @@
             <a:blip r:embed="rId2">
               <a:extLst>
                 <a:ext uri="{96DAC541-7B7A-43D3-8B79-37D633B846F1}">
-                  <asvg:svgBlip xmlns:asvg="http://schemas.microsoft.com/office/drawing/2016/SVG/main" xmlns="" r:embed="rId3"/>
+                  <asvg:svgBlip xmlns="" xmlns:asvg="http://schemas.microsoft.com/office/drawing/2016/SVG/main" r:embed="rId3"/>
                 </a:ext>
               </a:extLst>
             </a:blip>
@@ -6260,7 +6261,7 @@
             <a:blip r:embed="rId2">
               <a:extLst>
                 <a:ext uri="{96DAC541-7B7A-43D3-8B79-37D633B846F1}">
-                  <asvg:svgBlip xmlns:asvg="http://schemas.microsoft.com/office/drawing/2016/SVG/main" xmlns="" r:embed="rId3"/>
+                  <asvg:svgBlip xmlns="" xmlns:asvg="http://schemas.microsoft.com/office/drawing/2016/SVG/main" r:embed="rId3"/>
                 </a:ext>
               </a:extLst>
             </a:blip>
@@ -6312,7 +6313,7 @@
             <a:blip r:embed="rId4">
               <a:extLst>
                 <a:ext uri="{96DAC541-7B7A-43D3-8B79-37D633B846F1}">
-                  <asvg:svgBlip xmlns:asvg="http://schemas.microsoft.com/office/drawing/2016/SVG/main" xmlns="" r:embed="rId5"/>
+                  <asvg:svgBlip xmlns="" xmlns:asvg="http://schemas.microsoft.com/office/drawing/2016/SVG/main" r:embed="rId5"/>
                 </a:ext>
               </a:extLst>
             </a:blip>
@@ -6560,7 +6561,7 @@
             <a:blip r:embed="rId2">
               <a:extLst>
                 <a:ext uri="{96DAC541-7B7A-43D3-8B79-37D633B846F1}">
-                  <asvg:svgBlip xmlns:asvg="http://schemas.microsoft.com/office/drawing/2016/SVG/main" xmlns="" r:embed="rId3"/>
+                  <asvg:svgBlip xmlns="" xmlns:asvg="http://schemas.microsoft.com/office/drawing/2016/SVG/main" r:embed="rId3"/>
                 </a:ext>
               </a:extLst>
             </a:blip>
@@ -6612,7 +6613,7 @@
             <a:blip r:embed="rId4">
               <a:extLst>
                 <a:ext uri="{96DAC541-7B7A-43D3-8B79-37D633B846F1}">
-                  <asvg:svgBlip xmlns:asvg="http://schemas.microsoft.com/office/drawing/2016/SVG/main" xmlns="" r:embed="rId5"/>
+                  <asvg:svgBlip xmlns="" xmlns:asvg="http://schemas.microsoft.com/office/drawing/2016/SVG/main" r:embed="rId5"/>
                 </a:ext>
               </a:extLst>
             </a:blip>
@@ -6664,7 +6665,7 @@
             <a:blip r:embed="rId2">
               <a:extLst>
                 <a:ext uri="{96DAC541-7B7A-43D3-8B79-37D633B846F1}">
-                  <asvg:svgBlip xmlns:asvg="http://schemas.microsoft.com/office/drawing/2016/SVG/main" xmlns="" r:embed="rId3"/>
+                  <asvg:svgBlip xmlns="" xmlns:asvg="http://schemas.microsoft.com/office/drawing/2016/SVG/main" r:embed="rId3"/>
                 </a:ext>
               </a:extLst>
             </a:blip>
@@ -6716,7 +6717,7 @@
             <a:blip r:embed="rId4">
               <a:extLst>
                 <a:ext uri="{96DAC541-7B7A-43D3-8B79-37D633B846F1}">
-                  <asvg:svgBlip xmlns:asvg="http://schemas.microsoft.com/office/drawing/2016/SVG/main" xmlns="" r:embed="rId5"/>
+                  <asvg:svgBlip xmlns="" xmlns:asvg="http://schemas.microsoft.com/office/drawing/2016/SVG/main" r:embed="rId5"/>
                 </a:ext>
               </a:extLst>
             </a:blip>
@@ -6990,6 +6991,60 @@
           <a:chExt cx="0" cy="0"/>
         </a:xfrm>
       </p:grpSpPr>
+      <p:pic>
+        <p:nvPicPr>
+          <p:cNvPr id="2" name="Picture 1"/>
+          <p:cNvPicPr>
+            <a:picLocks noChangeAspect="1"/>
+          </p:cNvPicPr>
+          <p:nvPr/>
+        </p:nvPicPr>
+        <p:blipFill>
+          <a:blip r:embed="rId2"/>
+          <a:stretch>
+            <a:fillRect/>
+          </a:stretch>
+        </p:blipFill>
+        <p:spPr>
+          <a:xfrm>
+            <a:off x="255934" y="1166257"/>
+            <a:ext cx="17776131" cy="7954485"/>
+          </a:xfrm>
+          <a:prstGeom prst="rect">
+            <a:avLst/>
+          </a:prstGeom>
+        </p:spPr>
+      </p:pic>
+    </p:spTree>
+    <p:extLst>
+      <p:ext uri="{BB962C8B-B14F-4D97-AF65-F5344CB8AC3E}">
+        <p14:creationId xmlns:p14="http://schemas.microsoft.com/office/powerpoint/2010/main" val="3832966022"/>
+      </p:ext>
+    </p:extLst>
+  </p:cSld>
+  <p:clrMapOvr>
+    <a:masterClrMapping/>
+  </p:clrMapOvr>
+</p:sld>
+</file>
+
+<file path=ppt/slides/slide18.xml><?xml version="1.0" encoding="utf-8"?>
+<p:sld xmlns:a="http://schemas.openxmlformats.org/drawingml/2006/main" xmlns:r="http://schemas.openxmlformats.org/officeDocument/2006/relationships" xmlns:p="http://schemas.openxmlformats.org/presentationml/2006/main">
+  <p:cSld>
+    <p:spTree>
+      <p:nvGrpSpPr>
+        <p:cNvPr id="1" name=""/>
+        <p:cNvGrpSpPr/>
+        <p:nvPr/>
+      </p:nvGrpSpPr>
+      <p:grpSpPr>
+        <a:xfrm>
+          <a:off x="0" y="0"/>
+          <a:ext cx="0" cy="0"/>
+          <a:chOff x="0" y="0"/>
+          <a:chExt cx="0" cy="0"/>
+        </a:xfrm>
+      </p:grpSpPr>
       <p:sp>
         <p:nvSpPr>
           <p:cNvPr id="2" name="Freeform 2"/>
@@ -7032,7 +7087,7 @@
             <a:blip r:embed="rId2">
               <a:extLst>
                 <a:ext uri="{96DAC541-7B7A-43D3-8B79-37D633B846F1}">
-                  <asvg:svgBlip xmlns:asvg="http://schemas.microsoft.com/office/drawing/2016/SVG/main" xmlns="" r:embed="rId3"/>
+                  <asvg:svgBlip xmlns="" xmlns:asvg="http://schemas.microsoft.com/office/drawing/2016/SVG/main" r:embed="rId3"/>
                 </a:ext>
               </a:extLst>
             </a:blip>
@@ -7084,7 +7139,7 @@
             <a:blip r:embed="rId4">
               <a:extLst>
                 <a:ext uri="{96DAC541-7B7A-43D3-8B79-37D633B846F1}">
-                  <asvg:svgBlip xmlns:asvg="http://schemas.microsoft.com/office/drawing/2016/SVG/main" xmlns="" r:embed="rId5"/>
+                  <asvg:svgBlip xmlns="" xmlns:asvg="http://schemas.microsoft.com/office/drawing/2016/SVG/main" r:embed="rId5"/>
                 </a:ext>
               </a:extLst>
             </a:blip>
@@ -7136,7 +7191,7 @@
             <a:blip r:embed="rId6">
               <a:extLst>
                 <a:ext uri="{96DAC541-7B7A-43D3-8B79-37D633B846F1}">
-                  <asvg:svgBlip xmlns:asvg="http://schemas.microsoft.com/office/drawing/2016/SVG/main" xmlns="" r:embed="rId7"/>
+                  <asvg:svgBlip xmlns="" xmlns:asvg="http://schemas.microsoft.com/office/drawing/2016/SVG/main" r:embed="rId7"/>
                 </a:ext>
               </a:extLst>
             </a:blip>
@@ -7384,7 +7439,7 @@
             <a:blip r:embed="rId2">
               <a:extLst>
                 <a:ext uri="{96DAC541-7B7A-43D3-8B79-37D633B846F1}">
-                  <asvg:svgBlip xmlns:asvg="http://schemas.microsoft.com/office/drawing/2016/SVG/main" xmlns="" r:embed="rId3"/>
+                  <asvg:svgBlip xmlns="" xmlns:asvg="http://schemas.microsoft.com/office/drawing/2016/SVG/main" r:embed="rId3"/>
                 </a:ext>
               </a:extLst>
             </a:blip>
@@ -7436,7 +7491,7 @@
             <a:blip r:embed="rId4">
               <a:extLst>
                 <a:ext uri="{96DAC541-7B7A-43D3-8B79-37D633B846F1}">
-                  <asvg:svgBlip xmlns:asvg="http://schemas.microsoft.com/office/drawing/2016/SVG/main" xmlns="" r:embed="rId5"/>
+                  <asvg:svgBlip xmlns="" xmlns:asvg="http://schemas.microsoft.com/office/drawing/2016/SVG/main" r:embed="rId5"/>
                 </a:ext>
               </a:extLst>
             </a:blip>
@@ -7488,7 +7543,7 @@
             <a:blip r:embed="rId2">
               <a:extLst>
                 <a:ext uri="{96DAC541-7B7A-43D3-8B79-37D633B846F1}">
-                  <asvg:svgBlip xmlns:asvg="http://schemas.microsoft.com/office/drawing/2016/SVG/main" xmlns="" r:embed="rId3"/>
+                  <asvg:svgBlip xmlns="" xmlns:asvg="http://schemas.microsoft.com/office/drawing/2016/SVG/main" r:embed="rId3"/>
                 </a:ext>
               </a:extLst>
             </a:blip>
@@ -7540,7 +7595,7 @@
             <a:blip r:embed="rId4">
               <a:extLst>
                 <a:ext uri="{96DAC541-7B7A-43D3-8B79-37D633B846F1}">
-                  <asvg:svgBlip xmlns:asvg="http://schemas.microsoft.com/office/drawing/2016/SVG/main" xmlns="" r:embed="rId5"/>
+                  <asvg:svgBlip xmlns="" xmlns:asvg="http://schemas.microsoft.com/office/drawing/2016/SVG/main" r:embed="rId5"/>
                 </a:ext>
               </a:extLst>
             </a:blip>
@@ -7703,7 +7758,7 @@
               <a:blip r:embed="rId6">
                 <a:extLst>
                   <a:ext uri="{96DAC541-7B7A-43D3-8B79-37D633B846F1}">
-                    <asvg:svgBlip xmlns:asvg="http://schemas.microsoft.com/office/drawing/2016/SVG/main" xmlns="" r:embed="rId7"/>
+                    <asvg:svgBlip xmlns="" xmlns:asvg="http://schemas.microsoft.com/office/drawing/2016/SVG/main" r:embed="rId7"/>
                   </a:ext>
                 </a:extLst>
               </a:blip>
@@ -7867,7 +7922,7 @@
               <a:blip r:embed="rId6">
                 <a:extLst>
                   <a:ext uri="{96DAC541-7B7A-43D3-8B79-37D633B846F1}">
-                    <asvg:svgBlip xmlns:asvg="http://schemas.microsoft.com/office/drawing/2016/SVG/main" xmlns="" r:embed="rId7"/>
+                    <asvg:svgBlip xmlns="" xmlns:asvg="http://schemas.microsoft.com/office/drawing/2016/SVG/main" r:embed="rId7"/>
                   </a:ext>
                 </a:extLst>
               </a:blip>
@@ -8062,7 +8117,7 @@
             <a:blip r:embed="rId2">
               <a:extLst>
                 <a:ext uri="{96DAC541-7B7A-43D3-8B79-37D633B846F1}">
-                  <asvg:svgBlip xmlns:asvg="http://schemas.microsoft.com/office/drawing/2016/SVG/main" xmlns="" r:embed="rId3"/>
+                  <asvg:svgBlip xmlns="" xmlns:asvg="http://schemas.microsoft.com/office/drawing/2016/SVG/main" r:embed="rId3"/>
                 </a:ext>
               </a:extLst>
             </a:blip>
@@ -8114,7 +8169,7 @@
             <a:blip r:embed="rId4">
               <a:extLst>
                 <a:ext uri="{96DAC541-7B7A-43D3-8B79-37D633B846F1}">
-                  <asvg:svgBlip xmlns:asvg="http://schemas.microsoft.com/office/drawing/2016/SVG/main" xmlns="" r:embed="rId5"/>
+                  <asvg:svgBlip xmlns="" xmlns:asvg="http://schemas.microsoft.com/office/drawing/2016/SVG/main" r:embed="rId5"/>
                 </a:ext>
               </a:extLst>
             </a:blip>
@@ -8166,7 +8221,7 @@
             <a:blip r:embed="rId6">
               <a:extLst>
                 <a:ext uri="{96DAC541-7B7A-43D3-8B79-37D633B846F1}">
-                  <asvg:svgBlip xmlns:asvg="http://schemas.microsoft.com/office/drawing/2016/SVG/main" xmlns="" r:embed="rId7"/>
+                  <asvg:svgBlip xmlns="" xmlns:asvg="http://schemas.microsoft.com/office/drawing/2016/SVG/main" r:embed="rId7"/>
                 </a:ext>
               </a:extLst>
             </a:blip>
@@ -8218,7 +8273,7 @@
             <a:blip r:embed="rId8">
               <a:extLst>
                 <a:ext uri="{96DAC541-7B7A-43D3-8B79-37D633B846F1}">
-                  <asvg:svgBlip xmlns:asvg="http://schemas.microsoft.com/office/drawing/2016/SVG/main" xmlns="" r:embed="rId9"/>
+                  <asvg:svgBlip xmlns="" xmlns:asvg="http://schemas.microsoft.com/office/drawing/2016/SVG/main" r:embed="rId9"/>
                 </a:ext>
               </a:extLst>
             </a:blip>
@@ -8336,7 +8391,7 @@
             <a:blip r:embed="rId2">
               <a:extLst>
                 <a:ext uri="{96DAC541-7B7A-43D3-8B79-37D633B846F1}">
-                  <asvg:svgBlip xmlns:asvg="http://schemas.microsoft.com/office/drawing/2016/SVG/main" xmlns="" r:embed="rId3"/>
+                  <asvg:svgBlip xmlns="" xmlns:asvg="http://schemas.microsoft.com/office/drawing/2016/SVG/main" r:embed="rId3"/>
                 </a:ext>
               </a:extLst>
             </a:blip>
@@ -8388,7 +8443,7 @@
             <a:blip r:embed="rId2">
               <a:extLst>
                 <a:ext uri="{96DAC541-7B7A-43D3-8B79-37D633B846F1}">
-                  <asvg:svgBlip xmlns:asvg="http://schemas.microsoft.com/office/drawing/2016/SVG/main" xmlns="" r:embed="rId3"/>
+                  <asvg:svgBlip xmlns="" xmlns:asvg="http://schemas.microsoft.com/office/drawing/2016/SVG/main" r:embed="rId3"/>
                 </a:ext>
               </a:extLst>
             </a:blip>
@@ -8440,7 +8495,7 @@
             <a:blip r:embed="rId2">
               <a:extLst>
                 <a:ext uri="{96DAC541-7B7A-43D3-8B79-37D633B846F1}">
-                  <asvg:svgBlip xmlns:asvg="http://schemas.microsoft.com/office/drawing/2016/SVG/main" xmlns="" r:embed="rId3"/>
+                  <asvg:svgBlip xmlns="" xmlns:asvg="http://schemas.microsoft.com/office/drawing/2016/SVG/main" r:embed="rId3"/>
                 </a:ext>
               </a:extLst>
             </a:blip>
@@ -8492,7 +8547,7 @@
             <a:blip r:embed="rId2">
               <a:extLst>
                 <a:ext uri="{96DAC541-7B7A-43D3-8B79-37D633B846F1}">
-                  <asvg:svgBlip xmlns:asvg="http://schemas.microsoft.com/office/drawing/2016/SVG/main" xmlns="" r:embed="rId3"/>
+                  <asvg:svgBlip xmlns="" xmlns:asvg="http://schemas.microsoft.com/office/drawing/2016/SVG/main" r:embed="rId3"/>
                 </a:ext>
               </a:extLst>
             </a:blip>
@@ -8544,7 +8599,7 @@
             <a:blip r:embed="rId2">
               <a:extLst>
                 <a:ext uri="{96DAC541-7B7A-43D3-8B79-37D633B846F1}">
-                  <asvg:svgBlip xmlns:asvg="http://schemas.microsoft.com/office/drawing/2016/SVG/main" xmlns="" r:embed="rId3"/>
+                  <asvg:svgBlip xmlns="" xmlns:asvg="http://schemas.microsoft.com/office/drawing/2016/SVG/main" r:embed="rId3"/>
                 </a:ext>
               </a:extLst>
             </a:blip>
@@ -8596,7 +8651,7 @@
             <a:blip r:embed="rId4">
               <a:extLst>
                 <a:ext uri="{96DAC541-7B7A-43D3-8B79-37D633B846F1}">
-                  <asvg:svgBlip xmlns:asvg="http://schemas.microsoft.com/office/drawing/2016/SVG/main" xmlns="" r:embed="rId5"/>
+                  <asvg:svgBlip xmlns="" xmlns:asvg="http://schemas.microsoft.com/office/drawing/2016/SVG/main" r:embed="rId5"/>
                 </a:ext>
               </a:extLst>
             </a:blip>
@@ -8884,7 +8939,7 @@
             <a:blip r:embed="rId2">
               <a:extLst>
                 <a:ext uri="{96DAC541-7B7A-43D3-8B79-37D633B846F1}">
-                  <asvg:svgBlip xmlns:asvg="http://schemas.microsoft.com/office/drawing/2016/SVG/main" xmlns="" r:embed="rId3"/>
+                  <asvg:svgBlip xmlns="" xmlns:asvg="http://schemas.microsoft.com/office/drawing/2016/SVG/main" r:embed="rId3"/>
                 </a:ext>
               </a:extLst>
             </a:blip>
@@ -8936,7 +8991,7 @@
             <a:blip r:embed="rId2">
               <a:extLst>
                 <a:ext uri="{96DAC541-7B7A-43D3-8B79-37D633B846F1}">
-                  <asvg:svgBlip xmlns:asvg="http://schemas.microsoft.com/office/drawing/2016/SVG/main" xmlns="" r:embed="rId3"/>
+                  <asvg:svgBlip xmlns="" xmlns:asvg="http://schemas.microsoft.com/office/drawing/2016/SVG/main" r:embed="rId3"/>
                 </a:ext>
               </a:extLst>
             </a:blip>
@@ -8988,7 +9043,7 @@
             <a:blip r:embed="rId2">
               <a:extLst>
                 <a:ext uri="{96DAC541-7B7A-43D3-8B79-37D633B846F1}">
-                  <asvg:svgBlip xmlns:asvg="http://schemas.microsoft.com/office/drawing/2016/SVG/main" xmlns="" r:embed="rId3"/>
+                  <asvg:svgBlip xmlns="" xmlns:asvg="http://schemas.microsoft.com/office/drawing/2016/SVG/main" r:embed="rId3"/>
                 </a:ext>
               </a:extLst>
             </a:blip>
@@ -9040,7 +9095,7 @@
             <a:blip r:embed="rId2">
               <a:extLst>
                 <a:ext uri="{96DAC541-7B7A-43D3-8B79-37D633B846F1}">
-                  <asvg:svgBlip xmlns:asvg="http://schemas.microsoft.com/office/drawing/2016/SVG/main" xmlns="" r:embed="rId3"/>
+                  <asvg:svgBlip xmlns="" xmlns:asvg="http://schemas.microsoft.com/office/drawing/2016/SVG/main" r:embed="rId3"/>
                 </a:ext>
               </a:extLst>
             </a:blip>
@@ -9092,7 +9147,7 @@
             <a:blip r:embed="rId2">
               <a:extLst>
                 <a:ext uri="{96DAC541-7B7A-43D3-8B79-37D633B846F1}">
-                  <asvg:svgBlip xmlns:asvg="http://schemas.microsoft.com/office/drawing/2016/SVG/main" xmlns="" r:embed="rId3"/>
+                  <asvg:svgBlip xmlns="" xmlns:asvg="http://schemas.microsoft.com/office/drawing/2016/SVG/main" r:embed="rId3"/>
                 </a:ext>
               </a:extLst>
             </a:blip>
@@ -9144,7 +9199,7 @@
             <a:blip r:embed="rId4">
               <a:extLst>
                 <a:ext uri="{96DAC541-7B7A-43D3-8B79-37D633B846F1}">
-                  <asvg:svgBlip xmlns:asvg="http://schemas.microsoft.com/office/drawing/2016/SVG/main" xmlns="" r:embed="rId5"/>
+                  <asvg:svgBlip xmlns="" xmlns:asvg="http://schemas.microsoft.com/office/drawing/2016/SVG/main" r:embed="rId5"/>
                 </a:ext>
               </a:extLst>
             </a:blip>
@@ -9435,7 +9490,7 @@
             <a:blip r:embed="rId2">
               <a:extLst>
                 <a:ext uri="{96DAC541-7B7A-43D3-8B79-37D633B846F1}">
-                  <asvg:svgBlip xmlns:asvg="http://schemas.microsoft.com/office/drawing/2016/SVG/main" xmlns="" r:embed="rId3"/>
+                  <asvg:svgBlip xmlns="" xmlns:asvg="http://schemas.microsoft.com/office/drawing/2016/SVG/main" r:embed="rId3"/>
                 </a:ext>
               </a:extLst>
             </a:blip>
@@ -9550,7 +9605,7 @@
             <a:blip r:embed="rId4">
               <a:extLst>
                 <a:ext uri="{96DAC541-7B7A-43D3-8B79-37D633B846F1}">
-                  <asvg:svgBlip xmlns:asvg="http://schemas.microsoft.com/office/drawing/2016/SVG/main" xmlns="" r:embed="rId5"/>
+                  <asvg:svgBlip xmlns="" xmlns:asvg="http://schemas.microsoft.com/office/drawing/2016/SVG/main" r:embed="rId5"/>
                 </a:ext>
               </a:extLst>
             </a:blip>
@@ -9714,7 +9769,7 @@
             <a:blip r:embed="rId2">
               <a:extLst>
                 <a:ext uri="{96DAC541-7B7A-43D3-8B79-37D633B846F1}">
-                  <asvg:svgBlip xmlns:asvg="http://schemas.microsoft.com/office/drawing/2016/SVG/main" xmlns="" r:embed="rId3"/>
+                  <asvg:svgBlip xmlns="" xmlns:asvg="http://schemas.microsoft.com/office/drawing/2016/SVG/main" r:embed="rId3"/>
                 </a:ext>
               </a:extLst>
             </a:blip>
@@ -10091,7 +10146,7 @@
             <a:blip r:embed="rId2">
               <a:extLst>
                 <a:ext uri="{96DAC541-7B7A-43D3-8B79-37D633B846F1}">
-                  <asvg:svgBlip xmlns:asvg="http://schemas.microsoft.com/office/drawing/2016/SVG/main" xmlns="" r:embed="rId3"/>
+                  <asvg:svgBlip xmlns="" xmlns:asvg="http://schemas.microsoft.com/office/drawing/2016/SVG/main" r:embed="rId3"/>
                 </a:ext>
               </a:extLst>
             </a:blip>
@@ -10143,7 +10198,7 @@
             <a:blip r:embed="rId2">
               <a:extLst>
                 <a:ext uri="{96DAC541-7B7A-43D3-8B79-37D633B846F1}">
-                  <asvg:svgBlip xmlns:asvg="http://schemas.microsoft.com/office/drawing/2016/SVG/main" xmlns="" r:embed="rId3"/>
+                  <asvg:svgBlip xmlns="" xmlns:asvg="http://schemas.microsoft.com/office/drawing/2016/SVG/main" r:embed="rId3"/>
                 </a:ext>
               </a:extLst>
             </a:blip>
@@ -10195,7 +10250,7 @@
             <a:blip r:embed="rId2">
               <a:extLst>
                 <a:ext uri="{96DAC541-7B7A-43D3-8B79-37D633B846F1}">
-                  <asvg:svgBlip xmlns:asvg="http://schemas.microsoft.com/office/drawing/2016/SVG/main" xmlns="" r:embed="rId3"/>
+                  <asvg:svgBlip xmlns="" xmlns:asvg="http://schemas.microsoft.com/office/drawing/2016/SVG/main" r:embed="rId3"/>
                 </a:ext>
               </a:extLst>
             </a:blip>
@@ -10247,7 +10302,7 @@
             <a:blip r:embed="rId2">
               <a:extLst>
                 <a:ext uri="{96DAC541-7B7A-43D3-8B79-37D633B846F1}">
-                  <asvg:svgBlip xmlns:asvg="http://schemas.microsoft.com/office/drawing/2016/SVG/main" xmlns="" r:embed="rId3"/>
+                  <asvg:svgBlip xmlns="" xmlns:asvg="http://schemas.microsoft.com/office/drawing/2016/SVG/main" r:embed="rId3"/>
                 </a:ext>
               </a:extLst>
             </a:blip>
@@ -10299,7 +10354,7 @@
             <a:blip r:embed="rId2">
               <a:extLst>
                 <a:ext uri="{96DAC541-7B7A-43D3-8B79-37D633B846F1}">
-                  <asvg:svgBlip xmlns:asvg="http://schemas.microsoft.com/office/drawing/2016/SVG/main" xmlns="" r:embed="rId3"/>
+                  <asvg:svgBlip xmlns="" xmlns:asvg="http://schemas.microsoft.com/office/drawing/2016/SVG/main" r:embed="rId3"/>
                 </a:ext>
               </a:extLst>
             </a:blip>
@@ -10351,7 +10406,7 @@
             <a:blip r:embed="rId4">
               <a:extLst>
                 <a:ext uri="{96DAC541-7B7A-43D3-8B79-37D633B846F1}">
-                  <asvg:svgBlip xmlns:asvg="http://schemas.microsoft.com/office/drawing/2016/SVG/main" xmlns="" r:embed="rId5"/>
+                  <asvg:svgBlip xmlns="" xmlns:asvg="http://schemas.microsoft.com/office/drawing/2016/SVG/main" r:embed="rId5"/>
                 </a:ext>
               </a:extLst>
             </a:blip>
@@ -10796,7 +10851,7 @@
             <a:blip r:embed="rId2">
               <a:extLst>
                 <a:ext uri="{96DAC541-7B7A-43D3-8B79-37D633B846F1}">
-                  <asvg:svgBlip xmlns:asvg="http://schemas.microsoft.com/office/drawing/2016/SVG/main" xmlns="" r:embed="rId3"/>
+                  <asvg:svgBlip xmlns="" xmlns:asvg="http://schemas.microsoft.com/office/drawing/2016/SVG/main" r:embed="rId3"/>
                 </a:ext>
               </a:extLst>
             </a:blip>
@@ -10848,7 +10903,7 @@
             <a:blip r:embed="rId4">
               <a:extLst>
                 <a:ext uri="{96DAC541-7B7A-43D3-8B79-37D633B846F1}">
-                  <asvg:svgBlip xmlns:asvg="http://schemas.microsoft.com/office/drawing/2016/SVG/main" xmlns="" r:embed="rId5"/>
+                  <asvg:svgBlip xmlns="" xmlns:asvg="http://schemas.microsoft.com/office/drawing/2016/SVG/main" r:embed="rId5"/>
                 </a:ext>
               </a:extLst>
             </a:blip>
@@ -10900,7 +10955,7 @@
             <a:blip r:embed="rId4">
               <a:extLst>
                 <a:ext uri="{96DAC541-7B7A-43D3-8B79-37D633B846F1}">
-                  <asvg:svgBlip xmlns:asvg="http://schemas.microsoft.com/office/drawing/2016/SVG/main" xmlns="" r:embed="rId5"/>
+                  <asvg:svgBlip xmlns="" xmlns:asvg="http://schemas.microsoft.com/office/drawing/2016/SVG/main" r:embed="rId5"/>
                 </a:ext>
               </a:extLst>
             </a:blip>

--- a/Whitebox testing dan Unit Test.pptx
+++ b/Whitebox testing dan Unit Test.pptx
@@ -32,11 +32,11 @@
       <p:regular r:id="rId20"/>
     </p:embeddedFont>
     <p:embeddedFont>
-      <p:font typeface="Open Sans Bold" panose="020B0604020202020204" charset="0"/>
+      <p:font typeface="Magnolia Script" panose="020B0604020202020204" charset="0"/>
       <p:regular r:id="rId21"/>
     </p:embeddedFont>
     <p:embeddedFont>
-      <p:font typeface="Magnolia Script" panose="020B0604020202020204" charset="0"/>
+      <p:font typeface="Open Sans Bold" panose="020B0604020202020204" charset="0"/>
       <p:regular r:id="rId22"/>
     </p:embeddedFont>
     <p:embeddedFont>
@@ -343,7 +343,7 @@
             <a:fld id="{1D8BD707-D9CF-40AE-B4C6-C98DA3205C09}" type="datetimeFigureOut">
               <a:rPr lang="en-US" smtClean="0"/>
               <a:pPr/>
-              <a:t>11/4/2023</a:t>
+              <a:t>11/5/2023</a:t>
             </a:fld>
             <a:endParaRPr lang="en-US"/>
           </a:p>
@@ -510,7 +510,7 @@
             <a:fld id="{1D8BD707-D9CF-40AE-B4C6-C98DA3205C09}" type="datetimeFigureOut">
               <a:rPr lang="en-US" smtClean="0"/>
               <a:pPr/>
-              <a:t>11/4/2023</a:t>
+              <a:t>11/5/2023</a:t>
             </a:fld>
             <a:endParaRPr lang="en-US"/>
           </a:p>
@@ -687,7 +687,7 @@
             <a:fld id="{1D8BD707-D9CF-40AE-B4C6-C98DA3205C09}" type="datetimeFigureOut">
               <a:rPr lang="en-US" smtClean="0"/>
               <a:pPr/>
-              <a:t>11/4/2023</a:t>
+              <a:t>11/5/2023</a:t>
             </a:fld>
             <a:endParaRPr lang="en-US"/>
           </a:p>
@@ -854,7 +854,7 @@
             <a:fld id="{1D8BD707-D9CF-40AE-B4C6-C98DA3205C09}" type="datetimeFigureOut">
               <a:rPr lang="en-US" smtClean="0"/>
               <a:pPr/>
-              <a:t>11/4/2023</a:t>
+              <a:t>11/5/2023</a:t>
             </a:fld>
             <a:endParaRPr lang="en-US"/>
           </a:p>
@@ -1097,7 +1097,7 @@
             <a:fld id="{1D8BD707-D9CF-40AE-B4C6-C98DA3205C09}" type="datetimeFigureOut">
               <a:rPr lang="en-US" smtClean="0"/>
               <a:pPr/>
-              <a:t>11/4/2023</a:t>
+              <a:t>11/5/2023</a:t>
             </a:fld>
             <a:endParaRPr lang="en-US"/>
           </a:p>
@@ -1382,7 +1382,7 @@
             <a:fld id="{1D8BD707-D9CF-40AE-B4C6-C98DA3205C09}" type="datetimeFigureOut">
               <a:rPr lang="en-US" smtClean="0"/>
               <a:pPr/>
-              <a:t>11/4/2023</a:t>
+              <a:t>11/5/2023</a:t>
             </a:fld>
             <a:endParaRPr lang="en-US"/>
           </a:p>
@@ -1801,7 +1801,7 @@
             <a:fld id="{1D8BD707-D9CF-40AE-B4C6-C98DA3205C09}" type="datetimeFigureOut">
               <a:rPr lang="en-US" smtClean="0"/>
               <a:pPr/>
-              <a:t>11/4/2023</a:t>
+              <a:t>11/5/2023</a:t>
             </a:fld>
             <a:endParaRPr lang="en-US"/>
           </a:p>
@@ -1916,7 +1916,7 @@
             <a:fld id="{1D8BD707-D9CF-40AE-B4C6-C98DA3205C09}" type="datetimeFigureOut">
               <a:rPr lang="en-US" smtClean="0"/>
               <a:pPr/>
-              <a:t>11/4/2023</a:t>
+              <a:t>11/5/2023</a:t>
             </a:fld>
             <a:endParaRPr lang="en-US"/>
           </a:p>
@@ -2008,7 +2008,7 @@
             <a:fld id="{1D8BD707-D9CF-40AE-B4C6-C98DA3205C09}" type="datetimeFigureOut">
               <a:rPr lang="en-US" smtClean="0"/>
               <a:pPr/>
-              <a:t>11/4/2023</a:t>
+              <a:t>11/5/2023</a:t>
             </a:fld>
             <a:endParaRPr lang="en-US"/>
           </a:p>
@@ -2282,7 +2282,7 @@
             <a:fld id="{1D8BD707-D9CF-40AE-B4C6-C98DA3205C09}" type="datetimeFigureOut">
               <a:rPr lang="en-US" smtClean="0"/>
               <a:pPr/>
-              <a:t>11/4/2023</a:t>
+              <a:t>11/5/2023</a:t>
             </a:fld>
             <a:endParaRPr lang="en-US"/>
           </a:p>
@@ -2532,7 +2532,7 @@
             <a:fld id="{1D8BD707-D9CF-40AE-B4C6-C98DA3205C09}" type="datetimeFigureOut">
               <a:rPr lang="en-US" smtClean="0"/>
               <a:pPr/>
-              <a:t>11/4/2023</a:t>
+              <a:t>11/5/2023</a:t>
             </a:fld>
             <a:endParaRPr lang="en-US"/>
           </a:p>
@@ -2742,7 +2742,7 @@
             <a:fld id="{1D8BD707-D9CF-40AE-B4C6-C98DA3205C09}" type="datetimeFigureOut">
               <a:rPr lang="en-US" smtClean="0"/>
               <a:pPr/>
-              <a:t>11/4/2023</a:t>
+              <a:t>11/5/2023</a:t>
             </a:fld>
             <a:endParaRPr lang="en-US"/>
           </a:p>
@@ -3155,7 +3155,7 @@
             <a:blip r:embed="rId2">
               <a:extLst>
                 <a:ext uri="{96DAC541-7B7A-43D3-8B79-37D633B846F1}">
-                  <asvg:svgBlip xmlns="" xmlns:asvg="http://schemas.microsoft.com/office/drawing/2016/SVG/main" r:embed="rId3"/>
+                  <asvg:svgBlip xmlns:asvg="http://schemas.microsoft.com/office/drawing/2016/SVG/main" xmlns="" r:embed="rId3"/>
                 </a:ext>
               </a:extLst>
             </a:blip>
@@ -3207,7 +3207,7 @@
             <a:blip r:embed="rId2">
               <a:extLst>
                 <a:ext uri="{96DAC541-7B7A-43D3-8B79-37D633B846F1}">
-                  <asvg:svgBlip xmlns="" xmlns:asvg="http://schemas.microsoft.com/office/drawing/2016/SVG/main" r:embed="rId3"/>
+                  <asvg:svgBlip xmlns:asvg="http://schemas.microsoft.com/office/drawing/2016/SVG/main" xmlns="" r:embed="rId3"/>
                 </a:ext>
               </a:extLst>
             </a:blip>
@@ -3259,7 +3259,7 @@
             <a:blip r:embed="rId4">
               <a:extLst>
                 <a:ext uri="{96DAC541-7B7A-43D3-8B79-37D633B846F1}">
-                  <asvg:svgBlip xmlns="" xmlns:asvg="http://schemas.microsoft.com/office/drawing/2016/SVG/main" r:embed="rId5"/>
+                  <asvg:svgBlip xmlns:asvg="http://schemas.microsoft.com/office/drawing/2016/SVG/main" xmlns="" r:embed="rId5"/>
                 </a:ext>
               </a:extLst>
             </a:blip>
@@ -3311,7 +3311,7 @@
             <a:blip r:embed="rId4">
               <a:extLst>
                 <a:ext uri="{96DAC541-7B7A-43D3-8B79-37D633B846F1}">
-                  <asvg:svgBlip xmlns="" xmlns:asvg="http://schemas.microsoft.com/office/drawing/2016/SVG/main" r:embed="rId5"/>
+                  <asvg:svgBlip xmlns:asvg="http://schemas.microsoft.com/office/drawing/2016/SVG/main" xmlns="" r:embed="rId5"/>
                 </a:ext>
               </a:extLst>
             </a:blip>
@@ -3464,7 +3464,7 @@
             <a:blip r:embed="rId2">
               <a:extLst>
                 <a:ext uri="{96DAC541-7B7A-43D3-8B79-37D633B846F1}">
-                  <asvg:svgBlip xmlns="" xmlns:asvg="http://schemas.microsoft.com/office/drawing/2016/SVG/main" r:embed="rId3"/>
+                  <asvg:svgBlip xmlns:asvg="http://schemas.microsoft.com/office/drawing/2016/SVG/main" xmlns="" r:embed="rId3"/>
                 </a:ext>
               </a:extLst>
             </a:blip>
@@ -3516,7 +3516,7 @@
             <a:blip r:embed="rId4">
               <a:extLst>
                 <a:ext uri="{96DAC541-7B7A-43D3-8B79-37D633B846F1}">
-                  <asvg:svgBlip xmlns="" xmlns:asvg="http://schemas.microsoft.com/office/drawing/2016/SVG/main" r:embed="rId5"/>
+                  <asvg:svgBlip xmlns:asvg="http://schemas.microsoft.com/office/drawing/2016/SVG/main" xmlns="" r:embed="rId5"/>
                 </a:ext>
               </a:extLst>
             </a:blip>
@@ -3568,7 +3568,7 @@
             <a:blip r:embed="rId2">
               <a:extLst>
                 <a:ext uri="{96DAC541-7B7A-43D3-8B79-37D633B846F1}">
-                  <asvg:svgBlip xmlns="" xmlns:asvg="http://schemas.microsoft.com/office/drawing/2016/SVG/main" r:embed="rId3"/>
+                  <asvg:svgBlip xmlns:asvg="http://schemas.microsoft.com/office/drawing/2016/SVG/main" xmlns="" r:embed="rId3"/>
                 </a:ext>
               </a:extLst>
             </a:blip>
@@ -3620,7 +3620,7 @@
             <a:blip r:embed="rId4">
               <a:extLst>
                 <a:ext uri="{96DAC541-7B7A-43D3-8B79-37D633B846F1}">
-                  <asvg:svgBlip xmlns="" xmlns:asvg="http://schemas.microsoft.com/office/drawing/2016/SVG/main" r:embed="rId5"/>
+                  <asvg:svgBlip xmlns:asvg="http://schemas.microsoft.com/office/drawing/2016/SVG/main" xmlns="" r:embed="rId5"/>
                 </a:ext>
               </a:extLst>
             </a:blip>
@@ -3870,7 +3870,7 @@
             <a:blip r:embed="rId2">
               <a:extLst>
                 <a:ext uri="{96DAC541-7B7A-43D3-8B79-37D633B846F1}">
-                  <asvg:svgBlip xmlns="" xmlns:asvg="http://schemas.microsoft.com/office/drawing/2016/SVG/main" r:embed="rId3"/>
+                  <asvg:svgBlip xmlns:asvg="http://schemas.microsoft.com/office/drawing/2016/SVG/main" xmlns="" r:embed="rId3"/>
                 </a:ext>
               </a:extLst>
             </a:blip>
@@ -4088,7 +4088,7 @@
             <a:blip r:embed="rId4">
               <a:extLst>
                 <a:ext uri="{96DAC541-7B7A-43D3-8B79-37D633B846F1}">
-                  <asvg:svgBlip xmlns="" xmlns:asvg="http://schemas.microsoft.com/office/drawing/2016/SVG/main" r:embed="rId5"/>
+                  <asvg:svgBlip xmlns:asvg="http://schemas.microsoft.com/office/drawing/2016/SVG/main" xmlns="" r:embed="rId5"/>
                 </a:ext>
               </a:extLst>
             </a:blip>
@@ -4140,7 +4140,7 @@
             <a:blip r:embed="rId6">
               <a:extLst>
                 <a:ext uri="{96DAC541-7B7A-43D3-8B79-37D633B846F1}">
-                  <asvg:svgBlip xmlns="" xmlns:asvg="http://schemas.microsoft.com/office/drawing/2016/SVG/main" r:embed="rId7"/>
+                  <asvg:svgBlip xmlns:asvg="http://schemas.microsoft.com/office/drawing/2016/SVG/main" xmlns="" r:embed="rId7"/>
                 </a:ext>
               </a:extLst>
             </a:blip>
@@ -4954,7 +4954,7 @@
             <a:blip r:embed="rId2">
               <a:extLst>
                 <a:ext uri="{96DAC541-7B7A-43D3-8B79-37D633B846F1}">
-                  <asvg:svgBlip xmlns="" xmlns:asvg="http://schemas.microsoft.com/office/drawing/2016/SVG/main" r:embed="rId3"/>
+                  <asvg:svgBlip xmlns:asvg="http://schemas.microsoft.com/office/drawing/2016/SVG/main" xmlns="" r:embed="rId3"/>
                 </a:ext>
               </a:extLst>
             </a:blip>
@@ -5006,7 +5006,7 @@
             <a:blip r:embed="rId4">
               <a:extLst>
                 <a:ext uri="{96DAC541-7B7A-43D3-8B79-37D633B846F1}">
-                  <asvg:svgBlip xmlns="" xmlns:asvg="http://schemas.microsoft.com/office/drawing/2016/SVG/main" r:embed="rId5"/>
+                  <asvg:svgBlip xmlns:asvg="http://schemas.microsoft.com/office/drawing/2016/SVG/main" xmlns="" r:embed="rId5"/>
                 </a:ext>
               </a:extLst>
             </a:blip>
@@ -5058,7 +5058,7 @@
             <a:blip r:embed="rId6">
               <a:extLst>
                 <a:ext uri="{96DAC541-7B7A-43D3-8B79-37D633B846F1}">
-                  <asvg:svgBlip xmlns="" xmlns:asvg="http://schemas.microsoft.com/office/drawing/2016/SVG/main" r:embed="rId7"/>
+                  <asvg:svgBlip xmlns:asvg="http://schemas.microsoft.com/office/drawing/2016/SVG/main" xmlns="" r:embed="rId7"/>
                 </a:ext>
               </a:extLst>
             </a:blip>
@@ -5110,7 +5110,7 @@
             <a:blip r:embed="rId8">
               <a:extLst>
                 <a:ext uri="{96DAC541-7B7A-43D3-8B79-37D633B846F1}">
-                  <asvg:svgBlip xmlns="" xmlns:asvg="http://schemas.microsoft.com/office/drawing/2016/SVG/main" r:embed="rId9"/>
+                  <asvg:svgBlip xmlns:asvg="http://schemas.microsoft.com/office/drawing/2016/SVG/main" xmlns="" r:embed="rId9"/>
                 </a:ext>
               </a:extLst>
             </a:blip>
@@ -5257,7 +5257,7 @@
             <a:blip r:embed="rId2">
               <a:extLst>
                 <a:ext uri="{96DAC541-7B7A-43D3-8B79-37D633B846F1}">
-                  <asvg:svgBlip xmlns="" xmlns:asvg="http://schemas.microsoft.com/office/drawing/2016/SVG/main" r:embed="rId3"/>
+                  <asvg:svgBlip xmlns:asvg="http://schemas.microsoft.com/office/drawing/2016/SVG/main" xmlns="" r:embed="rId3"/>
                 </a:ext>
               </a:extLst>
             </a:blip>
@@ -5309,7 +5309,7 @@
             <a:blip r:embed="rId2">
               <a:extLst>
                 <a:ext uri="{96DAC541-7B7A-43D3-8B79-37D633B846F1}">
-                  <asvg:svgBlip xmlns="" xmlns:asvg="http://schemas.microsoft.com/office/drawing/2016/SVG/main" r:embed="rId3"/>
+                  <asvg:svgBlip xmlns:asvg="http://schemas.microsoft.com/office/drawing/2016/SVG/main" xmlns="" r:embed="rId3"/>
                 </a:ext>
               </a:extLst>
             </a:blip>
@@ -5361,7 +5361,7 @@
             <a:blip r:embed="rId2">
               <a:extLst>
                 <a:ext uri="{96DAC541-7B7A-43D3-8B79-37D633B846F1}">
-                  <asvg:svgBlip xmlns="" xmlns:asvg="http://schemas.microsoft.com/office/drawing/2016/SVG/main" r:embed="rId3"/>
+                  <asvg:svgBlip xmlns:asvg="http://schemas.microsoft.com/office/drawing/2016/SVG/main" xmlns="" r:embed="rId3"/>
                 </a:ext>
               </a:extLst>
             </a:blip>
@@ -5413,7 +5413,7 @@
             <a:blip r:embed="rId2">
               <a:extLst>
                 <a:ext uri="{96DAC541-7B7A-43D3-8B79-37D633B846F1}">
-                  <asvg:svgBlip xmlns="" xmlns:asvg="http://schemas.microsoft.com/office/drawing/2016/SVG/main" r:embed="rId3"/>
+                  <asvg:svgBlip xmlns:asvg="http://schemas.microsoft.com/office/drawing/2016/SVG/main" xmlns="" r:embed="rId3"/>
                 </a:ext>
               </a:extLst>
             </a:blip>
@@ -5465,7 +5465,7 @@
             <a:blip r:embed="rId2">
               <a:extLst>
                 <a:ext uri="{96DAC541-7B7A-43D3-8B79-37D633B846F1}">
-                  <asvg:svgBlip xmlns="" xmlns:asvg="http://schemas.microsoft.com/office/drawing/2016/SVG/main" r:embed="rId3"/>
+                  <asvg:svgBlip xmlns:asvg="http://schemas.microsoft.com/office/drawing/2016/SVG/main" xmlns="" r:embed="rId3"/>
                 </a:ext>
               </a:extLst>
             </a:blip>
@@ -5517,7 +5517,7 @@
             <a:blip r:embed="rId4">
               <a:extLst>
                 <a:ext uri="{96DAC541-7B7A-43D3-8B79-37D633B846F1}">
-                  <asvg:svgBlip xmlns="" xmlns:asvg="http://schemas.microsoft.com/office/drawing/2016/SVG/main" r:embed="rId5"/>
+                  <asvg:svgBlip xmlns:asvg="http://schemas.microsoft.com/office/drawing/2016/SVG/main" xmlns="" r:embed="rId5"/>
                 </a:ext>
               </a:extLst>
             </a:blip>
@@ -5728,7 +5728,7 @@
             <a:blip r:embed="rId2">
               <a:extLst>
                 <a:ext uri="{96DAC541-7B7A-43D3-8B79-37D633B846F1}">
-                  <asvg:svgBlip xmlns="" xmlns:asvg="http://schemas.microsoft.com/office/drawing/2016/SVG/main" r:embed="rId3"/>
+                  <asvg:svgBlip xmlns:asvg="http://schemas.microsoft.com/office/drawing/2016/SVG/main" xmlns="" r:embed="rId3"/>
                 </a:ext>
               </a:extLst>
             </a:blip>
@@ -5780,7 +5780,7 @@
             <a:blip r:embed="rId4">
               <a:extLst>
                 <a:ext uri="{96DAC541-7B7A-43D3-8B79-37D633B846F1}">
-                  <asvg:svgBlip xmlns="" xmlns:asvg="http://schemas.microsoft.com/office/drawing/2016/SVG/main" r:embed="rId5"/>
+                  <asvg:svgBlip xmlns:asvg="http://schemas.microsoft.com/office/drawing/2016/SVG/main" xmlns="" r:embed="rId5"/>
                 </a:ext>
               </a:extLst>
             </a:blip>
@@ -5832,7 +5832,7 @@
             <a:blip r:embed="rId4">
               <a:extLst>
                 <a:ext uri="{96DAC541-7B7A-43D3-8B79-37D633B846F1}">
-                  <asvg:svgBlip xmlns="" xmlns:asvg="http://schemas.microsoft.com/office/drawing/2016/SVG/main" r:embed="rId5"/>
+                  <asvg:svgBlip xmlns:asvg="http://schemas.microsoft.com/office/drawing/2016/SVG/main" xmlns="" r:embed="rId5"/>
                 </a:ext>
               </a:extLst>
             </a:blip>
@@ -6053,7 +6053,7 @@
             <a:blip r:embed="rId2">
               <a:extLst>
                 <a:ext uri="{96DAC541-7B7A-43D3-8B79-37D633B846F1}">
-                  <asvg:svgBlip xmlns="" xmlns:asvg="http://schemas.microsoft.com/office/drawing/2016/SVG/main" r:embed="rId3"/>
+                  <asvg:svgBlip xmlns:asvg="http://schemas.microsoft.com/office/drawing/2016/SVG/main" xmlns="" r:embed="rId3"/>
                 </a:ext>
               </a:extLst>
             </a:blip>
@@ -6105,7 +6105,7 @@
             <a:blip r:embed="rId2">
               <a:extLst>
                 <a:ext uri="{96DAC541-7B7A-43D3-8B79-37D633B846F1}">
-                  <asvg:svgBlip xmlns="" xmlns:asvg="http://schemas.microsoft.com/office/drawing/2016/SVG/main" r:embed="rId3"/>
+                  <asvg:svgBlip xmlns:asvg="http://schemas.microsoft.com/office/drawing/2016/SVG/main" xmlns="" r:embed="rId3"/>
                 </a:ext>
               </a:extLst>
             </a:blip>
@@ -6157,7 +6157,7 @@
             <a:blip r:embed="rId2">
               <a:extLst>
                 <a:ext uri="{96DAC541-7B7A-43D3-8B79-37D633B846F1}">
-                  <asvg:svgBlip xmlns="" xmlns:asvg="http://schemas.microsoft.com/office/drawing/2016/SVG/main" r:embed="rId3"/>
+                  <asvg:svgBlip xmlns:asvg="http://schemas.microsoft.com/office/drawing/2016/SVG/main" xmlns="" r:embed="rId3"/>
                 </a:ext>
               </a:extLst>
             </a:blip>
@@ -6209,7 +6209,7 @@
             <a:blip r:embed="rId2">
               <a:extLst>
                 <a:ext uri="{96DAC541-7B7A-43D3-8B79-37D633B846F1}">
-                  <asvg:svgBlip xmlns="" xmlns:asvg="http://schemas.microsoft.com/office/drawing/2016/SVG/main" r:embed="rId3"/>
+                  <asvg:svgBlip xmlns:asvg="http://schemas.microsoft.com/office/drawing/2016/SVG/main" xmlns="" r:embed="rId3"/>
                 </a:ext>
               </a:extLst>
             </a:blip>
@@ -6261,7 +6261,7 @@
             <a:blip r:embed="rId2">
               <a:extLst>
                 <a:ext uri="{96DAC541-7B7A-43D3-8B79-37D633B846F1}">
-                  <asvg:svgBlip xmlns="" xmlns:asvg="http://schemas.microsoft.com/office/drawing/2016/SVG/main" r:embed="rId3"/>
+                  <asvg:svgBlip xmlns:asvg="http://schemas.microsoft.com/office/drawing/2016/SVG/main" xmlns="" r:embed="rId3"/>
                 </a:ext>
               </a:extLst>
             </a:blip>
@@ -6313,7 +6313,7 @@
             <a:blip r:embed="rId4">
               <a:extLst>
                 <a:ext uri="{96DAC541-7B7A-43D3-8B79-37D633B846F1}">
-                  <asvg:svgBlip xmlns="" xmlns:asvg="http://schemas.microsoft.com/office/drawing/2016/SVG/main" r:embed="rId5"/>
+                  <asvg:svgBlip xmlns:asvg="http://schemas.microsoft.com/office/drawing/2016/SVG/main" xmlns="" r:embed="rId5"/>
                 </a:ext>
               </a:extLst>
             </a:blip>
@@ -6561,7 +6561,7 @@
             <a:blip r:embed="rId2">
               <a:extLst>
                 <a:ext uri="{96DAC541-7B7A-43D3-8B79-37D633B846F1}">
-                  <asvg:svgBlip xmlns="" xmlns:asvg="http://schemas.microsoft.com/office/drawing/2016/SVG/main" r:embed="rId3"/>
+                  <asvg:svgBlip xmlns:asvg="http://schemas.microsoft.com/office/drawing/2016/SVG/main" xmlns="" r:embed="rId3"/>
                 </a:ext>
               </a:extLst>
             </a:blip>
@@ -6613,7 +6613,7 @@
             <a:blip r:embed="rId4">
               <a:extLst>
                 <a:ext uri="{96DAC541-7B7A-43D3-8B79-37D633B846F1}">
-                  <asvg:svgBlip xmlns="" xmlns:asvg="http://schemas.microsoft.com/office/drawing/2016/SVG/main" r:embed="rId5"/>
+                  <asvg:svgBlip xmlns:asvg="http://schemas.microsoft.com/office/drawing/2016/SVG/main" xmlns="" r:embed="rId5"/>
                 </a:ext>
               </a:extLst>
             </a:blip>
@@ -6665,7 +6665,7 @@
             <a:blip r:embed="rId2">
               <a:extLst>
                 <a:ext uri="{96DAC541-7B7A-43D3-8B79-37D633B846F1}">
-                  <asvg:svgBlip xmlns="" xmlns:asvg="http://schemas.microsoft.com/office/drawing/2016/SVG/main" r:embed="rId3"/>
+                  <asvg:svgBlip xmlns:asvg="http://schemas.microsoft.com/office/drawing/2016/SVG/main" xmlns="" r:embed="rId3"/>
                 </a:ext>
               </a:extLst>
             </a:blip>
@@ -6717,7 +6717,7 @@
             <a:blip r:embed="rId4">
               <a:extLst>
                 <a:ext uri="{96DAC541-7B7A-43D3-8B79-37D633B846F1}">
-                  <asvg:svgBlip xmlns="" xmlns:asvg="http://schemas.microsoft.com/office/drawing/2016/SVG/main" r:embed="rId5"/>
+                  <asvg:svgBlip xmlns:asvg="http://schemas.microsoft.com/office/drawing/2016/SVG/main" xmlns="" r:embed="rId5"/>
                 </a:ext>
               </a:extLst>
             </a:blip>
@@ -7087,7 +7087,7 @@
             <a:blip r:embed="rId2">
               <a:extLst>
                 <a:ext uri="{96DAC541-7B7A-43D3-8B79-37D633B846F1}">
-                  <asvg:svgBlip xmlns="" xmlns:asvg="http://schemas.microsoft.com/office/drawing/2016/SVG/main" r:embed="rId3"/>
+                  <asvg:svgBlip xmlns:asvg="http://schemas.microsoft.com/office/drawing/2016/SVG/main" xmlns="" r:embed="rId3"/>
                 </a:ext>
               </a:extLst>
             </a:blip>
@@ -7139,7 +7139,7 @@
             <a:blip r:embed="rId4">
               <a:extLst>
                 <a:ext uri="{96DAC541-7B7A-43D3-8B79-37D633B846F1}">
-                  <asvg:svgBlip xmlns="" xmlns:asvg="http://schemas.microsoft.com/office/drawing/2016/SVG/main" r:embed="rId5"/>
+                  <asvg:svgBlip xmlns:asvg="http://schemas.microsoft.com/office/drawing/2016/SVG/main" xmlns="" r:embed="rId5"/>
                 </a:ext>
               </a:extLst>
             </a:blip>
@@ -7191,7 +7191,7 @@
             <a:blip r:embed="rId6">
               <a:extLst>
                 <a:ext uri="{96DAC541-7B7A-43D3-8B79-37D633B846F1}">
-                  <asvg:svgBlip xmlns="" xmlns:asvg="http://schemas.microsoft.com/office/drawing/2016/SVG/main" r:embed="rId7"/>
+                  <asvg:svgBlip xmlns:asvg="http://schemas.microsoft.com/office/drawing/2016/SVG/main" xmlns="" r:embed="rId7"/>
                 </a:ext>
               </a:extLst>
             </a:blip>
@@ -7248,7 +7248,7 @@
         <p:spPr>
           <a:xfrm>
             <a:off x="3503349" y="3033023"/>
-            <a:ext cx="11281302" cy="5434330"/>
+            <a:ext cx="11281302" cy="5969263"/>
           </a:xfrm>
           <a:prstGeom prst="rect">
             <a:avLst/>
@@ -7268,13 +7268,58 @@
               <a:buChar char="•"/>
             </a:pPr>
             <a:r>
-              <a:rPr lang="en-US" sz="2799">
-                <a:solidFill>
-                  <a:srgbClr val="343434"/>
-                </a:solidFill>
-                <a:latin typeface="Open Sans"/>
-              </a:rPr>
-              <a:t>udith Bryan L Sie dkk, PENGUJIAN WHITE BOX TESTING TERHADAP WEBSITE ROOM MENGGUNAKAN TEKNIK BASIS PATH</a:t>
+              <a:rPr lang="en-US" sz="2799" dirty="0" err="1">
+                <a:solidFill>
+                  <a:srgbClr val="343434"/>
+                </a:solidFill>
+                <a:latin typeface="Open Sans"/>
+              </a:rPr>
+              <a:t>udith</a:t>
+            </a:r>
+            <a:r>
+              <a:rPr lang="en-US" sz="2799" dirty="0">
+                <a:solidFill>
+                  <a:srgbClr val="343434"/>
+                </a:solidFill>
+                <a:latin typeface="Open Sans"/>
+              </a:rPr>
+              <a:t> Bryan L </a:t>
+            </a:r>
+            <a:r>
+              <a:rPr lang="en-US" sz="2799" dirty="0" err="1">
+                <a:solidFill>
+                  <a:srgbClr val="343434"/>
+                </a:solidFill>
+                <a:latin typeface="Open Sans"/>
+              </a:rPr>
+              <a:t>Sie</a:t>
+            </a:r>
+            <a:r>
+              <a:rPr lang="en-US" sz="2799" dirty="0">
+                <a:solidFill>
+                  <a:srgbClr val="343434"/>
+                </a:solidFill>
+                <a:latin typeface="Open Sans"/>
+              </a:rPr>
+              <a:t> </a:t>
+            </a:r>
+            <a:r>
+              <a:rPr lang="en-US" sz="2799" dirty="0" err="1">
+                <a:solidFill>
+                  <a:srgbClr val="343434"/>
+                </a:solidFill>
+                <a:latin typeface="Open Sans"/>
+              </a:rPr>
+              <a:t>dkk</a:t>
+            </a:r>
+            <a:r>
+              <a:rPr lang="en-US" sz="2799" dirty="0">
+                <a:solidFill>
+                  <a:srgbClr val="343434"/>
+                </a:solidFill>
+                <a:latin typeface="Open Sans"/>
+              </a:rPr>
+              <a:t>, PENGUJIAN WHITE BOX TESTING TERHADAP WEBSITE ROOM MENGGUNAKAN TEKNIK BASIS PATH</a:t>
             </a:r>
           </a:p>
           <a:p>
@@ -7286,14 +7331,92 @@
               <a:buChar char="•"/>
             </a:pPr>
             <a:r>
-              <a:rPr lang="en-US" sz="2799">
-                <a:solidFill>
-                  <a:srgbClr val="343434"/>
-                </a:solidFill>
-                <a:latin typeface="Open Sans"/>
-              </a:rPr>
-              <a:t>Jaeni dkk, Implementasi Continuous Integration/Continuous Delivery (CI/CD) Pada Performance Testing Devops</a:t>
-            </a:r>
+              <a:rPr lang="en-US" sz="2799" dirty="0" err="1">
+                <a:solidFill>
+                  <a:srgbClr val="343434"/>
+                </a:solidFill>
+                <a:latin typeface="Open Sans"/>
+              </a:rPr>
+              <a:t>Jaeni</a:t>
+            </a:r>
+            <a:r>
+              <a:rPr lang="en-US" sz="2799" dirty="0">
+                <a:solidFill>
+                  <a:srgbClr val="343434"/>
+                </a:solidFill>
+                <a:latin typeface="Open Sans"/>
+              </a:rPr>
+              <a:t> </a:t>
+            </a:r>
+            <a:r>
+              <a:rPr lang="en-US" sz="2799" dirty="0" err="1">
+                <a:solidFill>
+                  <a:srgbClr val="343434"/>
+                </a:solidFill>
+                <a:latin typeface="Open Sans"/>
+              </a:rPr>
+              <a:t>dkk</a:t>
+            </a:r>
+            <a:r>
+              <a:rPr lang="en-US" sz="2799" dirty="0">
+                <a:solidFill>
+                  <a:srgbClr val="343434"/>
+                </a:solidFill>
+                <a:latin typeface="Open Sans"/>
+              </a:rPr>
+              <a:t>, </a:t>
+            </a:r>
+            <a:r>
+              <a:rPr lang="en-US" sz="2799" dirty="0" err="1">
+                <a:solidFill>
+                  <a:srgbClr val="343434"/>
+                </a:solidFill>
+                <a:latin typeface="Open Sans"/>
+              </a:rPr>
+              <a:t>Implementasi</a:t>
+            </a:r>
+            <a:r>
+              <a:rPr lang="en-US" sz="2799" dirty="0">
+                <a:solidFill>
+                  <a:srgbClr val="343434"/>
+                </a:solidFill>
+                <a:latin typeface="Open Sans"/>
+              </a:rPr>
+              <a:t> Continuous Integration/Continuous Delivery (CI/CD) </a:t>
+            </a:r>
+            <a:r>
+              <a:rPr lang="en-US" sz="2799" dirty="0" err="1">
+                <a:solidFill>
+                  <a:srgbClr val="343434"/>
+                </a:solidFill>
+                <a:latin typeface="Open Sans"/>
+              </a:rPr>
+              <a:t>Pada</a:t>
+            </a:r>
+            <a:r>
+              <a:rPr lang="en-US" sz="2799" dirty="0">
+                <a:solidFill>
+                  <a:srgbClr val="343434"/>
+                </a:solidFill>
+                <a:latin typeface="Open Sans"/>
+              </a:rPr>
+              <a:t> Performance Testing </a:t>
+            </a:r>
+            <a:r>
+              <a:rPr lang="en-US" sz="2799" dirty="0" err="1">
+                <a:solidFill>
+                  <a:srgbClr val="343434"/>
+                </a:solidFill>
+                <a:latin typeface="Open Sans"/>
+              </a:rPr>
+              <a:t>Devops</a:t>
+            </a:r>
+            <a:endParaRPr lang="en-US" sz="2799" dirty="0">
+              <a:solidFill>
+                <a:srgbClr val="343434"/>
+              </a:solidFill>
+              <a:latin typeface="Open Sans"/>
+            </a:endParaRPr>
           </a:p>
           <a:p>
             <a:pPr marL="604519" lvl="1" indent="-302260" algn="just">
@@ -7304,13 +7427,166 @@
               <a:buChar char="•"/>
             </a:pPr>
             <a:r>
-              <a:rPr lang="en-US" sz="2799">
-                <a:solidFill>
-                  <a:srgbClr val="343434"/>
-                </a:solidFill>
-                <a:latin typeface="Open Sans"/>
-              </a:rPr>
-              <a:t>Sanni Pramushinto dkk, Unit Testing Pada Aplikasi Web (Studi Kasus Bisnis Jasa Laundry)</a:t>
+              <a:rPr lang="en-US" sz="2799" dirty="0" err="1">
+                <a:solidFill>
+                  <a:srgbClr val="343434"/>
+                </a:solidFill>
+                <a:latin typeface="Open Sans"/>
+              </a:rPr>
+              <a:t>Sanni</a:t>
+            </a:r>
+            <a:r>
+              <a:rPr lang="en-US" sz="2799" dirty="0">
+                <a:solidFill>
+                  <a:srgbClr val="343434"/>
+                </a:solidFill>
+                <a:latin typeface="Open Sans"/>
+              </a:rPr>
+              <a:t> </a:t>
+            </a:r>
+            <a:r>
+              <a:rPr lang="en-US" sz="2799" dirty="0" err="1">
+                <a:solidFill>
+                  <a:srgbClr val="343434"/>
+                </a:solidFill>
+                <a:latin typeface="Open Sans"/>
+              </a:rPr>
+              <a:t>Pramushinto</a:t>
+            </a:r>
+            <a:r>
+              <a:rPr lang="en-US" sz="2799" dirty="0">
+                <a:solidFill>
+                  <a:srgbClr val="343434"/>
+                </a:solidFill>
+                <a:latin typeface="Open Sans"/>
+              </a:rPr>
+              <a:t> </a:t>
+            </a:r>
+            <a:r>
+              <a:rPr lang="en-US" sz="2799" dirty="0" err="1">
+                <a:solidFill>
+                  <a:srgbClr val="343434"/>
+                </a:solidFill>
+                <a:latin typeface="Open Sans"/>
+              </a:rPr>
+              <a:t>dkk</a:t>
+            </a:r>
+            <a:r>
+              <a:rPr lang="en-US" sz="2799" dirty="0">
+                <a:solidFill>
+                  <a:srgbClr val="343434"/>
+                </a:solidFill>
+                <a:latin typeface="Open Sans"/>
+              </a:rPr>
+              <a:t>, Unit Testing </a:t>
+            </a:r>
+            <a:r>
+              <a:rPr lang="en-US" sz="2799" dirty="0" err="1">
+                <a:solidFill>
+                  <a:srgbClr val="343434"/>
+                </a:solidFill>
+                <a:latin typeface="Open Sans"/>
+              </a:rPr>
+              <a:t>Pada</a:t>
+            </a:r>
+            <a:r>
+              <a:rPr lang="en-US" sz="2799" dirty="0">
+                <a:solidFill>
+                  <a:srgbClr val="343434"/>
+                </a:solidFill>
+                <a:latin typeface="Open Sans"/>
+              </a:rPr>
+              <a:t> </a:t>
+            </a:r>
+            <a:r>
+              <a:rPr lang="en-US" sz="2799" dirty="0" err="1">
+                <a:solidFill>
+                  <a:srgbClr val="343434"/>
+                </a:solidFill>
+                <a:latin typeface="Open Sans"/>
+              </a:rPr>
+              <a:t>Aplikasi</a:t>
+            </a:r>
+            <a:r>
+              <a:rPr lang="en-US" sz="2799" dirty="0">
+                <a:solidFill>
+                  <a:srgbClr val="343434"/>
+                </a:solidFill>
+                <a:latin typeface="Open Sans"/>
+              </a:rPr>
+              <a:t> Web (</a:t>
+            </a:r>
+            <a:r>
+              <a:rPr lang="en-US" sz="2799" dirty="0" err="1">
+                <a:solidFill>
+                  <a:srgbClr val="343434"/>
+                </a:solidFill>
+                <a:latin typeface="Open Sans"/>
+              </a:rPr>
+              <a:t>Studi</a:t>
+            </a:r>
+            <a:r>
+              <a:rPr lang="en-US" sz="2799" dirty="0">
+                <a:solidFill>
+                  <a:srgbClr val="343434"/>
+                </a:solidFill>
+                <a:latin typeface="Open Sans"/>
+              </a:rPr>
+              <a:t> </a:t>
+            </a:r>
+            <a:r>
+              <a:rPr lang="en-US" sz="2799" dirty="0" err="1">
+                <a:solidFill>
+                  <a:srgbClr val="343434"/>
+                </a:solidFill>
+                <a:latin typeface="Open Sans"/>
+              </a:rPr>
+              <a:t>Kasus</a:t>
+            </a:r>
+            <a:r>
+              <a:rPr lang="en-US" sz="2799" dirty="0">
+                <a:solidFill>
+                  <a:srgbClr val="343434"/>
+                </a:solidFill>
+                <a:latin typeface="Open Sans"/>
+              </a:rPr>
+              <a:t> </a:t>
+            </a:r>
+            <a:r>
+              <a:rPr lang="en-US" sz="2799" dirty="0" err="1">
+                <a:solidFill>
+                  <a:srgbClr val="343434"/>
+                </a:solidFill>
+                <a:latin typeface="Open Sans"/>
+              </a:rPr>
+              <a:t>Bisnis</a:t>
+            </a:r>
+            <a:r>
+              <a:rPr lang="en-US" sz="2799" dirty="0">
+                <a:solidFill>
+                  <a:srgbClr val="343434"/>
+                </a:solidFill>
+                <a:latin typeface="Open Sans"/>
+              </a:rPr>
+              <a:t> </a:t>
+            </a:r>
+            <a:r>
+              <a:rPr lang="en-US" sz="2799" dirty="0" err="1">
+                <a:solidFill>
+                  <a:srgbClr val="343434"/>
+                </a:solidFill>
+                <a:latin typeface="Open Sans"/>
+              </a:rPr>
+              <a:t>Jasa</a:t>
+            </a:r>
+            <a:r>
+              <a:rPr lang="en-US" sz="2799" dirty="0">
+                <a:solidFill>
+                  <a:srgbClr val="343434"/>
+                </a:solidFill>
+                <a:latin typeface="Open Sans"/>
+              </a:rPr>
+              <a:t> Laundry)</a:t>
             </a:r>
           </a:p>
           <a:p>
@@ -7322,7 +7598,7 @@
               <a:buChar char="•"/>
             </a:pPr>
             <a:r>
-              <a:rPr lang="en-US" sz="2799">
+              <a:rPr lang="en-US" sz="2799" dirty="0">
                 <a:solidFill>
                   <a:srgbClr val="343434"/>
                 </a:solidFill>
@@ -7340,7 +7616,7 @@
               <a:buChar char="•"/>
             </a:pPr>
             <a:r>
-              <a:rPr lang="en-US" sz="2799">
+              <a:rPr lang="en-US" sz="2799" dirty="0">
                 <a:solidFill>
                   <a:srgbClr val="343434"/>
                 </a:solidFill>
@@ -7358,14 +7634,55 @@
               <a:buChar char="•"/>
             </a:pPr>
             <a:r>
+              <a:rPr lang="en-US" sz="2799" dirty="0">
+                <a:solidFill>
+                  <a:srgbClr val="343434"/>
+                </a:solidFill>
+                <a:latin typeface="Open Sans"/>
+                <a:hlinkClick r:id="rId8"/>
+              </a:rPr>
+              <a:t>https://</a:t>
+            </a:r>
+            <a:r>
+              <a:rPr lang="en-US" sz="2799" dirty="0" smtClean="0">
+                <a:solidFill>
+                  <a:srgbClr val="343434"/>
+                </a:solidFill>
+                <a:latin typeface="Open Sans"/>
+                <a:hlinkClick r:id="rId8"/>
+              </a:rPr>
+              <a:t>www.youtube.com/watch?v=PsO5dZqBckY</a:t>
+            </a:r>
+            <a:endParaRPr lang="en-US" sz="2799" dirty="0" smtClean="0">
+              <a:solidFill>
+                <a:srgbClr val="343434"/>
+              </a:solidFill>
+              <a:latin typeface="Open Sans"/>
+            </a:endParaRPr>
+          </a:p>
+          <a:p>
+            <a:pPr marL="604519" lvl="1" indent="-302260" algn="just">
+              <a:lnSpc>
+                <a:spcPts val="3919"/>
+              </a:lnSpc>
+              <a:buFont typeface="Arial"/>
+              <a:buChar char="•"/>
+            </a:pPr>
+            <a:r>
               <a:rPr lang="en-US" sz="2799">
                 <a:solidFill>
                   <a:srgbClr val="343434"/>
                 </a:solidFill>
                 <a:latin typeface="Open Sans"/>
               </a:rPr>
-              <a:t>https://www.youtube.com/watch?v=PsO5dZqBckY</a:t>
-            </a:r>
+              <a:t>https://youtu.be/_0fuhYXeFbs?si=p0xYEvaPPb0I0jOd</a:t>
+            </a:r>
+            <a:endParaRPr lang="en-US" sz="2799">
+              <a:solidFill>
+                <a:srgbClr val="343434"/>
+              </a:solidFill>
+              <a:latin typeface="Open Sans"/>
+            </a:endParaRPr>
           </a:p>
         </p:txBody>
       </p:sp>
@@ -7439,7 +7756,7 @@
             <a:blip r:embed="rId2">
               <a:extLst>
                 <a:ext uri="{96DAC541-7B7A-43D3-8B79-37D633B846F1}">
-                  <asvg:svgBlip xmlns="" xmlns:asvg="http://schemas.microsoft.com/office/drawing/2016/SVG/main" r:embed="rId3"/>
+                  <asvg:svgBlip xmlns:asvg="http://schemas.microsoft.com/office/drawing/2016/SVG/main" xmlns="" r:embed="rId3"/>
                 </a:ext>
               </a:extLst>
             </a:blip>
@@ -7491,7 +7808,7 @@
             <a:blip r:embed="rId4">
               <a:extLst>
                 <a:ext uri="{96DAC541-7B7A-43D3-8B79-37D633B846F1}">
-                  <asvg:svgBlip xmlns="" xmlns:asvg="http://schemas.microsoft.com/office/drawing/2016/SVG/main" r:embed="rId5"/>
+                  <asvg:svgBlip xmlns:asvg="http://schemas.microsoft.com/office/drawing/2016/SVG/main" xmlns="" r:embed="rId5"/>
                 </a:ext>
               </a:extLst>
             </a:blip>
@@ -7543,7 +7860,7 @@
             <a:blip r:embed="rId2">
               <a:extLst>
                 <a:ext uri="{96DAC541-7B7A-43D3-8B79-37D633B846F1}">
-                  <asvg:svgBlip xmlns="" xmlns:asvg="http://schemas.microsoft.com/office/drawing/2016/SVG/main" r:embed="rId3"/>
+                  <asvg:svgBlip xmlns:asvg="http://schemas.microsoft.com/office/drawing/2016/SVG/main" xmlns="" r:embed="rId3"/>
                 </a:ext>
               </a:extLst>
             </a:blip>
@@ -7595,7 +7912,7 @@
             <a:blip r:embed="rId4">
               <a:extLst>
                 <a:ext uri="{96DAC541-7B7A-43D3-8B79-37D633B846F1}">
-                  <asvg:svgBlip xmlns="" xmlns:asvg="http://schemas.microsoft.com/office/drawing/2016/SVG/main" r:embed="rId5"/>
+                  <asvg:svgBlip xmlns:asvg="http://schemas.microsoft.com/office/drawing/2016/SVG/main" xmlns="" r:embed="rId5"/>
                 </a:ext>
               </a:extLst>
             </a:blip>
@@ -7758,7 +8075,7 @@
               <a:blip r:embed="rId6">
                 <a:extLst>
                   <a:ext uri="{96DAC541-7B7A-43D3-8B79-37D633B846F1}">
-                    <asvg:svgBlip xmlns="" xmlns:asvg="http://schemas.microsoft.com/office/drawing/2016/SVG/main" r:embed="rId7"/>
+                    <asvg:svgBlip xmlns:asvg="http://schemas.microsoft.com/office/drawing/2016/SVG/main" xmlns="" r:embed="rId7"/>
                   </a:ext>
                 </a:extLst>
               </a:blip>
@@ -7922,7 +8239,7 @@
               <a:blip r:embed="rId6">
                 <a:extLst>
                   <a:ext uri="{96DAC541-7B7A-43D3-8B79-37D633B846F1}">
-                    <asvg:svgBlip xmlns="" xmlns:asvg="http://schemas.microsoft.com/office/drawing/2016/SVG/main" r:embed="rId7"/>
+                    <asvg:svgBlip xmlns:asvg="http://schemas.microsoft.com/office/drawing/2016/SVG/main" xmlns="" r:embed="rId7"/>
                   </a:ext>
                 </a:extLst>
               </a:blip>
@@ -8117,7 +8434,7 @@
             <a:blip r:embed="rId2">
               <a:extLst>
                 <a:ext uri="{96DAC541-7B7A-43D3-8B79-37D633B846F1}">
-                  <asvg:svgBlip xmlns="" xmlns:asvg="http://schemas.microsoft.com/office/drawing/2016/SVG/main" r:embed="rId3"/>
+                  <asvg:svgBlip xmlns:asvg="http://schemas.microsoft.com/office/drawing/2016/SVG/main" xmlns="" r:embed="rId3"/>
                 </a:ext>
               </a:extLst>
             </a:blip>
@@ -8169,7 +8486,7 @@
             <a:blip r:embed="rId4">
               <a:extLst>
                 <a:ext uri="{96DAC541-7B7A-43D3-8B79-37D633B846F1}">
-                  <asvg:svgBlip xmlns="" xmlns:asvg="http://schemas.microsoft.com/office/drawing/2016/SVG/main" r:embed="rId5"/>
+                  <asvg:svgBlip xmlns:asvg="http://schemas.microsoft.com/office/drawing/2016/SVG/main" xmlns="" r:embed="rId5"/>
                 </a:ext>
               </a:extLst>
             </a:blip>
@@ -8221,7 +8538,7 @@
             <a:blip r:embed="rId6">
               <a:extLst>
                 <a:ext uri="{96DAC541-7B7A-43D3-8B79-37D633B846F1}">
-                  <asvg:svgBlip xmlns="" xmlns:asvg="http://schemas.microsoft.com/office/drawing/2016/SVG/main" r:embed="rId7"/>
+                  <asvg:svgBlip xmlns:asvg="http://schemas.microsoft.com/office/drawing/2016/SVG/main" xmlns="" r:embed="rId7"/>
                 </a:ext>
               </a:extLst>
             </a:blip>
@@ -8273,7 +8590,7 @@
             <a:blip r:embed="rId8">
               <a:extLst>
                 <a:ext uri="{96DAC541-7B7A-43D3-8B79-37D633B846F1}">
-                  <asvg:svgBlip xmlns="" xmlns:asvg="http://schemas.microsoft.com/office/drawing/2016/SVG/main" r:embed="rId9"/>
+                  <asvg:svgBlip xmlns:asvg="http://schemas.microsoft.com/office/drawing/2016/SVG/main" xmlns="" r:embed="rId9"/>
                 </a:ext>
               </a:extLst>
             </a:blip>
@@ -8391,7 +8708,7 @@
             <a:blip r:embed="rId2">
               <a:extLst>
                 <a:ext uri="{96DAC541-7B7A-43D3-8B79-37D633B846F1}">
-                  <asvg:svgBlip xmlns="" xmlns:asvg="http://schemas.microsoft.com/office/drawing/2016/SVG/main" r:embed="rId3"/>
+                  <asvg:svgBlip xmlns:asvg="http://schemas.microsoft.com/office/drawing/2016/SVG/main" xmlns="" r:embed="rId3"/>
                 </a:ext>
               </a:extLst>
             </a:blip>
@@ -8443,7 +8760,7 @@
             <a:blip r:embed="rId2">
               <a:extLst>
                 <a:ext uri="{96DAC541-7B7A-43D3-8B79-37D633B846F1}">
-                  <asvg:svgBlip xmlns="" xmlns:asvg="http://schemas.microsoft.com/office/drawing/2016/SVG/main" r:embed="rId3"/>
+                  <asvg:svgBlip xmlns:asvg="http://schemas.microsoft.com/office/drawing/2016/SVG/main" xmlns="" r:embed="rId3"/>
                 </a:ext>
               </a:extLst>
             </a:blip>
@@ -8495,7 +8812,7 @@
             <a:blip r:embed="rId2">
               <a:extLst>
                 <a:ext uri="{96DAC541-7B7A-43D3-8B79-37D633B846F1}">
-                  <asvg:svgBlip xmlns="" xmlns:asvg="http://schemas.microsoft.com/office/drawing/2016/SVG/main" r:embed="rId3"/>
+                  <asvg:svgBlip xmlns:asvg="http://schemas.microsoft.com/office/drawing/2016/SVG/main" xmlns="" r:embed="rId3"/>
                 </a:ext>
               </a:extLst>
             </a:blip>
@@ -8547,7 +8864,7 @@
             <a:blip r:embed="rId2">
               <a:extLst>
                 <a:ext uri="{96DAC541-7B7A-43D3-8B79-37D633B846F1}">
-                  <asvg:svgBlip xmlns="" xmlns:asvg="http://schemas.microsoft.com/office/drawing/2016/SVG/main" r:embed="rId3"/>
+                  <asvg:svgBlip xmlns:asvg="http://schemas.microsoft.com/office/drawing/2016/SVG/main" xmlns="" r:embed="rId3"/>
                 </a:ext>
               </a:extLst>
             </a:blip>
@@ -8599,7 +8916,7 @@
             <a:blip r:embed="rId2">
               <a:extLst>
                 <a:ext uri="{96DAC541-7B7A-43D3-8B79-37D633B846F1}">
-                  <asvg:svgBlip xmlns="" xmlns:asvg="http://schemas.microsoft.com/office/drawing/2016/SVG/main" r:embed="rId3"/>
+                  <asvg:svgBlip xmlns:asvg="http://schemas.microsoft.com/office/drawing/2016/SVG/main" xmlns="" r:embed="rId3"/>
                 </a:ext>
               </a:extLst>
             </a:blip>
@@ -8651,7 +8968,7 @@
             <a:blip r:embed="rId4">
               <a:extLst>
                 <a:ext uri="{96DAC541-7B7A-43D3-8B79-37D633B846F1}">
-                  <asvg:svgBlip xmlns="" xmlns:asvg="http://schemas.microsoft.com/office/drawing/2016/SVG/main" r:embed="rId5"/>
+                  <asvg:svgBlip xmlns:asvg="http://schemas.microsoft.com/office/drawing/2016/SVG/main" xmlns="" r:embed="rId5"/>
                 </a:ext>
               </a:extLst>
             </a:blip>
@@ -8939,7 +9256,7 @@
             <a:blip r:embed="rId2">
               <a:extLst>
                 <a:ext uri="{96DAC541-7B7A-43D3-8B79-37D633B846F1}">
-                  <asvg:svgBlip xmlns="" xmlns:asvg="http://schemas.microsoft.com/office/drawing/2016/SVG/main" r:embed="rId3"/>
+                  <asvg:svgBlip xmlns:asvg="http://schemas.microsoft.com/office/drawing/2016/SVG/main" xmlns="" r:embed="rId3"/>
                 </a:ext>
               </a:extLst>
             </a:blip>
@@ -8991,7 +9308,7 @@
             <a:blip r:embed="rId2">
               <a:extLst>
                 <a:ext uri="{96DAC541-7B7A-43D3-8B79-37D633B846F1}">
-                  <asvg:svgBlip xmlns="" xmlns:asvg="http://schemas.microsoft.com/office/drawing/2016/SVG/main" r:embed="rId3"/>
+                  <asvg:svgBlip xmlns:asvg="http://schemas.microsoft.com/office/drawing/2016/SVG/main" xmlns="" r:embed="rId3"/>
                 </a:ext>
               </a:extLst>
             </a:blip>
@@ -9043,7 +9360,7 @@
             <a:blip r:embed="rId2">
               <a:extLst>
                 <a:ext uri="{96DAC541-7B7A-43D3-8B79-37D633B846F1}">
-                  <asvg:svgBlip xmlns="" xmlns:asvg="http://schemas.microsoft.com/office/drawing/2016/SVG/main" r:embed="rId3"/>
+                  <asvg:svgBlip xmlns:asvg="http://schemas.microsoft.com/office/drawing/2016/SVG/main" xmlns="" r:embed="rId3"/>
                 </a:ext>
               </a:extLst>
             </a:blip>
@@ -9095,7 +9412,7 @@
             <a:blip r:embed="rId2">
               <a:extLst>
                 <a:ext uri="{96DAC541-7B7A-43D3-8B79-37D633B846F1}">
-                  <asvg:svgBlip xmlns="" xmlns:asvg="http://schemas.microsoft.com/office/drawing/2016/SVG/main" r:embed="rId3"/>
+                  <asvg:svgBlip xmlns:asvg="http://schemas.microsoft.com/office/drawing/2016/SVG/main" xmlns="" r:embed="rId3"/>
                 </a:ext>
               </a:extLst>
             </a:blip>
@@ -9147,7 +9464,7 @@
             <a:blip r:embed="rId2">
               <a:extLst>
                 <a:ext uri="{96DAC541-7B7A-43D3-8B79-37D633B846F1}">
-                  <asvg:svgBlip xmlns="" xmlns:asvg="http://schemas.microsoft.com/office/drawing/2016/SVG/main" r:embed="rId3"/>
+                  <asvg:svgBlip xmlns:asvg="http://schemas.microsoft.com/office/drawing/2016/SVG/main" xmlns="" r:embed="rId3"/>
                 </a:ext>
               </a:extLst>
             </a:blip>
@@ -9199,7 +9516,7 @@
             <a:blip r:embed="rId4">
               <a:extLst>
                 <a:ext uri="{96DAC541-7B7A-43D3-8B79-37D633B846F1}">
-                  <asvg:svgBlip xmlns="" xmlns:asvg="http://schemas.microsoft.com/office/drawing/2016/SVG/main" r:embed="rId5"/>
+                  <asvg:svgBlip xmlns:asvg="http://schemas.microsoft.com/office/drawing/2016/SVG/main" xmlns="" r:embed="rId5"/>
                 </a:ext>
               </a:extLst>
             </a:blip>
@@ -9490,7 +9807,7 @@
             <a:blip r:embed="rId2">
               <a:extLst>
                 <a:ext uri="{96DAC541-7B7A-43D3-8B79-37D633B846F1}">
-                  <asvg:svgBlip xmlns="" xmlns:asvg="http://schemas.microsoft.com/office/drawing/2016/SVG/main" r:embed="rId3"/>
+                  <asvg:svgBlip xmlns:asvg="http://schemas.microsoft.com/office/drawing/2016/SVG/main" xmlns="" r:embed="rId3"/>
                 </a:ext>
               </a:extLst>
             </a:blip>
@@ -9605,7 +9922,7 @@
             <a:blip r:embed="rId4">
               <a:extLst>
                 <a:ext uri="{96DAC541-7B7A-43D3-8B79-37D633B846F1}">
-                  <asvg:svgBlip xmlns="" xmlns:asvg="http://schemas.microsoft.com/office/drawing/2016/SVG/main" r:embed="rId5"/>
+                  <asvg:svgBlip xmlns:asvg="http://schemas.microsoft.com/office/drawing/2016/SVG/main" xmlns="" r:embed="rId5"/>
                 </a:ext>
               </a:extLst>
             </a:blip>
@@ -9769,7 +10086,7 @@
             <a:blip r:embed="rId2">
               <a:extLst>
                 <a:ext uri="{96DAC541-7B7A-43D3-8B79-37D633B846F1}">
-                  <asvg:svgBlip xmlns="" xmlns:asvg="http://schemas.microsoft.com/office/drawing/2016/SVG/main" r:embed="rId3"/>
+                  <asvg:svgBlip xmlns:asvg="http://schemas.microsoft.com/office/drawing/2016/SVG/main" xmlns="" r:embed="rId3"/>
                 </a:ext>
               </a:extLst>
             </a:blip>
@@ -10146,7 +10463,7 @@
             <a:blip r:embed="rId2">
               <a:extLst>
                 <a:ext uri="{96DAC541-7B7A-43D3-8B79-37D633B846F1}">
-                  <asvg:svgBlip xmlns="" xmlns:asvg="http://schemas.microsoft.com/office/drawing/2016/SVG/main" r:embed="rId3"/>
+                  <asvg:svgBlip xmlns:asvg="http://schemas.microsoft.com/office/drawing/2016/SVG/main" xmlns="" r:embed="rId3"/>
                 </a:ext>
               </a:extLst>
             </a:blip>
@@ -10198,7 +10515,7 @@
             <a:blip r:embed="rId2">
               <a:extLst>
                 <a:ext uri="{96DAC541-7B7A-43D3-8B79-37D633B846F1}">
-                  <asvg:svgBlip xmlns="" xmlns:asvg="http://schemas.microsoft.com/office/drawing/2016/SVG/main" r:embed="rId3"/>
+                  <asvg:svgBlip xmlns:asvg="http://schemas.microsoft.com/office/drawing/2016/SVG/main" xmlns="" r:embed="rId3"/>
                 </a:ext>
               </a:extLst>
             </a:blip>
@@ -10250,7 +10567,7 @@
             <a:blip r:embed="rId2">
               <a:extLst>
                 <a:ext uri="{96DAC541-7B7A-43D3-8B79-37D633B846F1}">
-                  <asvg:svgBlip xmlns="" xmlns:asvg="http://schemas.microsoft.com/office/drawing/2016/SVG/main" r:embed="rId3"/>
+                  <asvg:svgBlip xmlns:asvg="http://schemas.microsoft.com/office/drawing/2016/SVG/main" xmlns="" r:embed="rId3"/>
                 </a:ext>
               </a:extLst>
             </a:blip>
@@ -10302,7 +10619,7 @@
             <a:blip r:embed="rId2">
               <a:extLst>
                 <a:ext uri="{96DAC541-7B7A-43D3-8B79-37D633B846F1}">
-                  <asvg:svgBlip xmlns="" xmlns:asvg="http://schemas.microsoft.com/office/drawing/2016/SVG/main" r:embed="rId3"/>
+                  <asvg:svgBlip xmlns:asvg="http://schemas.microsoft.com/office/drawing/2016/SVG/main" xmlns="" r:embed="rId3"/>
                 </a:ext>
               </a:extLst>
             </a:blip>
@@ -10354,7 +10671,7 @@
             <a:blip r:embed="rId2">
               <a:extLst>
                 <a:ext uri="{96DAC541-7B7A-43D3-8B79-37D633B846F1}">
-                  <asvg:svgBlip xmlns="" xmlns:asvg="http://schemas.microsoft.com/office/drawing/2016/SVG/main" r:embed="rId3"/>
+                  <asvg:svgBlip xmlns:asvg="http://schemas.microsoft.com/office/drawing/2016/SVG/main" xmlns="" r:embed="rId3"/>
                 </a:ext>
               </a:extLst>
             </a:blip>
@@ -10406,7 +10723,7 @@
             <a:blip r:embed="rId4">
               <a:extLst>
                 <a:ext uri="{96DAC541-7B7A-43D3-8B79-37D633B846F1}">
-                  <asvg:svgBlip xmlns="" xmlns:asvg="http://schemas.microsoft.com/office/drawing/2016/SVG/main" r:embed="rId5"/>
+                  <asvg:svgBlip xmlns:asvg="http://schemas.microsoft.com/office/drawing/2016/SVG/main" xmlns="" r:embed="rId5"/>
                 </a:ext>
               </a:extLst>
             </a:blip>
@@ -10851,7 +11168,7 @@
             <a:blip r:embed="rId2">
               <a:extLst>
                 <a:ext uri="{96DAC541-7B7A-43D3-8B79-37D633B846F1}">
-                  <asvg:svgBlip xmlns="" xmlns:asvg="http://schemas.microsoft.com/office/drawing/2016/SVG/main" r:embed="rId3"/>
+                  <asvg:svgBlip xmlns:asvg="http://schemas.microsoft.com/office/drawing/2016/SVG/main" xmlns="" r:embed="rId3"/>
                 </a:ext>
               </a:extLst>
             </a:blip>
@@ -10903,7 +11220,7 @@
             <a:blip r:embed="rId4">
               <a:extLst>
                 <a:ext uri="{96DAC541-7B7A-43D3-8B79-37D633B846F1}">
-                  <asvg:svgBlip xmlns="" xmlns:asvg="http://schemas.microsoft.com/office/drawing/2016/SVG/main" r:embed="rId5"/>
+                  <asvg:svgBlip xmlns:asvg="http://schemas.microsoft.com/office/drawing/2016/SVG/main" xmlns="" r:embed="rId5"/>
                 </a:ext>
               </a:extLst>
             </a:blip>
@@ -10955,7 +11272,7 @@
             <a:blip r:embed="rId4">
               <a:extLst>
                 <a:ext uri="{96DAC541-7B7A-43D3-8B79-37D633B846F1}">
-                  <asvg:svgBlip xmlns="" xmlns:asvg="http://schemas.microsoft.com/office/drawing/2016/SVG/main" r:embed="rId5"/>
+                  <asvg:svgBlip xmlns:asvg="http://schemas.microsoft.com/office/drawing/2016/SVG/main" xmlns="" r:embed="rId5"/>
                 </a:ext>
               </a:extLst>
             </a:blip>
